--- a/assets/img/dl/pytorch/snippets/dl_pytorch_snippets.pptx
+++ b/assets/img/dl/pytorch/snippets/dl_pytorch_snippets.pptx
@@ -6,6 +6,7 @@
   </p:sldMasterIdLst>
   <p:sldIdLst>
     <p:sldId id="256" r:id="rId2"/>
+    <p:sldId id="257" r:id="rId3"/>
   </p:sldIdLst>
   <p:sldSz cx="9906000" cy="6858000" type="A4"/>
   <p:notesSz cx="6858000" cy="9144000"/>
@@ -104,6 +105,11 @@
       </a:defRPr>
     </a:lvl9pPr>
   </p:defaultTextStyle>
+  <p:extLst>
+    <p:ext uri="{EFAFB233-063F-42B5-8137-9DF3F51BA10A}">
+      <p15:sldGuideLst xmlns:p15="http://schemas.microsoft.com/office/powerpoint/2012/main"/>
+    </p:ext>
+  </p:extLst>
 </p:presentation>
 </file>
 
@@ -3973,6 +3979,2847 @@
 </p:sld>
 </file>
 
+<file path=ppt/slides/slide2.xml><?xml version="1.0" encoding="utf-8"?>
+<p:sld xmlns:a="http://schemas.openxmlformats.org/drawingml/2006/main" xmlns:r="http://schemas.openxmlformats.org/officeDocument/2006/relationships" xmlns:p="http://schemas.openxmlformats.org/presentationml/2006/main">
+  <p:cSld>
+    <p:spTree>
+      <p:nvGrpSpPr>
+        <p:cNvPr id="1" name=""/>
+        <p:cNvGrpSpPr/>
+        <p:nvPr/>
+      </p:nvGrpSpPr>
+      <p:grpSpPr>
+        <a:xfrm>
+          <a:off x="0" y="0"/>
+          <a:ext cx="0" cy="0"/>
+          <a:chOff x="0" y="0"/>
+          <a:chExt cx="0" cy="0"/>
+        </a:xfrm>
+      </p:grpSpPr>
+      <p:grpSp>
+        <p:nvGrpSpPr>
+          <p:cNvPr id="83" name="그룹 82">
+            <a:extLst>
+              <a:ext uri="{FF2B5EF4-FFF2-40B4-BE49-F238E27FC236}">
+                <a16:creationId xmlns:a16="http://schemas.microsoft.com/office/drawing/2014/main" id="{87FE6A63-292F-44D1-BE61-66E7E544B83F}"/>
+              </a:ext>
+            </a:extLst>
+          </p:cNvPr>
+          <p:cNvGrpSpPr/>
+          <p:nvPr/>
+        </p:nvGrpSpPr>
+        <p:grpSpPr>
+          <a:xfrm>
+            <a:off x="946307" y="766482"/>
+            <a:ext cx="3001402" cy="3327548"/>
+            <a:chOff x="2559954" y="649941"/>
+            <a:chExt cx="3001402" cy="3327548"/>
+          </a:xfrm>
+        </p:grpSpPr>
+        <p:grpSp>
+          <p:nvGrpSpPr>
+            <p:cNvPr id="15" name="그룹 14">
+              <a:extLst>
+                <a:ext uri="{FF2B5EF4-FFF2-40B4-BE49-F238E27FC236}">
+                  <a16:creationId xmlns:a16="http://schemas.microsoft.com/office/drawing/2014/main" id="{D5C06B9C-9B2B-480C-AC84-4C1B5B1B329D}"/>
+                </a:ext>
+              </a:extLst>
+            </p:cNvPr>
+            <p:cNvGrpSpPr/>
+            <p:nvPr/>
+          </p:nvGrpSpPr>
+          <p:grpSpPr>
+            <a:xfrm>
+              <a:off x="3065930" y="649941"/>
+              <a:ext cx="1559858" cy="2841813"/>
+              <a:chOff x="977153" y="1896035"/>
+              <a:chExt cx="1559858" cy="2841813"/>
+            </a:xfrm>
+          </p:grpSpPr>
+          <p:sp>
+            <p:nvSpPr>
+              <p:cNvPr id="11" name="정육면체 10">
+                <a:extLst>
+                  <a:ext uri="{FF2B5EF4-FFF2-40B4-BE49-F238E27FC236}">
+                    <a16:creationId xmlns:a16="http://schemas.microsoft.com/office/drawing/2014/main" id="{1F2029C8-8F6E-4E20-92B3-0B26D3E88FAB}"/>
+                  </a:ext>
+                </a:extLst>
+              </p:cNvPr>
+              <p:cNvSpPr/>
+              <p:nvPr/>
+            </p:nvSpPr>
+            <p:spPr>
+              <a:xfrm>
+                <a:off x="977153" y="3859307"/>
+                <a:ext cx="878541" cy="878541"/>
+              </a:xfrm>
+              <a:prstGeom prst="cube">
+                <a:avLst/>
+              </a:prstGeom>
+            </p:spPr>
+            <p:style>
+              <a:lnRef idx="2">
+                <a:schemeClr val="dk1"/>
+              </a:lnRef>
+              <a:fillRef idx="1">
+                <a:schemeClr val="lt1"/>
+              </a:fillRef>
+              <a:effectRef idx="0">
+                <a:schemeClr val="dk1"/>
+              </a:effectRef>
+              <a:fontRef idx="minor">
+                <a:schemeClr val="dk1"/>
+              </a:fontRef>
+            </p:style>
+            <p:txBody>
+              <a:bodyPr rtlCol="0" anchor="ctr"/>
+              <a:lstStyle/>
+              <a:p>
+                <a:pPr algn="ctr"/>
+                <a:endParaRPr lang="ko-KR" altLang="en-US" dirty="0"/>
+              </a:p>
+            </p:txBody>
+          </p:sp>
+          <p:sp>
+            <p:nvSpPr>
+              <p:cNvPr id="12" name="정육면체 11">
+                <a:extLst>
+                  <a:ext uri="{FF2B5EF4-FFF2-40B4-BE49-F238E27FC236}">
+                    <a16:creationId xmlns:a16="http://schemas.microsoft.com/office/drawing/2014/main" id="{CA35B9C5-8284-4364-AF0A-7AE3846C2D18}"/>
+                  </a:ext>
+                </a:extLst>
+              </p:cNvPr>
+              <p:cNvSpPr/>
+              <p:nvPr/>
+            </p:nvSpPr>
+            <p:spPr>
+              <a:xfrm>
+                <a:off x="1658470" y="3859307"/>
+                <a:ext cx="878541" cy="878541"/>
+              </a:xfrm>
+              <a:prstGeom prst="cube">
+                <a:avLst/>
+              </a:prstGeom>
+            </p:spPr>
+            <p:style>
+              <a:lnRef idx="2">
+                <a:schemeClr val="dk1"/>
+              </a:lnRef>
+              <a:fillRef idx="1">
+                <a:schemeClr val="lt1"/>
+              </a:fillRef>
+              <a:effectRef idx="0">
+                <a:schemeClr val="dk1"/>
+              </a:effectRef>
+              <a:fontRef idx="minor">
+                <a:schemeClr val="dk1"/>
+              </a:fontRef>
+            </p:style>
+            <p:txBody>
+              <a:bodyPr rtlCol="0" anchor="ctr"/>
+              <a:lstStyle/>
+              <a:p>
+                <a:pPr algn="ctr"/>
+                <a:endParaRPr lang="ko-KR" altLang="en-US" dirty="0"/>
+              </a:p>
+            </p:txBody>
+          </p:sp>
+          <p:sp>
+            <p:nvSpPr>
+              <p:cNvPr id="13" name="정육면체 12">
+                <a:extLst>
+                  <a:ext uri="{FF2B5EF4-FFF2-40B4-BE49-F238E27FC236}">
+                    <a16:creationId xmlns:a16="http://schemas.microsoft.com/office/drawing/2014/main" id="{496BB2E8-C89B-49C5-AE4B-B7E04CD9F1F3}"/>
+                  </a:ext>
+                </a:extLst>
+              </p:cNvPr>
+              <p:cNvSpPr/>
+              <p:nvPr/>
+            </p:nvSpPr>
+            <p:spPr>
+              <a:xfrm>
+                <a:off x="977153" y="3204883"/>
+                <a:ext cx="878541" cy="878541"/>
+              </a:xfrm>
+              <a:prstGeom prst="cube">
+                <a:avLst/>
+              </a:prstGeom>
+            </p:spPr>
+            <p:style>
+              <a:lnRef idx="2">
+                <a:schemeClr val="dk1"/>
+              </a:lnRef>
+              <a:fillRef idx="1">
+                <a:schemeClr val="lt1"/>
+              </a:fillRef>
+              <a:effectRef idx="0">
+                <a:schemeClr val="dk1"/>
+              </a:effectRef>
+              <a:fontRef idx="minor">
+                <a:schemeClr val="dk1"/>
+              </a:fontRef>
+            </p:style>
+            <p:txBody>
+              <a:bodyPr rtlCol="0" anchor="ctr"/>
+              <a:lstStyle/>
+              <a:p>
+                <a:pPr algn="ctr"/>
+                <a:endParaRPr lang="ko-KR" altLang="en-US" dirty="0"/>
+              </a:p>
+            </p:txBody>
+          </p:sp>
+          <p:sp>
+            <p:nvSpPr>
+              <p:cNvPr id="14" name="정육면체 13">
+                <a:extLst>
+                  <a:ext uri="{FF2B5EF4-FFF2-40B4-BE49-F238E27FC236}">
+                    <a16:creationId xmlns:a16="http://schemas.microsoft.com/office/drawing/2014/main" id="{A52554B1-D7CB-40FD-814C-8DC62B71B870}"/>
+                  </a:ext>
+                </a:extLst>
+              </p:cNvPr>
+              <p:cNvSpPr/>
+              <p:nvPr/>
+            </p:nvSpPr>
+            <p:spPr>
+              <a:xfrm>
+                <a:off x="1658470" y="3204883"/>
+                <a:ext cx="878541" cy="878541"/>
+              </a:xfrm>
+              <a:prstGeom prst="cube">
+                <a:avLst/>
+              </a:prstGeom>
+            </p:spPr>
+            <p:style>
+              <a:lnRef idx="2">
+                <a:schemeClr val="dk1"/>
+              </a:lnRef>
+              <a:fillRef idx="1">
+                <a:schemeClr val="lt1"/>
+              </a:fillRef>
+              <a:effectRef idx="0">
+                <a:schemeClr val="dk1"/>
+              </a:effectRef>
+              <a:fontRef idx="minor">
+                <a:schemeClr val="dk1"/>
+              </a:fontRef>
+            </p:style>
+            <p:txBody>
+              <a:bodyPr rtlCol="0" anchor="ctr"/>
+              <a:lstStyle/>
+              <a:p>
+                <a:pPr algn="ctr"/>
+                <a:endParaRPr lang="ko-KR" altLang="en-US" dirty="0"/>
+              </a:p>
+            </p:txBody>
+          </p:sp>
+          <p:sp>
+            <p:nvSpPr>
+              <p:cNvPr id="9" name="정육면체 8">
+                <a:extLst>
+                  <a:ext uri="{FF2B5EF4-FFF2-40B4-BE49-F238E27FC236}">
+                    <a16:creationId xmlns:a16="http://schemas.microsoft.com/office/drawing/2014/main" id="{34ACE0E5-22DD-454F-B1D0-D6ACA92361FE}"/>
+                  </a:ext>
+                </a:extLst>
+              </p:cNvPr>
+              <p:cNvSpPr/>
+              <p:nvPr/>
+            </p:nvSpPr>
+            <p:spPr>
+              <a:xfrm>
+                <a:off x="977153" y="2550459"/>
+                <a:ext cx="878541" cy="878541"/>
+              </a:xfrm>
+              <a:prstGeom prst="cube">
+                <a:avLst/>
+              </a:prstGeom>
+            </p:spPr>
+            <p:style>
+              <a:lnRef idx="2">
+                <a:schemeClr val="dk1"/>
+              </a:lnRef>
+              <a:fillRef idx="1">
+                <a:schemeClr val="lt1"/>
+              </a:fillRef>
+              <a:effectRef idx="0">
+                <a:schemeClr val="dk1"/>
+              </a:effectRef>
+              <a:fontRef idx="minor">
+                <a:schemeClr val="dk1"/>
+              </a:fontRef>
+            </p:style>
+            <p:txBody>
+              <a:bodyPr rtlCol="0" anchor="ctr"/>
+              <a:lstStyle/>
+              <a:p>
+                <a:pPr algn="ctr"/>
+                <a:endParaRPr lang="ko-KR" altLang="en-US" dirty="0"/>
+              </a:p>
+            </p:txBody>
+          </p:sp>
+          <p:sp>
+            <p:nvSpPr>
+              <p:cNvPr id="10" name="정육면체 9">
+                <a:extLst>
+                  <a:ext uri="{FF2B5EF4-FFF2-40B4-BE49-F238E27FC236}">
+                    <a16:creationId xmlns:a16="http://schemas.microsoft.com/office/drawing/2014/main" id="{88285D18-1E10-4016-BF3A-7F815E7CFDAE}"/>
+                  </a:ext>
+                </a:extLst>
+              </p:cNvPr>
+              <p:cNvSpPr/>
+              <p:nvPr/>
+            </p:nvSpPr>
+            <p:spPr>
+              <a:xfrm>
+                <a:off x="1658470" y="2550459"/>
+                <a:ext cx="878541" cy="878541"/>
+              </a:xfrm>
+              <a:prstGeom prst="cube">
+                <a:avLst/>
+              </a:prstGeom>
+            </p:spPr>
+            <p:style>
+              <a:lnRef idx="2">
+                <a:schemeClr val="dk1"/>
+              </a:lnRef>
+              <a:fillRef idx="1">
+                <a:schemeClr val="lt1"/>
+              </a:fillRef>
+              <a:effectRef idx="0">
+                <a:schemeClr val="dk1"/>
+              </a:effectRef>
+              <a:fontRef idx="minor">
+                <a:schemeClr val="dk1"/>
+              </a:fontRef>
+            </p:style>
+            <p:txBody>
+              <a:bodyPr rtlCol="0" anchor="ctr"/>
+              <a:lstStyle/>
+              <a:p>
+                <a:pPr algn="ctr"/>
+                <a:endParaRPr lang="ko-KR" altLang="en-US" dirty="0"/>
+              </a:p>
+            </p:txBody>
+          </p:sp>
+          <p:sp>
+            <p:nvSpPr>
+              <p:cNvPr id="6" name="정육면체 5">
+                <a:extLst>
+                  <a:ext uri="{FF2B5EF4-FFF2-40B4-BE49-F238E27FC236}">
+                    <a16:creationId xmlns:a16="http://schemas.microsoft.com/office/drawing/2014/main" id="{F0B5A87F-17EE-4F2F-8D6D-C8726BBE9AA9}"/>
+                  </a:ext>
+                </a:extLst>
+              </p:cNvPr>
+              <p:cNvSpPr/>
+              <p:nvPr/>
+            </p:nvSpPr>
+            <p:spPr>
+              <a:xfrm>
+                <a:off x="977153" y="1896035"/>
+                <a:ext cx="878541" cy="878541"/>
+              </a:xfrm>
+              <a:prstGeom prst="cube">
+                <a:avLst/>
+              </a:prstGeom>
+            </p:spPr>
+            <p:style>
+              <a:lnRef idx="2">
+                <a:schemeClr val="dk1"/>
+              </a:lnRef>
+              <a:fillRef idx="1">
+                <a:schemeClr val="lt1"/>
+              </a:fillRef>
+              <a:effectRef idx="0">
+                <a:schemeClr val="dk1"/>
+              </a:effectRef>
+              <a:fontRef idx="minor">
+                <a:schemeClr val="dk1"/>
+              </a:fontRef>
+            </p:style>
+            <p:txBody>
+              <a:bodyPr rtlCol="0" anchor="ctr"/>
+              <a:lstStyle/>
+              <a:p>
+                <a:pPr algn="ctr"/>
+                <a:endParaRPr lang="ko-KR" altLang="en-US" dirty="0"/>
+              </a:p>
+            </p:txBody>
+          </p:sp>
+          <p:sp>
+            <p:nvSpPr>
+              <p:cNvPr id="8" name="정육면체 7">
+                <a:extLst>
+                  <a:ext uri="{FF2B5EF4-FFF2-40B4-BE49-F238E27FC236}">
+                    <a16:creationId xmlns:a16="http://schemas.microsoft.com/office/drawing/2014/main" id="{66941CE8-BBBD-401D-B6D4-7AB4492047F2}"/>
+                  </a:ext>
+                </a:extLst>
+              </p:cNvPr>
+              <p:cNvSpPr/>
+              <p:nvPr/>
+            </p:nvSpPr>
+            <p:spPr>
+              <a:xfrm>
+                <a:off x="1658470" y="1896035"/>
+                <a:ext cx="878541" cy="878541"/>
+              </a:xfrm>
+              <a:prstGeom prst="cube">
+                <a:avLst/>
+              </a:prstGeom>
+            </p:spPr>
+            <p:style>
+              <a:lnRef idx="2">
+                <a:schemeClr val="dk1"/>
+              </a:lnRef>
+              <a:fillRef idx="1">
+                <a:schemeClr val="lt1"/>
+              </a:fillRef>
+              <a:effectRef idx="0">
+                <a:schemeClr val="dk1"/>
+              </a:effectRef>
+              <a:fontRef idx="minor">
+                <a:schemeClr val="dk1"/>
+              </a:fontRef>
+            </p:style>
+            <p:txBody>
+              <a:bodyPr rtlCol="0" anchor="ctr"/>
+              <a:lstStyle/>
+              <a:p>
+                <a:pPr algn="ctr"/>
+                <a:endParaRPr lang="ko-KR" altLang="en-US" dirty="0"/>
+              </a:p>
+            </p:txBody>
+          </p:sp>
+        </p:grpSp>
+        <p:grpSp>
+          <p:nvGrpSpPr>
+            <p:cNvPr id="16" name="그룹 15">
+              <a:extLst>
+                <a:ext uri="{FF2B5EF4-FFF2-40B4-BE49-F238E27FC236}">
+                  <a16:creationId xmlns:a16="http://schemas.microsoft.com/office/drawing/2014/main" id="{EC47154F-7B03-480C-8146-061C33CF2608}"/>
+                </a:ext>
+              </a:extLst>
+            </p:cNvPr>
+            <p:cNvGrpSpPr/>
+            <p:nvPr/>
+          </p:nvGrpSpPr>
+          <p:grpSpPr>
+            <a:xfrm>
+              <a:off x="2821642" y="889298"/>
+              <a:ext cx="1559858" cy="2841813"/>
+              <a:chOff x="977153" y="1896035"/>
+              <a:chExt cx="1559858" cy="2841813"/>
+            </a:xfrm>
+          </p:grpSpPr>
+          <p:sp>
+            <p:nvSpPr>
+              <p:cNvPr id="17" name="정육면체 16">
+                <a:extLst>
+                  <a:ext uri="{FF2B5EF4-FFF2-40B4-BE49-F238E27FC236}">
+                    <a16:creationId xmlns:a16="http://schemas.microsoft.com/office/drawing/2014/main" id="{10F99519-BB79-4A73-9867-8E6FC225CB37}"/>
+                  </a:ext>
+                </a:extLst>
+              </p:cNvPr>
+              <p:cNvSpPr/>
+              <p:nvPr/>
+            </p:nvSpPr>
+            <p:spPr>
+              <a:xfrm>
+                <a:off x="977153" y="3859307"/>
+                <a:ext cx="878541" cy="878541"/>
+              </a:xfrm>
+              <a:prstGeom prst="cube">
+                <a:avLst/>
+              </a:prstGeom>
+            </p:spPr>
+            <p:style>
+              <a:lnRef idx="2">
+                <a:schemeClr val="dk1"/>
+              </a:lnRef>
+              <a:fillRef idx="1">
+                <a:schemeClr val="lt1"/>
+              </a:fillRef>
+              <a:effectRef idx="0">
+                <a:schemeClr val="dk1"/>
+              </a:effectRef>
+              <a:fontRef idx="minor">
+                <a:schemeClr val="dk1"/>
+              </a:fontRef>
+            </p:style>
+            <p:txBody>
+              <a:bodyPr rtlCol="0" anchor="ctr"/>
+              <a:lstStyle/>
+              <a:p>
+                <a:pPr algn="ctr"/>
+                <a:endParaRPr lang="ko-KR" altLang="en-US" dirty="0"/>
+              </a:p>
+            </p:txBody>
+          </p:sp>
+          <p:sp>
+            <p:nvSpPr>
+              <p:cNvPr id="18" name="정육면체 17">
+                <a:extLst>
+                  <a:ext uri="{FF2B5EF4-FFF2-40B4-BE49-F238E27FC236}">
+                    <a16:creationId xmlns:a16="http://schemas.microsoft.com/office/drawing/2014/main" id="{BAEC6BEE-9CC2-4489-832D-0DC5157ED8DD}"/>
+                  </a:ext>
+                </a:extLst>
+              </p:cNvPr>
+              <p:cNvSpPr/>
+              <p:nvPr/>
+            </p:nvSpPr>
+            <p:spPr>
+              <a:xfrm>
+                <a:off x="1658470" y="3859307"/>
+                <a:ext cx="878541" cy="878541"/>
+              </a:xfrm>
+              <a:prstGeom prst="cube">
+                <a:avLst/>
+              </a:prstGeom>
+            </p:spPr>
+            <p:style>
+              <a:lnRef idx="2">
+                <a:schemeClr val="dk1"/>
+              </a:lnRef>
+              <a:fillRef idx="1">
+                <a:schemeClr val="lt1"/>
+              </a:fillRef>
+              <a:effectRef idx="0">
+                <a:schemeClr val="dk1"/>
+              </a:effectRef>
+              <a:fontRef idx="minor">
+                <a:schemeClr val="dk1"/>
+              </a:fontRef>
+            </p:style>
+            <p:txBody>
+              <a:bodyPr rtlCol="0" anchor="ctr"/>
+              <a:lstStyle/>
+              <a:p>
+                <a:pPr algn="ctr"/>
+                <a:endParaRPr lang="ko-KR" altLang="en-US" dirty="0"/>
+              </a:p>
+            </p:txBody>
+          </p:sp>
+          <p:sp>
+            <p:nvSpPr>
+              <p:cNvPr id="19" name="정육면체 18">
+                <a:extLst>
+                  <a:ext uri="{FF2B5EF4-FFF2-40B4-BE49-F238E27FC236}">
+                    <a16:creationId xmlns:a16="http://schemas.microsoft.com/office/drawing/2014/main" id="{D76A669D-5125-429B-9369-4498B24E3A1C}"/>
+                  </a:ext>
+                </a:extLst>
+              </p:cNvPr>
+              <p:cNvSpPr/>
+              <p:nvPr/>
+            </p:nvSpPr>
+            <p:spPr>
+              <a:xfrm>
+                <a:off x="977153" y="3204883"/>
+                <a:ext cx="878541" cy="878541"/>
+              </a:xfrm>
+              <a:prstGeom prst="cube">
+                <a:avLst/>
+              </a:prstGeom>
+            </p:spPr>
+            <p:style>
+              <a:lnRef idx="2">
+                <a:schemeClr val="dk1"/>
+              </a:lnRef>
+              <a:fillRef idx="1">
+                <a:schemeClr val="lt1"/>
+              </a:fillRef>
+              <a:effectRef idx="0">
+                <a:schemeClr val="dk1"/>
+              </a:effectRef>
+              <a:fontRef idx="minor">
+                <a:schemeClr val="dk1"/>
+              </a:fontRef>
+            </p:style>
+            <p:txBody>
+              <a:bodyPr rtlCol="0" anchor="ctr"/>
+              <a:lstStyle/>
+              <a:p>
+                <a:pPr algn="ctr"/>
+                <a:endParaRPr lang="ko-KR" altLang="en-US" dirty="0"/>
+              </a:p>
+            </p:txBody>
+          </p:sp>
+          <p:sp>
+            <p:nvSpPr>
+              <p:cNvPr id="20" name="정육면체 19">
+                <a:extLst>
+                  <a:ext uri="{FF2B5EF4-FFF2-40B4-BE49-F238E27FC236}">
+                    <a16:creationId xmlns:a16="http://schemas.microsoft.com/office/drawing/2014/main" id="{11874ED8-83B9-4A76-9792-730E0322FE1E}"/>
+                  </a:ext>
+                </a:extLst>
+              </p:cNvPr>
+              <p:cNvSpPr/>
+              <p:nvPr/>
+            </p:nvSpPr>
+            <p:spPr>
+              <a:xfrm>
+                <a:off x="1658470" y="3204883"/>
+                <a:ext cx="878541" cy="878541"/>
+              </a:xfrm>
+              <a:prstGeom prst="cube">
+                <a:avLst/>
+              </a:prstGeom>
+            </p:spPr>
+            <p:style>
+              <a:lnRef idx="2">
+                <a:schemeClr val="dk1"/>
+              </a:lnRef>
+              <a:fillRef idx="1">
+                <a:schemeClr val="lt1"/>
+              </a:fillRef>
+              <a:effectRef idx="0">
+                <a:schemeClr val="dk1"/>
+              </a:effectRef>
+              <a:fontRef idx="minor">
+                <a:schemeClr val="dk1"/>
+              </a:fontRef>
+            </p:style>
+            <p:txBody>
+              <a:bodyPr rtlCol="0" anchor="ctr"/>
+              <a:lstStyle/>
+              <a:p>
+                <a:pPr algn="ctr"/>
+                <a:endParaRPr lang="ko-KR" altLang="en-US" dirty="0"/>
+              </a:p>
+            </p:txBody>
+          </p:sp>
+          <p:sp>
+            <p:nvSpPr>
+              <p:cNvPr id="21" name="정육면체 20">
+                <a:extLst>
+                  <a:ext uri="{FF2B5EF4-FFF2-40B4-BE49-F238E27FC236}">
+                    <a16:creationId xmlns:a16="http://schemas.microsoft.com/office/drawing/2014/main" id="{DF558A24-5891-4BDF-AC0F-DAC8B45C98E5}"/>
+                  </a:ext>
+                </a:extLst>
+              </p:cNvPr>
+              <p:cNvSpPr/>
+              <p:nvPr/>
+            </p:nvSpPr>
+            <p:spPr>
+              <a:xfrm>
+                <a:off x="977153" y="2550459"/>
+                <a:ext cx="878541" cy="878541"/>
+              </a:xfrm>
+              <a:prstGeom prst="cube">
+                <a:avLst/>
+              </a:prstGeom>
+            </p:spPr>
+            <p:style>
+              <a:lnRef idx="2">
+                <a:schemeClr val="dk1"/>
+              </a:lnRef>
+              <a:fillRef idx="1">
+                <a:schemeClr val="lt1"/>
+              </a:fillRef>
+              <a:effectRef idx="0">
+                <a:schemeClr val="dk1"/>
+              </a:effectRef>
+              <a:fontRef idx="minor">
+                <a:schemeClr val="dk1"/>
+              </a:fontRef>
+            </p:style>
+            <p:txBody>
+              <a:bodyPr rtlCol="0" anchor="ctr"/>
+              <a:lstStyle/>
+              <a:p>
+                <a:pPr algn="ctr"/>
+                <a:endParaRPr lang="ko-KR" altLang="en-US" dirty="0"/>
+              </a:p>
+            </p:txBody>
+          </p:sp>
+          <p:sp>
+            <p:nvSpPr>
+              <p:cNvPr id="22" name="정육면체 21">
+                <a:extLst>
+                  <a:ext uri="{FF2B5EF4-FFF2-40B4-BE49-F238E27FC236}">
+                    <a16:creationId xmlns:a16="http://schemas.microsoft.com/office/drawing/2014/main" id="{A002B943-54D5-4405-AE77-85F6F1562AC1}"/>
+                  </a:ext>
+                </a:extLst>
+              </p:cNvPr>
+              <p:cNvSpPr/>
+              <p:nvPr/>
+            </p:nvSpPr>
+            <p:spPr>
+              <a:xfrm>
+                <a:off x="1658470" y="2550459"/>
+                <a:ext cx="878541" cy="878541"/>
+              </a:xfrm>
+              <a:prstGeom prst="cube">
+                <a:avLst/>
+              </a:prstGeom>
+            </p:spPr>
+            <p:style>
+              <a:lnRef idx="2">
+                <a:schemeClr val="dk1"/>
+              </a:lnRef>
+              <a:fillRef idx="1">
+                <a:schemeClr val="lt1"/>
+              </a:fillRef>
+              <a:effectRef idx="0">
+                <a:schemeClr val="dk1"/>
+              </a:effectRef>
+              <a:fontRef idx="minor">
+                <a:schemeClr val="dk1"/>
+              </a:fontRef>
+            </p:style>
+            <p:txBody>
+              <a:bodyPr rtlCol="0" anchor="ctr"/>
+              <a:lstStyle/>
+              <a:p>
+                <a:pPr algn="ctr"/>
+                <a:endParaRPr lang="ko-KR" altLang="en-US" dirty="0"/>
+              </a:p>
+            </p:txBody>
+          </p:sp>
+          <p:sp>
+            <p:nvSpPr>
+              <p:cNvPr id="23" name="정육면체 22">
+                <a:extLst>
+                  <a:ext uri="{FF2B5EF4-FFF2-40B4-BE49-F238E27FC236}">
+                    <a16:creationId xmlns:a16="http://schemas.microsoft.com/office/drawing/2014/main" id="{DC13DA53-431B-47B7-97D9-22211A019E9D}"/>
+                  </a:ext>
+                </a:extLst>
+              </p:cNvPr>
+              <p:cNvSpPr/>
+              <p:nvPr/>
+            </p:nvSpPr>
+            <p:spPr>
+              <a:xfrm>
+                <a:off x="977153" y="1896035"/>
+                <a:ext cx="878541" cy="878541"/>
+              </a:xfrm>
+              <a:prstGeom prst="cube">
+                <a:avLst/>
+              </a:prstGeom>
+            </p:spPr>
+            <p:style>
+              <a:lnRef idx="2">
+                <a:schemeClr val="dk1"/>
+              </a:lnRef>
+              <a:fillRef idx="1">
+                <a:schemeClr val="lt1"/>
+              </a:fillRef>
+              <a:effectRef idx="0">
+                <a:schemeClr val="dk1"/>
+              </a:effectRef>
+              <a:fontRef idx="minor">
+                <a:schemeClr val="dk1"/>
+              </a:fontRef>
+            </p:style>
+            <p:txBody>
+              <a:bodyPr rtlCol="0" anchor="ctr"/>
+              <a:lstStyle/>
+              <a:p>
+                <a:pPr algn="ctr"/>
+                <a:endParaRPr lang="ko-KR" altLang="en-US" dirty="0"/>
+              </a:p>
+            </p:txBody>
+          </p:sp>
+          <p:sp>
+            <p:nvSpPr>
+              <p:cNvPr id="24" name="정육면체 23">
+                <a:extLst>
+                  <a:ext uri="{FF2B5EF4-FFF2-40B4-BE49-F238E27FC236}">
+                    <a16:creationId xmlns:a16="http://schemas.microsoft.com/office/drawing/2014/main" id="{CE8EFA21-55FB-4FEE-8535-62C3EDE0BFF2}"/>
+                  </a:ext>
+                </a:extLst>
+              </p:cNvPr>
+              <p:cNvSpPr/>
+              <p:nvPr/>
+            </p:nvSpPr>
+            <p:spPr>
+              <a:xfrm>
+                <a:off x="1658470" y="1896035"/>
+                <a:ext cx="878541" cy="878541"/>
+              </a:xfrm>
+              <a:prstGeom prst="cube">
+                <a:avLst/>
+              </a:prstGeom>
+            </p:spPr>
+            <p:style>
+              <a:lnRef idx="2">
+                <a:schemeClr val="dk1"/>
+              </a:lnRef>
+              <a:fillRef idx="1">
+                <a:schemeClr val="lt1"/>
+              </a:fillRef>
+              <a:effectRef idx="0">
+                <a:schemeClr val="dk1"/>
+              </a:effectRef>
+              <a:fontRef idx="minor">
+                <a:schemeClr val="dk1"/>
+              </a:fontRef>
+            </p:style>
+            <p:txBody>
+              <a:bodyPr rtlCol="0" anchor="ctr"/>
+              <a:lstStyle/>
+              <a:p>
+                <a:pPr algn="ctr"/>
+                <a:endParaRPr lang="ko-KR" altLang="en-US" dirty="0"/>
+              </a:p>
+            </p:txBody>
+          </p:sp>
+        </p:grpSp>
+        <p:sp>
+          <p:nvSpPr>
+            <p:cNvPr id="26" name="정육면체 25">
+              <a:extLst>
+                <a:ext uri="{FF2B5EF4-FFF2-40B4-BE49-F238E27FC236}">
+                  <a16:creationId xmlns:a16="http://schemas.microsoft.com/office/drawing/2014/main" id="{B2AC6669-9733-4A5E-9C00-76C463EA6916}"/>
+                </a:ext>
+              </a:extLst>
+            </p:cNvPr>
+            <p:cNvSpPr/>
+            <p:nvPr/>
+          </p:nvSpPr>
+          <p:spPr>
+            <a:xfrm>
+              <a:off x="2577354" y="3098948"/>
+              <a:ext cx="878541" cy="878541"/>
+            </a:xfrm>
+            <a:prstGeom prst="cube">
+              <a:avLst/>
+            </a:prstGeom>
+          </p:spPr>
+          <p:style>
+            <a:lnRef idx="2">
+              <a:schemeClr val="dk1"/>
+            </a:lnRef>
+            <a:fillRef idx="1">
+              <a:schemeClr val="lt1"/>
+            </a:fillRef>
+            <a:effectRef idx="0">
+              <a:schemeClr val="dk1"/>
+            </a:effectRef>
+            <a:fontRef idx="minor">
+              <a:schemeClr val="dk1"/>
+            </a:fontRef>
+          </p:style>
+          <p:txBody>
+            <a:bodyPr rtlCol="0" anchor="ctr"/>
+            <a:lstStyle/>
+            <a:p>
+              <a:pPr algn="ctr"/>
+              <a:endParaRPr lang="ko-KR" altLang="en-US" dirty="0"/>
+            </a:p>
+          </p:txBody>
+        </p:sp>
+        <p:sp>
+          <p:nvSpPr>
+            <p:cNvPr id="27" name="정육면체 26">
+              <a:extLst>
+                <a:ext uri="{FF2B5EF4-FFF2-40B4-BE49-F238E27FC236}">
+                  <a16:creationId xmlns:a16="http://schemas.microsoft.com/office/drawing/2014/main" id="{28E3A4D1-68C4-4AE4-BFDC-2D737401C116}"/>
+                </a:ext>
+              </a:extLst>
+            </p:cNvPr>
+            <p:cNvSpPr/>
+            <p:nvPr/>
+          </p:nvSpPr>
+          <p:spPr>
+            <a:xfrm>
+              <a:off x="3258671" y="3098948"/>
+              <a:ext cx="878541" cy="878541"/>
+            </a:xfrm>
+            <a:prstGeom prst="cube">
+              <a:avLst/>
+            </a:prstGeom>
+          </p:spPr>
+          <p:style>
+            <a:lnRef idx="2">
+              <a:schemeClr val="dk1"/>
+            </a:lnRef>
+            <a:fillRef idx="1">
+              <a:schemeClr val="lt1"/>
+            </a:fillRef>
+            <a:effectRef idx="0">
+              <a:schemeClr val="dk1"/>
+            </a:effectRef>
+            <a:fontRef idx="minor">
+              <a:schemeClr val="dk1"/>
+            </a:fontRef>
+          </p:style>
+          <p:txBody>
+            <a:bodyPr rtlCol="0" anchor="ctr"/>
+            <a:lstStyle/>
+            <a:p>
+              <a:pPr algn="ctr"/>
+              <a:endParaRPr lang="ko-KR" altLang="en-US" dirty="0"/>
+            </a:p>
+          </p:txBody>
+        </p:sp>
+        <p:sp>
+          <p:nvSpPr>
+            <p:cNvPr id="28" name="정육면체 27">
+              <a:extLst>
+                <a:ext uri="{FF2B5EF4-FFF2-40B4-BE49-F238E27FC236}">
+                  <a16:creationId xmlns:a16="http://schemas.microsoft.com/office/drawing/2014/main" id="{DB512E68-822D-4460-B639-9304EF8AA7E9}"/>
+                </a:ext>
+              </a:extLst>
+            </p:cNvPr>
+            <p:cNvSpPr/>
+            <p:nvPr/>
+          </p:nvSpPr>
+          <p:spPr>
+            <a:xfrm>
+              <a:off x="2577354" y="2444524"/>
+              <a:ext cx="878541" cy="878541"/>
+            </a:xfrm>
+            <a:prstGeom prst="cube">
+              <a:avLst/>
+            </a:prstGeom>
+          </p:spPr>
+          <p:style>
+            <a:lnRef idx="2">
+              <a:schemeClr val="dk1"/>
+            </a:lnRef>
+            <a:fillRef idx="1">
+              <a:schemeClr val="lt1"/>
+            </a:fillRef>
+            <a:effectRef idx="0">
+              <a:schemeClr val="dk1"/>
+            </a:effectRef>
+            <a:fontRef idx="minor">
+              <a:schemeClr val="dk1"/>
+            </a:fontRef>
+          </p:style>
+          <p:txBody>
+            <a:bodyPr rtlCol="0" anchor="ctr"/>
+            <a:lstStyle/>
+            <a:p>
+              <a:pPr algn="ctr"/>
+              <a:endParaRPr lang="ko-KR" altLang="en-US" dirty="0"/>
+            </a:p>
+          </p:txBody>
+        </p:sp>
+        <p:sp>
+          <p:nvSpPr>
+            <p:cNvPr id="29" name="정육면체 28">
+              <a:extLst>
+                <a:ext uri="{FF2B5EF4-FFF2-40B4-BE49-F238E27FC236}">
+                  <a16:creationId xmlns:a16="http://schemas.microsoft.com/office/drawing/2014/main" id="{1CBC8A37-DA74-4DE7-A613-DB3A135CED82}"/>
+                </a:ext>
+              </a:extLst>
+            </p:cNvPr>
+            <p:cNvSpPr/>
+            <p:nvPr/>
+          </p:nvSpPr>
+          <p:spPr>
+            <a:xfrm>
+              <a:off x="3258671" y="2444524"/>
+              <a:ext cx="878541" cy="878541"/>
+            </a:xfrm>
+            <a:prstGeom prst="cube">
+              <a:avLst/>
+            </a:prstGeom>
+          </p:spPr>
+          <p:style>
+            <a:lnRef idx="2">
+              <a:schemeClr val="dk1"/>
+            </a:lnRef>
+            <a:fillRef idx="1">
+              <a:schemeClr val="lt1"/>
+            </a:fillRef>
+            <a:effectRef idx="0">
+              <a:schemeClr val="dk1"/>
+            </a:effectRef>
+            <a:fontRef idx="minor">
+              <a:schemeClr val="dk1"/>
+            </a:fontRef>
+          </p:style>
+          <p:txBody>
+            <a:bodyPr rtlCol="0" anchor="ctr"/>
+            <a:lstStyle/>
+            <a:p>
+              <a:pPr algn="ctr"/>
+              <a:endParaRPr lang="ko-KR" altLang="en-US" dirty="0"/>
+            </a:p>
+          </p:txBody>
+        </p:sp>
+        <p:sp>
+          <p:nvSpPr>
+            <p:cNvPr id="30" name="정육면체 29">
+              <a:extLst>
+                <a:ext uri="{FF2B5EF4-FFF2-40B4-BE49-F238E27FC236}">
+                  <a16:creationId xmlns:a16="http://schemas.microsoft.com/office/drawing/2014/main" id="{2A31F946-6576-4FFE-A586-E1D97A0207B0}"/>
+                </a:ext>
+              </a:extLst>
+            </p:cNvPr>
+            <p:cNvSpPr/>
+            <p:nvPr/>
+          </p:nvSpPr>
+          <p:spPr>
+            <a:xfrm>
+              <a:off x="2577354" y="1790100"/>
+              <a:ext cx="878541" cy="878541"/>
+            </a:xfrm>
+            <a:prstGeom prst="cube">
+              <a:avLst/>
+            </a:prstGeom>
+          </p:spPr>
+          <p:style>
+            <a:lnRef idx="2">
+              <a:schemeClr val="dk1"/>
+            </a:lnRef>
+            <a:fillRef idx="1">
+              <a:schemeClr val="lt1"/>
+            </a:fillRef>
+            <a:effectRef idx="0">
+              <a:schemeClr val="dk1"/>
+            </a:effectRef>
+            <a:fontRef idx="minor">
+              <a:schemeClr val="dk1"/>
+            </a:fontRef>
+          </p:style>
+          <p:txBody>
+            <a:bodyPr rtlCol="0" anchor="ctr"/>
+            <a:lstStyle/>
+            <a:p>
+              <a:pPr algn="ctr"/>
+              <a:endParaRPr lang="ko-KR" altLang="en-US" dirty="0"/>
+            </a:p>
+          </p:txBody>
+        </p:sp>
+        <p:sp>
+          <p:nvSpPr>
+            <p:cNvPr id="31" name="정육면체 30">
+              <a:extLst>
+                <a:ext uri="{FF2B5EF4-FFF2-40B4-BE49-F238E27FC236}">
+                  <a16:creationId xmlns:a16="http://schemas.microsoft.com/office/drawing/2014/main" id="{6F7FA710-9EC8-4ED4-981C-9E53BE51F380}"/>
+                </a:ext>
+              </a:extLst>
+            </p:cNvPr>
+            <p:cNvSpPr/>
+            <p:nvPr/>
+          </p:nvSpPr>
+          <p:spPr>
+            <a:xfrm>
+              <a:off x="3258671" y="1790100"/>
+              <a:ext cx="878541" cy="878541"/>
+            </a:xfrm>
+            <a:prstGeom prst="cube">
+              <a:avLst/>
+            </a:prstGeom>
+          </p:spPr>
+          <p:style>
+            <a:lnRef idx="2">
+              <a:schemeClr val="dk1"/>
+            </a:lnRef>
+            <a:fillRef idx="1">
+              <a:schemeClr val="lt1"/>
+            </a:fillRef>
+            <a:effectRef idx="0">
+              <a:schemeClr val="dk1"/>
+            </a:effectRef>
+            <a:fontRef idx="minor">
+              <a:schemeClr val="dk1"/>
+            </a:fontRef>
+          </p:style>
+          <p:txBody>
+            <a:bodyPr rtlCol="0" anchor="ctr"/>
+            <a:lstStyle/>
+            <a:p>
+              <a:pPr algn="ctr"/>
+              <a:endParaRPr lang="ko-KR" altLang="en-US" dirty="0"/>
+            </a:p>
+          </p:txBody>
+        </p:sp>
+        <p:sp>
+          <p:nvSpPr>
+            <p:cNvPr id="32" name="정육면체 31">
+              <a:extLst>
+                <a:ext uri="{FF2B5EF4-FFF2-40B4-BE49-F238E27FC236}">
+                  <a16:creationId xmlns:a16="http://schemas.microsoft.com/office/drawing/2014/main" id="{E517E084-0ED8-47A1-9E8C-502336ED57B1}"/>
+                </a:ext>
+              </a:extLst>
+            </p:cNvPr>
+            <p:cNvSpPr/>
+            <p:nvPr/>
+          </p:nvSpPr>
+          <p:spPr>
+            <a:xfrm>
+              <a:off x="2577354" y="1135676"/>
+              <a:ext cx="878541" cy="878541"/>
+            </a:xfrm>
+            <a:prstGeom prst="cube">
+              <a:avLst/>
+            </a:prstGeom>
+          </p:spPr>
+          <p:style>
+            <a:lnRef idx="2">
+              <a:schemeClr val="dk1"/>
+            </a:lnRef>
+            <a:fillRef idx="1">
+              <a:schemeClr val="lt1"/>
+            </a:fillRef>
+            <a:effectRef idx="0">
+              <a:schemeClr val="dk1"/>
+            </a:effectRef>
+            <a:fontRef idx="minor">
+              <a:schemeClr val="dk1"/>
+            </a:fontRef>
+          </p:style>
+          <p:txBody>
+            <a:bodyPr rtlCol="0" anchor="ctr"/>
+            <a:lstStyle/>
+            <a:p>
+              <a:pPr algn="ctr"/>
+              <a:endParaRPr lang="ko-KR" altLang="en-US" sz="1000" dirty="0"/>
+            </a:p>
+          </p:txBody>
+        </p:sp>
+        <p:sp>
+          <p:nvSpPr>
+            <p:cNvPr id="33" name="정육면체 32">
+              <a:extLst>
+                <a:ext uri="{FF2B5EF4-FFF2-40B4-BE49-F238E27FC236}">
+                  <a16:creationId xmlns:a16="http://schemas.microsoft.com/office/drawing/2014/main" id="{28E5C63E-476F-480F-8722-1636712124E0}"/>
+                </a:ext>
+              </a:extLst>
+            </p:cNvPr>
+            <p:cNvSpPr/>
+            <p:nvPr/>
+          </p:nvSpPr>
+          <p:spPr>
+            <a:xfrm>
+              <a:off x="3258671" y="1135676"/>
+              <a:ext cx="878541" cy="878541"/>
+            </a:xfrm>
+            <a:prstGeom prst="cube">
+              <a:avLst/>
+            </a:prstGeom>
+          </p:spPr>
+          <p:style>
+            <a:lnRef idx="2">
+              <a:schemeClr val="dk1"/>
+            </a:lnRef>
+            <a:fillRef idx="1">
+              <a:schemeClr val="lt1"/>
+            </a:fillRef>
+            <a:effectRef idx="0">
+              <a:schemeClr val="dk1"/>
+            </a:effectRef>
+            <a:fontRef idx="minor">
+              <a:schemeClr val="dk1"/>
+            </a:fontRef>
+          </p:style>
+          <p:txBody>
+            <a:bodyPr rtlCol="0" anchor="ctr"/>
+            <a:lstStyle/>
+            <a:p>
+              <a:pPr algn="ctr"/>
+              <a:endParaRPr lang="ko-KR" altLang="en-US" dirty="0"/>
+            </a:p>
+          </p:txBody>
+        </p:sp>
+        <p:sp>
+          <p:nvSpPr>
+            <p:cNvPr id="37" name="TextBox 36">
+              <a:extLst>
+                <a:ext uri="{FF2B5EF4-FFF2-40B4-BE49-F238E27FC236}">
+                  <a16:creationId xmlns:a16="http://schemas.microsoft.com/office/drawing/2014/main" id="{FEB93041-47D0-4DBE-8162-6934B482D9EC}"/>
+                </a:ext>
+              </a:extLst>
+            </p:cNvPr>
+            <p:cNvSpPr txBox="1"/>
+            <p:nvPr/>
+          </p:nvSpPr>
+          <p:spPr>
+            <a:xfrm>
+              <a:off x="2559954" y="1606171"/>
+              <a:ext cx="675185" cy="246221"/>
+            </a:xfrm>
+            <a:prstGeom prst="rect">
+              <a:avLst/>
+            </a:prstGeom>
+            <a:noFill/>
+          </p:spPr>
+          <p:txBody>
+            <a:bodyPr wrap="none" rtlCol="0">
+              <a:spAutoFit/>
+            </a:bodyPr>
+            <a:lstStyle/>
+            <a:p>
+              <a:r>
+                <a:rPr lang="en-US" altLang="ko-KR" sz="1000" dirty="0">
+                  <a:latin typeface="나눔바른고딕" panose="020B0603020101020101" pitchFamily="50" charset="-127"/>
+                  <a:ea typeface="나눔바른고딕" panose="020B0603020101020101" pitchFamily="50" charset="-127"/>
+                </a:rPr>
+                <a:t>-0.8375</a:t>
+              </a:r>
+              <a:endParaRPr lang="ko-KR" altLang="en-US" sz="1000" dirty="0">
+                <a:latin typeface="나눔바른고딕" panose="020B0603020101020101" pitchFamily="50" charset="-127"/>
+                <a:ea typeface="나눔바른고딕" panose="020B0603020101020101" pitchFamily="50" charset="-127"/>
+              </a:endParaRPr>
+            </a:p>
+          </p:txBody>
+        </p:sp>
+        <p:sp>
+          <p:nvSpPr>
+            <p:cNvPr id="38" name="TextBox 37">
+              <a:extLst>
+                <a:ext uri="{FF2B5EF4-FFF2-40B4-BE49-F238E27FC236}">
+                  <a16:creationId xmlns:a16="http://schemas.microsoft.com/office/drawing/2014/main" id="{0881AC60-DCF5-4916-AAB7-6C51CA36F609}"/>
+                </a:ext>
+              </a:extLst>
+            </p:cNvPr>
+            <p:cNvSpPr txBox="1"/>
+            <p:nvPr/>
+          </p:nvSpPr>
+          <p:spPr>
+            <a:xfrm>
+              <a:off x="2559954" y="2254045"/>
+              <a:ext cx="675185" cy="246221"/>
+            </a:xfrm>
+            <a:prstGeom prst="rect">
+              <a:avLst/>
+            </a:prstGeom>
+            <a:noFill/>
+          </p:spPr>
+          <p:txBody>
+            <a:bodyPr wrap="none" rtlCol="0">
+              <a:spAutoFit/>
+            </a:bodyPr>
+            <a:lstStyle/>
+            <a:p>
+              <a:r>
+                <a:rPr lang="en-US" altLang="ko-KR" sz="1000" dirty="0">
+                  <a:latin typeface="나눔바른고딕" panose="020B0603020101020101" pitchFamily="50" charset="-127"/>
+                  <a:ea typeface="나눔바른고딕" panose="020B0603020101020101" pitchFamily="50" charset="-127"/>
+                </a:rPr>
+                <a:t>-0.8836</a:t>
+              </a:r>
+              <a:endParaRPr lang="ko-KR" altLang="en-US" sz="1000" dirty="0">
+                <a:latin typeface="나눔바른고딕" panose="020B0603020101020101" pitchFamily="50" charset="-127"/>
+                <a:ea typeface="나눔바른고딕" panose="020B0603020101020101" pitchFamily="50" charset="-127"/>
+              </a:endParaRPr>
+            </a:p>
+          </p:txBody>
+        </p:sp>
+        <p:sp>
+          <p:nvSpPr>
+            <p:cNvPr id="39" name="TextBox 38">
+              <a:extLst>
+                <a:ext uri="{FF2B5EF4-FFF2-40B4-BE49-F238E27FC236}">
+                  <a16:creationId xmlns:a16="http://schemas.microsoft.com/office/drawing/2014/main" id="{BCAEDB6E-123C-469F-BA66-806A5AA46B88}"/>
+                </a:ext>
+              </a:extLst>
+            </p:cNvPr>
+            <p:cNvSpPr txBox="1"/>
+            <p:nvPr/>
+          </p:nvSpPr>
+          <p:spPr>
+            <a:xfrm>
+              <a:off x="2597624" y="2901919"/>
+              <a:ext cx="599844" cy="246221"/>
+            </a:xfrm>
+            <a:prstGeom prst="rect">
+              <a:avLst/>
+            </a:prstGeom>
+            <a:noFill/>
+          </p:spPr>
+          <p:txBody>
+            <a:bodyPr wrap="none" rtlCol="0">
+              <a:spAutoFit/>
+            </a:bodyPr>
+            <a:lstStyle/>
+            <a:p>
+              <a:r>
+                <a:rPr lang="en-US" altLang="ko-KR" sz="1000" dirty="0">
+                  <a:latin typeface="나눔바른고딕" panose="020B0603020101020101" pitchFamily="50" charset="-127"/>
+                  <a:ea typeface="나눔바른고딕" panose="020B0603020101020101" pitchFamily="50" charset="-127"/>
+                </a:rPr>
+                <a:t>1.0928</a:t>
+              </a:r>
+              <a:endParaRPr lang="ko-KR" altLang="en-US" sz="1000" dirty="0">
+                <a:latin typeface="나눔바른고딕" panose="020B0603020101020101" pitchFamily="50" charset="-127"/>
+                <a:ea typeface="나눔바른고딕" panose="020B0603020101020101" pitchFamily="50" charset="-127"/>
+              </a:endParaRPr>
+            </a:p>
+          </p:txBody>
+        </p:sp>
+        <p:sp>
+          <p:nvSpPr>
+            <p:cNvPr id="40" name="TextBox 39">
+              <a:extLst>
+                <a:ext uri="{FF2B5EF4-FFF2-40B4-BE49-F238E27FC236}">
+                  <a16:creationId xmlns:a16="http://schemas.microsoft.com/office/drawing/2014/main" id="{E3579B1D-2428-41C1-B86F-029574FA2A53}"/>
+                </a:ext>
+              </a:extLst>
+            </p:cNvPr>
+            <p:cNvSpPr txBox="1"/>
+            <p:nvPr/>
+          </p:nvSpPr>
+          <p:spPr>
+            <a:xfrm>
+              <a:off x="2559954" y="3549793"/>
+              <a:ext cx="675185" cy="246221"/>
+            </a:xfrm>
+            <a:prstGeom prst="rect">
+              <a:avLst/>
+            </a:prstGeom>
+            <a:noFill/>
+          </p:spPr>
+          <p:txBody>
+            <a:bodyPr wrap="none" rtlCol="0">
+              <a:spAutoFit/>
+            </a:bodyPr>
+            <a:lstStyle/>
+            <a:p>
+              <a:r>
+                <a:rPr lang="en-US" altLang="ko-KR" sz="1000" dirty="0">
+                  <a:latin typeface="나눔바른고딕" panose="020B0603020101020101" pitchFamily="50" charset="-127"/>
+                  <a:ea typeface="나눔바른고딕" panose="020B0603020101020101" pitchFamily="50" charset="-127"/>
+                </a:rPr>
+                <a:t>-0.0916</a:t>
+              </a:r>
+              <a:endParaRPr lang="ko-KR" altLang="en-US" sz="1000" dirty="0">
+                <a:latin typeface="나눔바른고딕" panose="020B0603020101020101" pitchFamily="50" charset="-127"/>
+                <a:ea typeface="나눔바른고딕" panose="020B0603020101020101" pitchFamily="50" charset="-127"/>
+              </a:endParaRPr>
+            </a:p>
+          </p:txBody>
+        </p:sp>
+        <p:sp>
+          <p:nvSpPr>
+            <p:cNvPr id="41" name="TextBox 40">
+              <a:extLst>
+                <a:ext uri="{FF2B5EF4-FFF2-40B4-BE49-F238E27FC236}">
+                  <a16:creationId xmlns:a16="http://schemas.microsoft.com/office/drawing/2014/main" id="{21390FEB-A84B-412F-B6BC-A69A835187AA}"/>
+                </a:ext>
+              </a:extLst>
+            </p:cNvPr>
+            <p:cNvSpPr txBox="1"/>
+            <p:nvPr/>
+          </p:nvSpPr>
+          <p:spPr>
+            <a:xfrm>
+              <a:off x="3259892" y="1606171"/>
+              <a:ext cx="599844" cy="246221"/>
+            </a:xfrm>
+            <a:prstGeom prst="rect">
+              <a:avLst/>
+            </a:prstGeom>
+            <a:noFill/>
+          </p:spPr>
+          <p:txBody>
+            <a:bodyPr wrap="none" rtlCol="0">
+              <a:spAutoFit/>
+            </a:bodyPr>
+            <a:lstStyle/>
+            <a:p>
+              <a:r>
+                <a:rPr lang="en-US" altLang="ko-KR" sz="1000" dirty="0">
+                  <a:latin typeface="나눔바른고딕" panose="020B0603020101020101" pitchFamily="50" charset="-127"/>
+                  <a:ea typeface="나눔바른고딕" panose="020B0603020101020101" pitchFamily="50" charset="-127"/>
+                </a:rPr>
+                <a:t>0.7884</a:t>
+              </a:r>
+              <a:endParaRPr lang="ko-KR" altLang="en-US" sz="1000" dirty="0">
+                <a:latin typeface="나눔바른고딕" panose="020B0603020101020101" pitchFamily="50" charset="-127"/>
+                <a:ea typeface="나눔바른고딕" panose="020B0603020101020101" pitchFamily="50" charset="-127"/>
+              </a:endParaRPr>
+            </a:p>
+          </p:txBody>
+        </p:sp>
+        <p:sp>
+          <p:nvSpPr>
+            <p:cNvPr id="42" name="TextBox 41">
+              <a:extLst>
+                <a:ext uri="{FF2B5EF4-FFF2-40B4-BE49-F238E27FC236}">
+                  <a16:creationId xmlns:a16="http://schemas.microsoft.com/office/drawing/2014/main" id="{952FB77C-6AD8-45DC-8A42-9DE939271ADA}"/>
+                </a:ext>
+              </a:extLst>
+            </p:cNvPr>
+            <p:cNvSpPr txBox="1"/>
+            <p:nvPr/>
+          </p:nvSpPr>
+          <p:spPr>
+            <a:xfrm>
+              <a:off x="3222222" y="2254045"/>
+              <a:ext cx="675185" cy="246221"/>
+            </a:xfrm>
+            <a:prstGeom prst="rect">
+              <a:avLst/>
+            </a:prstGeom>
+            <a:noFill/>
+          </p:spPr>
+          <p:txBody>
+            <a:bodyPr wrap="none" rtlCol="0">
+              <a:spAutoFit/>
+            </a:bodyPr>
+            <a:lstStyle/>
+            <a:p>
+              <a:r>
+                <a:rPr lang="en-US" altLang="ko-KR" sz="1000" dirty="0">
+                  <a:latin typeface="나눔바른고딕" panose="020B0603020101020101" pitchFamily="50" charset="-127"/>
+                  <a:ea typeface="나눔바른고딕" panose="020B0603020101020101" pitchFamily="50" charset="-127"/>
+                </a:rPr>
+                <a:t>-1.0729</a:t>
+              </a:r>
+              <a:endParaRPr lang="ko-KR" altLang="en-US" sz="1000" dirty="0">
+                <a:latin typeface="나눔바른고딕" panose="020B0603020101020101" pitchFamily="50" charset="-127"/>
+                <a:ea typeface="나눔바른고딕" panose="020B0603020101020101" pitchFamily="50" charset="-127"/>
+              </a:endParaRPr>
+            </a:p>
+          </p:txBody>
+        </p:sp>
+        <p:sp>
+          <p:nvSpPr>
+            <p:cNvPr id="43" name="TextBox 42">
+              <a:extLst>
+                <a:ext uri="{FF2B5EF4-FFF2-40B4-BE49-F238E27FC236}">
+                  <a16:creationId xmlns:a16="http://schemas.microsoft.com/office/drawing/2014/main" id="{BAA94F76-7C9D-49C7-A5BD-2C1A87DB081E}"/>
+                </a:ext>
+              </a:extLst>
+            </p:cNvPr>
+            <p:cNvSpPr txBox="1"/>
+            <p:nvPr/>
+          </p:nvSpPr>
+          <p:spPr>
+            <a:xfrm>
+              <a:off x="3259892" y="2901919"/>
+              <a:ext cx="599844" cy="246221"/>
+            </a:xfrm>
+            <a:prstGeom prst="rect">
+              <a:avLst/>
+            </a:prstGeom>
+            <a:noFill/>
+          </p:spPr>
+          <p:txBody>
+            <a:bodyPr wrap="none" rtlCol="0">
+              <a:spAutoFit/>
+            </a:bodyPr>
+            <a:lstStyle/>
+            <a:p>
+              <a:r>
+                <a:rPr lang="en-US" altLang="ko-KR" sz="1000" dirty="0">
+                  <a:latin typeface="나눔바른고딕" panose="020B0603020101020101" pitchFamily="50" charset="-127"/>
+                  <a:ea typeface="나눔바른고딕" panose="020B0603020101020101" pitchFamily="50" charset="-127"/>
+                </a:rPr>
+                <a:t>0.5377</a:t>
+              </a:r>
+              <a:endParaRPr lang="ko-KR" altLang="en-US" sz="1000" dirty="0">
+                <a:latin typeface="나눔바른고딕" panose="020B0603020101020101" pitchFamily="50" charset="-127"/>
+                <a:ea typeface="나눔바른고딕" panose="020B0603020101020101" pitchFamily="50" charset="-127"/>
+              </a:endParaRPr>
+            </a:p>
+          </p:txBody>
+        </p:sp>
+        <p:sp>
+          <p:nvSpPr>
+            <p:cNvPr id="44" name="TextBox 43">
+              <a:extLst>
+                <a:ext uri="{FF2B5EF4-FFF2-40B4-BE49-F238E27FC236}">
+                  <a16:creationId xmlns:a16="http://schemas.microsoft.com/office/drawing/2014/main" id="{CFFB755F-FDB6-45EE-A0B6-3FAF10124FC2}"/>
+                </a:ext>
+              </a:extLst>
+            </p:cNvPr>
+            <p:cNvSpPr txBox="1"/>
+            <p:nvPr/>
+          </p:nvSpPr>
+          <p:spPr>
+            <a:xfrm>
+              <a:off x="3259892" y="3549793"/>
+              <a:ext cx="599844" cy="246221"/>
+            </a:xfrm>
+            <a:prstGeom prst="rect">
+              <a:avLst/>
+            </a:prstGeom>
+            <a:noFill/>
+          </p:spPr>
+          <p:txBody>
+            <a:bodyPr wrap="none" rtlCol="0">
+              <a:spAutoFit/>
+            </a:bodyPr>
+            <a:lstStyle/>
+            <a:p>
+              <a:r>
+                <a:rPr lang="en-US" altLang="ko-KR" sz="1000" dirty="0">
+                  <a:latin typeface="나눔바른고딕" panose="020B0603020101020101" pitchFamily="50" charset="-127"/>
+                  <a:ea typeface="나눔바른고딕" panose="020B0603020101020101" pitchFamily="50" charset="-127"/>
+                </a:rPr>
+                <a:t>0.8920</a:t>
+              </a:r>
+              <a:endParaRPr lang="ko-KR" altLang="en-US" sz="1000" dirty="0">
+                <a:latin typeface="나눔바른고딕" panose="020B0603020101020101" pitchFamily="50" charset="-127"/>
+                <a:ea typeface="나눔바른고딕" panose="020B0603020101020101" pitchFamily="50" charset="-127"/>
+              </a:endParaRPr>
+            </a:p>
+          </p:txBody>
+        </p:sp>
+        <p:sp>
+          <p:nvSpPr>
+            <p:cNvPr id="45" name="TextBox 44">
+              <a:extLst>
+                <a:ext uri="{FF2B5EF4-FFF2-40B4-BE49-F238E27FC236}">
+                  <a16:creationId xmlns:a16="http://schemas.microsoft.com/office/drawing/2014/main" id="{674276C2-4EE6-4BF6-8527-48ED70C25576}"/>
+                </a:ext>
+              </a:extLst>
+            </p:cNvPr>
+            <p:cNvSpPr txBox="1"/>
+            <p:nvPr/>
+          </p:nvSpPr>
+          <p:spPr>
+            <a:xfrm>
+              <a:off x="2932420" y="891249"/>
+              <a:ext cx="622286" cy="230832"/>
+            </a:xfrm>
+            <a:prstGeom prst="rect">
+              <a:avLst/>
+            </a:prstGeom>
+            <a:noFill/>
+          </p:spPr>
+          <p:txBody>
+            <a:bodyPr wrap="none" rtlCol="0">
+              <a:spAutoFit/>
+            </a:bodyPr>
+            <a:lstStyle/>
+            <a:p>
+              <a:r>
+                <a:rPr lang="en-US" altLang="ko-KR" sz="900" dirty="0">
+                  <a:latin typeface="나눔바른고딕" panose="020B0603020101020101" pitchFamily="50" charset="-127"/>
+                  <a:ea typeface="나눔바른고딕" panose="020B0603020101020101" pitchFamily="50" charset="-127"/>
+                </a:rPr>
+                <a:t>-1.5294</a:t>
+              </a:r>
+              <a:endParaRPr lang="ko-KR" altLang="en-US" sz="900" dirty="0">
+                <a:latin typeface="나눔바른고딕" panose="020B0603020101020101" pitchFamily="50" charset="-127"/>
+                <a:ea typeface="나눔바른고딕" panose="020B0603020101020101" pitchFamily="50" charset="-127"/>
+              </a:endParaRPr>
+            </a:p>
+          </p:txBody>
+        </p:sp>
+        <p:sp>
+          <p:nvSpPr>
+            <p:cNvPr id="46" name="TextBox 45">
+              <a:extLst>
+                <a:ext uri="{FF2B5EF4-FFF2-40B4-BE49-F238E27FC236}">
+                  <a16:creationId xmlns:a16="http://schemas.microsoft.com/office/drawing/2014/main" id="{81ECAB1C-3DAE-4709-A43B-CBB9EC3487F9}"/>
+                </a:ext>
+              </a:extLst>
+            </p:cNvPr>
+            <p:cNvSpPr txBox="1"/>
+            <p:nvPr/>
+          </p:nvSpPr>
+          <p:spPr>
+            <a:xfrm>
+              <a:off x="3647377" y="896329"/>
+              <a:ext cx="554960" cy="230832"/>
+            </a:xfrm>
+            <a:prstGeom prst="rect">
+              <a:avLst/>
+            </a:prstGeom>
+            <a:noFill/>
+          </p:spPr>
+          <p:txBody>
+            <a:bodyPr wrap="none" rtlCol="0">
+              <a:spAutoFit/>
+            </a:bodyPr>
+            <a:lstStyle/>
+            <a:p>
+              <a:r>
+                <a:rPr lang="en-US" altLang="ko-KR" sz="900" dirty="0">
+                  <a:latin typeface="나눔바른고딕" panose="020B0603020101020101" pitchFamily="50" charset="-127"/>
+                  <a:ea typeface="나눔바른고딕" panose="020B0603020101020101" pitchFamily="50" charset="-127"/>
+                </a:rPr>
+                <a:t>0.1188</a:t>
+              </a:r>
+              <a:endParaRPr lang="ko-KR" altLang="en-US" sz="900" dirty="0">
+                <a:latin typeface="나눔바른고딕" panose="020B0603020101020101" pitchFamily="50" charset="-127"/>
+                <a:ea typeface="나눔바른고딕" panose="020B0603020101020101" pitchFamily="50" charset="-127"/>
+              </a:endParaRPr>
+            </a:p>
+          </p:txBody>
+        </p:sp>
+        <p:sp>
+          <p:nvSpPr>
+            <p:cNvPr id="47" name="TextBox 46">
+              <a:extLst>
+                <a:ext uri="{FF2B5EF4-FFF2-40B4-BE49-F238E27FC236}">
+                  <a16:creationId xmlns:a16="http://schemas.microsoft.com/office/drawing/2014/main" id="{0846CC87-B37E-4CB8-8B4B-4B72D636F5CC}"/>
+                </a:ext>
+              </a:extLst>
+            </p:cNvPr>
+            <p:cNvSpPr txBox="1"/>
+            <p:nvPr/>
+          </p:nvSpPr>
+          <p:spPr>
+            <a:xfrm>
+              <a:off x="2692112" y="1131137"/>
+              <a:ext cx="622286" cy="230832"/>
+            </a:xfrm>
+            <a:prstGeom prst="rect">
+              <a:avLst/>
+            </a:prstGeom>
+            <a:noFill/>
+          </p:spPr>
+          <p:txBody>
+            <a:bodyPr wrap="none" rtlCol="0">
+              <a:spAutoFit/>
+            </a:bodyPr>
+            <a:lstStyle/>
+            <a:p>
+              <a:r>
+                <a:rPr lang="en-US" altLang="ko-KR" sz="900" dirty="0">
+                  <a:latin typeface="나눔바른고딕" panose="020B0603020101020101" pitchFamily="50" charset="-127"/>
+                  <a:ea typeface="나눔바른고딕" panose="020B0603020101020101" pitchFamily="50" charset="-127"/>
+                </a:rPr>
+                <a:t>-0.8375</a:t>
+              </a:r>
+              <a:endParaRPr lang="ko-KR" altLang="en-US" sz="900" dirty="0">
+                <a:latin typeface="나눔바른고딕" panose="020B0603020101020101" pitchFamily="50" charset="-127"/>
+                <a:ea typeface="나눔바른고딕" panose="020B0603020101020101" pitchFamily="50" charset="-127"/>
+              </a:endParaRPr>
+            </a:p>
+          </p:txBody>
+        </p:sp>
+        <p:sp>
+          <p:nvSpPr>
+            <p:cNvPr id="48" name="TextBox 47">
+              <a:extLst>
+                <a:ext uri="{FF2B5EF4-FFF2-40B4-BE49-F238E27FC236}">
+                  <a16:creationId xmlns:a16="http://schemas.microsoft.com/office/drawing/2014/main" id="{0FC99F1D-37EC-4368-B474-36316F275010}"/>
+                </a:ext>
+              </a:extLst>
+            </p:cNvPr>
+            <p:cNvSpPr txBox="1"/>
+            <p:nvPr/>
+          </p:nvSpPr>
+          <p:spPr>
+            <a:xfrm>
+              <a:off x="3420879" y="1136217"/>
+              <a:ext cx="554960" cy="230832"/>
+            </a:xfrm>
+            <a:prstGeom prst="rect">
+              <a:avLst/>
+            </a:prstGeom>
+            <a:noFill/>
+          </p:spPr>
+          <p:txBody>
+            <a:bodyPr wrap="none" rtlCol="0">
+              <a:spAutoFit/>
+            </a:bodyPr>
+            <a:lstStyle/>
+            <a:p>
+              <a:r>
+                <a:rPr lang="en-US" altLang="ko-KR" sz="900" dirty="0">
+                  <a:latin typeface="나눔바른고딕" panose="020B0603020101020101" pitchFamily="50" charset="-127"/>
+                  <a:ea typeface="나눔바른고딕" panose="020B0603020101020101" pitchFamily="50" charset="-127"/>
+                </a:rPr>
+                <a:t>0.7884</a:t>
+              </a:r>
+              <a:endParaRPr lang="ko-KR" altLang="en-US" sz="900" dirty="0">
+                <a:latin typeface="나눔바른고딕" panose="020B0603020101020101" pitchFamily="50" charset="-127"/>
+                <a:ea typeface="나눔바른고딕" panose="020B0603020101020101" pitchFamily="50" charset="-127"/>
+              </a:endParaRPr>
+            </a:p>
+          </p:txBody>
+        </p:sp>
+        <p:sp>
+          <p:nvSpPr>
+            <p:cNvPr id="49" name="TextBox 48">
+              <a:extLst>
+                <a:ext uri="{FF2B5EF4-FFF2-40B4-BE49-F238E27FC236}">
+                  <a16:creationId xmlns:a16="http://schemas.microsoft.com/office/drawing/2014/main" id="{6D137B96-1576-4DD3-A0A4-6F33C10370DE}"/>
+                </a:ext>
+              </a:extLst>
+            </p:cNvPr>
+            <p:cNvSpPr txBox="1"/>
+            <p:nvPr/>
+          </p:nvSpPr>
+          <p:spPr>
+            <a:xfrm>
+              <a:off x="3167649" y="652489"/>
+              <a:ext cx="622286" cy="230832"/>
+            </a:xfrm>
+            <a:prstGeom prst="rect">
+              <a:avLst/>
+            </a:prstGeom>
+            <a:noFill/>
+          </p:spPr>
+          <p:txBody>
+            <a:bodyPr wrap="none" rtlCol="0">
+              <a:spAutoFit/>
+            </a:bodyPr>
+            <a:lstStyle/>
+            <a:p>
+              <a:r>
+                <a:rPr lang="en-US" altLang="ko-KR" sz="900" dirty="0">
+                  <a:latin typeface="나눔바른고딕" panose="020B0603020101020101" pitchFamily="50" charset="-127"/>
+                  <a:ea typeface="나눔바른고딕" panose="020B0603020101020101" pitchFamily="50" charset="-127"/>
+                </a:rPr>
+                <a:t>-0.0564</a:t>
+              </a:r>
+              <a:endParaRPr lang="ko-KR" altLang="en-US" sz="900" dirty="0">
+                <a:latin typeface="나눔바른고딕" panose="020B0603020101020101" pitchFamily="50" charset="-127"/>
+                <a:ea typeface="나눔바른고딕" panose="020B0603020101020101" pitchFamily="50" charset="-127"/>
+              </a:endParaRPr>
+            </a:p>
+          </p:txBody>
+        </p:sp>
+        <p:sp>
+          <p:nvSpPr>
+            <p:cNvPr id="50" name="TextBox 49">
+              <a:extLst>
+                <a:ext uri="{FF2B5EF4-FFF2-40B4-BE49-F238E27FC236}">
+                  <a16:creationId xmlns:a16="http://schemas.microsoft.com/office/drawing/2014/main" id="{C1CDF381-B967-4D99-AD02-94EDDDC473CD}"/>
+                </a:ext>
+              </a:extLst>
+            </p:cNvPr>
+            <p:cNvSpPr txBox="1"/>
+            <p:nvPr/>
+          </p:nvSpPr>
+          <p:spPr>
+            <a:xfrm>
+              <a:off x="3873876" y="652489"/>
+              <a:ext cx="622286" cy="230832"/>
+            </a:xfrm>
+            <a:prstGeom prst="rect">
+              <a:avLst/>
+            </a:prstGeom>
+            <a:noFill/>
+          </p:spPr>
+          <p:txBody>
+            <a:bodyPr wrap="none" rtlCol="0">
+              <a:spAutoFit/>
+            </a:bodyPr>
+            <a:lstStyle/>
+            <a:p>
+              <a:r>
+                <a:rPr lang="en-US" altLang="ko-KR" sz="900" dirty="0">
+                  <a:latin typeface="나눔바른고딕" panose="020B0603020101020101" pitchFamily="50" charset="-127"/>
+                  <a:ea typeface="나눔바른고딕" panose="020B0603020101020101" pitchFamily="50" charset="-127"/>
+                </a:rPr>
+                <a:t>-0.3603</a:t>
+              </a:r>
+              <a:endParaRPr lang="ko-KR" altLang="en-US" sz="900" dirty="0">
+                <a:latin typeface="나눔바른고딕" panose="020B0603020101020101" pitchFamily="50" charset="-127"/>
+                <a:ea typeface="나눔바른고딕" panose="020B0603020101020101" pitchFamily="50" charset="-127"/>
+              </a:endParaRPr>
+            </a:p>
+          </p:txBody>
+        </p:sp>
+        <p:sp>
+          <p:nvSpPr>
+            <p:cNvPr id="51" name="TextBox 50">
+              <a:extLst>
+                <a:ext uri="{FF2B5EF4-FFF2-40B4-BE49-F238E27FC236}">
+                  <a16:creationId xmlns:a16="http://schemas.microsoft.com/office/drawing/2014/main" id="{DED952BA-4920-4BD5-8633-EB90F7BEF65F}"/>
+                </a:ext>
+              </a:extLst>
+            </p:cNvPr>
+            <p:cNvSpPr txBox="1"/>
+            <p:nvPr/>
+          </p:nvSpPr>
+          <p:spPr>
+            <a:xfrm>
+              <a:off x="4160544" y="1512136"/>
+              <a:ext cx="599844" cy="246221"/>
+            </a:xfrm>
+            <a:prstGeom prst="rect">
+              <a:avLst/>
+            </a:prstGeom>
+            <a:noFill/>
+          </p:spPr>
+          <p:txBody>
+            <a:bodyPr wrap="none" rtlCol="0">
+              <a:spAutoFit/>
+            </a:bodyPr>
+            <a:lstStyle/>
+            <a:p>
+              <a:r>
+                <a:rPr lang="en-US" altLang="ko-KR" sz="1000" dirty="0">
+                  <a:solidFill>
+                    <a:srgbClr val="00B050"/>
+                  </a:solidFill>
+                  <a:latin typeface="나눔바른고딕" panose="020B0603020101020101" pitchFamily="50" charset="-127"/>
+                  <a:ea typeface="나눔바른고딕" panose="020B0603020101020101" pitchFamily="50" charset="-127"/>
+                </a:rPr>
+                <a:t>0.7884</a:t>
+              </a:r>
+              <a:endParaRPr lang="ko-KR" altLang="en-US" sz="1000" dirty="0">
+                <a:solidFill>
+                  <a:srgbClr val="00B050"/>
+                </a:solidFill>
+                <a:latin typeface="나눔바른고딕" panose="020B0603020101020101" pitchFamily="50" charset="-127"/>
+                <a:ea typeface="나눔바른고딕" panose="020B0603020101020101" pitchFamily="50" charset="-127"/>
+              </a:endParaRPr>
+            </a:p>
+          </p:txBody>
+        </p:sp>
+        <p:sp>
+          <p:nvSpPr>
+            <p:cNvPr id="52" name="TextBox 51">
+              <a:extLst>
+                <a:ext uri="{FF2B5EF4-FFF2-40B4-BE49-F238E27FC236}">
+                  <a16:creationId xmlns:a16="http://schemas.microsoft.com/office/drawing/2014/main" id="{B4A02F16-BDC5-4AF0-9660-64D05459D577}"/>
+                </a:ext>
+              </a:extLst>
+            </p:cNvPr>
+            <p:cNvSpPr txBox="1"/>
+            <p:nvPr/>
+          </p:nvSpPr>
+          <p:spPr>
+            <a:xfrm>
+              <a:off x="4141494" y="2177888"/>
+              <a:ext cx="675185" cy="246221"/>
+            </a:xfrm>
+            <a:prstGeom prst="rect">
+              <a:avLst/>
+            </a:prstGeom>
+            <a:noFill/>
+          </p:spPr>
+          <p:txBody>
+            <a:bodyPr wrap="none" rtlCol="0">
+              <a:spAutoFit/>
+            </a:bodyPr>
+            <a:lstStyle/>
+            <a:p>
+              <a:r>
+                <a:rPr lang="en-US" altLang="ko-KR" sz="1000" dirty="0">
+                  <a:solidFill>
+                    <a:srgbClr val="00B050"/>
+                  </a:solidFill>
+                  <a:latin typeface="나눔바른고딕" panose="020B0603020101020101" pitchFamily="50" charset="-127"/>
+                  <a:ea typeface="나눔바른고딕" panose="020B0603020101020101" pitchFamily="50" charset="-127"/>
+                </a:rPr>
+                <a:t>-1.0729</a:t>
+              </a:r>
+              <a:endParaRPr lang="ko-KR" altLang="en-US" sz="1000" dirty="0">
+                <a:solidFill>
+                  <a:srgbClr val="00B050"/>
+                </a:solidFill>
+                <a:latin typeface="나눔바른고딕" panose="020B0603020101020101" pitchFamily="50" charset="-127"/>
+                <a:ea typeface="나눔바른고딕" panose="020B0603020101020101" pitchFamily="50" charset="-127"/>
+              </a:endParaRPr>
+            </a:p>
+          </p:txBody>
+        </p:sp>
+        <p:sp>
+          <p:nvSpPr>
+            <p:cNvPr id="53" name="TextBox 52">
+              <a:extLst>
+                <a:ext uri="{FF2B5EF4-FFF2-40B4-BE49-F238E27FC236}">
+                  <a16:creationId xmlns:a16="http://schemas.microsoft.com/office/drawing/2014/main" id="{AA7FEF06-C044-4B44-A7DE-C98D5338DDE6}"/>
+                </a:ext>
+              </a:extLst>
+            </p:cNvPr>
+            <p:cNvSpPr txBox="1"/>
+            <p:nvPr/>
+          </p:nvSpPr>
+          <p:spPr>
+            <a:xfrm>
+              <a:off x="4160544" y="2870765"/>
+              <a:ext cx="599844" cy="246221"/>
+            </a:xfrm>
+            <a:prstGeom prst="rect">
+              <a:avLst/>
+            </a:prstGeom>
+            <a:noFill/>
+          </p:spPr>
+          <p:txBody>
+            <a:bodyPr wrap="none" rtlCol="0">
+              <a:spAutoFit/>
+            </a:bodyPr>
+            <a:lstStyle/>
+            <a:p>
+              <a:r>
+                <a:rPr lang="en-US" altLang="ko-KR" sz="1000" dirty="0">
+                  <a:solidFill>
+                    <a:srgbClr val="00B050"/>
+                  </a:solidFill>
+                  <a:latin typeface="나눔바른고딕" panose="020B0603020101020101" pitchFamily="50" charset="-127"/>
+                  <a:ea typeface="나눔바른고딕" panose="020B0603020101020101" pitchFamily="50" charset="-127"/>
+                </a:rPr>
+                <a:t>0.5377</a:t>
+              </a:r>
+              <a:endParaRPr lang="ko-KR" altLang="en-US" sz="1000" dirty="0">
+                <a:solidFill>
+                  <a:srgbClr val="00B050"/>
+                </a:solidFill>
+                <a:latin typeface="나눔바른고딕" panose="020B0603020101020101" pitchFamily="50" charset="-127"/>
+                <a:ea typeface="나눔바른고딕" panose="020B0603020101020101" pitchFamily="50" charset="-127"/>
+              </a:endParaRPr>
+            </a:p>
+          </p:txBody>
+        </p:sp>
+        <p:sp>
+          <p:nvSpPr>
+            <p:cNvPr id="55" name="TextBox 54">
+              <a:extLst>
+                <a:ext uri="{FF2B5EF4-FFF2-40B4-BE49-F238E27FC236}">
+                  <a16:creationId xmlns:a16="http://schemas.microsoft.com/office/drawing/2014/main" id="{6FBB6C32-B413-4100-BA4A-EF1987FB4ACC}"/>
+                </a:ext>
+              </a:extLst>
+            </p:cNvPr>
+            <p:cNvSpPr txBox="1"/>
+            <p:nvPr/>
+          </p:nvSpPr>
+          <p:spPr>
+            <a:xfrm>
+              <a:off x="4160994" y="3505208"/>
+              <a:ext cx="599844" cy="246221"/>
+            </a:xfrm>
+            <a:prstGeom prst="rect">
+              <a:avLst/>
+            </a:prstGeom>
+            <a:noFill/>
+          </p:spPr>
+          <p:txBody>
+            <a:bodyPr wrap="none" rtlCol="0">
+              <a:spAutoFit/>
+            </a:bodyPr>
+            <a:lstStyle/>
+            <a:p>
+              <a:r>
+                <a:rPr lang="en-US" altLang="ko-KR" sz="1000" dirty="0">
+                  <a:solidFill>
+                    <a:srgbClr val="00B050"/>
+                  </a:solidFill>
+                  <a:latin typeface="나눔바른고딕" panose="020B0603020101020101" pitchFamily="50" charset="-127"/>
+                  <a:ea typeface="나눔바른고딕" panose="020B0603020101020101" pitchFamily="50" charset="-127"/>
+                </a:rPr>
+                <a:t>0.8920</a:t>
+              </a:r>
+              <a:endParaRPr lang="ko-KR" altLang="en-US" sz="1000" dirty="0">
+                <a:solidFill>
+                  <a:srgbClr val="00B050"/>
+                </a:solidFill>
+                <a:latin typeface="나눔바른고딕" panose="020B0603020101020101" pitchFamily="50" charset="-127"/>
+                <a:ea typeface="나눔바른고딕" panose="020B0603020101020101" pitchFamily="50" charset="-127"/>
+              </a:endParaRPr>
+            </a:p>
+          </p:txBody>
+        </p:sp>
+        <p:sp>
+          <p:nvSpPr>
+            <p:cNvPr id="56" name="TextBox 55">
+              <a:extLst>
+                <a:ext uri="{FF2B5EF4-FFF2-40B4-BE49-F238E27FC236}">
+                  <a16:creationId xmlns:a16="http://schemas.microsoft.com/office/drawing/2014/main" id="{7E89E39F-F97F-43A9-89DD-1A2503F3343F}"/>
+                </a:ext>
+              </a:extLst>
+            </p:cNvPr>
+            <p:cNvSpPr txBox="1"/>
+            <p:nvPr/>
+          </p:nvSpPr>
+          <p:spPr>
+            <a:xfrm>
+              <a:off x="4713011" y="1260336"/>
+              <a:ext cx="599844" cy="246221"/>
+            </a:xfrm>
+            <a:prstGeom prst="rect">
+              <a:avLst/>
+            </a:prstGeom>
+            <a:noFill/>
+          </p:spPr>
+          <p:txBody>
+            <a:bodyPr wrap="none" rtlCol="0">
+              <a:spAutoFit/>
+            </a:bodyPr>
+            <a:lstStyle/>
+            <a:p>
+              <a:r>
+                <a:rPr lang="en-US" altLang="ko-KR" sz="1000" dirty="0">
+                  <a:solidFill>
+                    <a:srgbClr val="F6AF92"/>
+                  </a:solidFill>
+                  <a:latin typeface="나눔바른고딕" panose="020B0603020101020101" pitchFamily="50" charset="-127"/>
+                  <a:ea typeface="나눔바른고딕" panose="020B0603020101020101" pitchFamily="50" charset="-127"/>
+                </a:rPr>
+                <a:t>0.1188</a:t>
+              </a:r>
+              <a:endParaRPr lang="ko-KR" altLang="en-US" sz="1000" dirty="0">
+                <a:solidFill>
+                  <a:srgbClr val="F6AF92"/>
+                </a:solidFill>
+                <a:latin typeface="나눔바른고딕" panose="020B0603020101020101" pitchFamily="50" charset="-127"/>
+                <a:ea typeface="나눔바른고딕" panose="020B0603020101020101" pitchFamily="50" charset="-127"/>
+              </a:endParaRPr>
+            </a:p>
+          </p:txBody>
+        </p:sp>
+        <p:sp>
+          <p:nvSpPr>
+            <p:cNvPr id="57" name="TextBox 56">
+              <a:extLst>
+                <a:ext uri="{FF2B5EF4-FFF2-40B4-BE49-F238E27FC236}">
+                  <a16:creationId xmlns:a16="http://schemas.microsoft.com/office/drawing/2014/main" id="{4DBECCD9-B698-4AD1-9DC9-6294A63A0B96}"/>
+                </a:ext>
+              </a:extLst>
+            </p:cNvPr>
+            <p:cNvSpPr txBox="1"/>
+            <p:nvPr/>
+          </p:nvSpPr>
+          <p:spPr>
+            <a:xfrm>
+              <a:off x="4675341" y="1942443"/>
+              <a:ext cx="675185" cy="246221"/>
+            </a:xfrm>
+            <a:prstGeom prst="rect">
+              <a:avLst/>
+            </a:prstGeom>
+            <a:noFill/>
+          </p:spPr>
+          <p:txBody>
+            <a:bodyPr wrap="none" rtlCol="0">
+              <a:spAutoFit/>
+            </a:bodyPr>
+            <a:lstStyle/>
+            <a:p>
+              <a:r>
+                <a:rPr lang="en-US" altLang="ko-KR" sz="1000" dirty="0">
+                  <a:solidFill>
+                    <a:srgbClr val="F6AF92"/>
+                  </a:solidFill>
+                  <a:latin typeface="나눔바른고딕" panose="020B0603020101020101" pitchFamily="50" charset="-127"/>
+                  <a:ea typeface="나눔바른고딕" panose="020B0603020101020101" pitchFamily="50" charset="-127"/>
+                </a:rPr>
+                <a:t>-1.0401</a:t>
+              </a:r>
+              <a:endParaRPr lang="ko-KR" altLang="en-US" sz="1000" dirty="0">
+                <a:solidFill>
+                  <a:srgbClr val="F6AF92"/>
+                </a:solidFill>
+                <a:latin typeface="나눔바른고딕" panose="020B0603020101020101" pitchFamily="50" charset="-127"/>
+                <a:ea typeface="나눔바른고딕" panose="020B0603020101020101" pitchFamily="50" charset="-127"/>
+              </a:endParaRPr>
+            </a:p>
+          </p:txBody>
+        </p:sp>
+        <p:sp>
+          <p:nvSpPr>
+            <p:cNvPr id="58" name="TextBox 57">
+              <a:extLst>
+                <a:ext uri="{FF2B5EF4-FFF2-40B4-BE49-F238E27FC236}">
+                  <a16:creationId xmlns:a16="http://schemas.microsoft.com/office/drawing/2014/main" id="{C81B054F-A1E7-4192-B6E8-B61DDF386366}"/>
+                </a:ext>
+              </a:extLst>
+            </p:cNvPr>
+            <p:cNvSpPr txBox="1"/>
+            <p:nvPr/>
+          </p:nvSpPr>
+          <p:spPr>
+            <a:xfrm>
+              <a:off x="4675341" y="2604909"/>
+              <a:ext cx="675185" cy="246221"/>
+            </a:xfrm>
+            <a:prstGeom prst="rect">
+              <a:avLst/>
+            </a:prstGeom>
+            <a:noFill/>
+          </p:spPr>
+          <p:txBody>
+            <a:bodyPr wrap="none" rtlCol="0">
+              <a:spAutoFit/>
+            </a:bodyPr>
+            <a:lstStyle/>
+            <a:p>
+              <a:r>
+                <a:rPr lang="en-US" altLang="ko-KR" sz="1000" dirty="0">
+                  <a:solidFill>
+                    <a:srgbClr val="F6AF92"/>
+                  </a:solidFill>
+                  <a:latin typeface="나눔바른고딕" panose="020B0603020101020101" pitchFamily="50" charset="-127"/>
+                  <a:ea typeface="나눔바른고딕" panose="020B0603020101020101" pitchFamily="50" charset="-127"/>
+                </a:rPr>
+                <a:t>-0.6326</a:t>
+              </a:r>
+              <a:endParaRPr lang="ko-KR" altLang="en-US" sz="1000" dirty="0">
+                <a:solidFill>
+                  <a:srgbClr val="F6AF92"/>
+                </a:solidFill>
+                <a:latin typeface="나눔바른고딕" panose="020B0603020101020101" pitchFamily="50" charset="-127"/>
+                <a:ea typeface="나눔바른고딕" panose="020B0603020101020101" pitchFamily="50" charset="-127"/>
+              </a:endParaRPr>
+            </a:p>
+          </p:txBody>
+        </p:sp>
+        <p:sp>
+          <p:nvSpPr>
+            <p:cNvPr id="59" name="TextBox 58">
+              <a:extLst>
+                <a:ext uri="{FF2B5EF4-FFF2-40B4-BE49-F238E27FC236}">
+                  <a16:creationId xmlns:a16="http://schemas.microsoft.com/office/drawing/2014/main" id="{8B8F3960-4796-4149-B504-FE800CD3DD19}"/>
+                </a:ext>
+              </a:extLst>
+            </p:cNvPr>
+            <p:cNvSpPr txBox="1"/>
+            <p:nvPr/>
+          </p:nvSpPr>
+          <p:spPr>
+            <a:xfrm>
+              <a:off x="4713011" y="3248255"/>
+              <a:ext cx="599844" cy="246221"/>
+            </a:xfrm>
+            <a:prstGeom prst="rect">
+              <a:avLst/>
+            </a:prstGeom>
+            <a:noFill/>
+          </p:spPr>
+          <p:txBody>
+            <a:bodyPr wrap="none" rtlCol="0">
+              <a:spAutoFit/>
+            </a:bodyPr>
+            <a:lstStyle/>
+            <a:p>
+              <a:r>
+                <a:rPr lang="en-US" altLang="ko-KR" sz="1000" dirty="0">
+                  <a:solidFill>
+                    <a:srgbClr val="F6AF92"/>
+                  </a:solidFill>
+                  <a:latin typeface="나눔바른고딕" panose="020B0603020101020101" pitchFamily="50" charset="-127"/>
+                  <a:ea typeface="나눔바른고딕" panose="020B0603020101020101" pitchFamily="50" charset="-127"/>
+                </a:rPr>
+                <a:t>0.5102</a:t>
+              </a:r>
+              <a:endParaRPr lang="ko-KR" altLang="en-US" sz="1000" dirty="0">
+                <a:solidFill>
+                  <a:srgbClr val="F6AF92"/>
+                </a:solidFill>
+                <a:latin typeface="나눔바른고딕" panose="020B0603020101020101" pitchFamily="50" charset="-127"/>
+                <a:ea typeface="나눔바른고딕" panose="020B0603020101020101" pitchFamily="50" charset="-127"/>
+              </a:endParaRPr>
+            </a:p>
+          </p:txBody>
+        </p:sp>
+        <p:sp>
+          <p:nvSpPr>
+            <p:cNvPr id="60" name="TextBox 59">
+              <a:extLst>
+                <a:ext uri="{FF2B5EF4-FFF2-40B4-BE49-F238E27FC236}">
+                  <a16:creationId xmlns:a16="http://schemas.microsoft.com/office/drawing/2014/main" id="{3DBDB032-28AF-49D3-9091-30747E54F281}"/>
+                </a:ext>
+              </a:extLst>
+            </p:cNvPr>
+            <p:cNvSpPr txBox="1"/>
+            <p:nvPr/>
+          </p:nvSpPr>
+          <p:spPr>
+            <a:xfrm>
+              <a:off x="4886171" y="933500"/>
+              <a:ext cx="675185" cy="246221"/>
+            </a:xfrm>
+            <a:prstGeom prst="rect">
+              <a:avLst/>
+            </a:prstGeom>
+            <a:noFill/>
+          </p:spPr>
+          <p:txBody>
+            <a:bodyPr wrap="none" rtlCol="0">
+              <a:spAutoFit/>
+            </a:bodyPr>
+            <a:lstStyle/>
+            <a:p>
+              <a:r>
+                <a:rPr lang="en-US" altLang="ko-KR" sz="1000" dirty="0">
+                  <a:solidFill>
+                    <a:srgbClr val="96A8D9"/>
+                  </a:solidFill>
+                  <a:latin typeface="나눔바른고딕" panose="020B0603020101020101" pitchFamily="50" charset="-127"/>
+                  <a:ea typeface="나눔바른고딕" panose="020B0603020101020101" pitchFamily="50" charset="-127"/>
+                </a:rPr>
+                <a:t>-0.3603</a:t>
+              </a:r>
+              <a:endParaRPr lang="ko-KR" altLang="en-US" sz="1000" dirty="0">
+                <a:solidFill>
+                  <a:srgbClr val="96A8D9"/>
+                </a:solidFill>
+                <a:latin typeface="나눔바른고딕" panose="020B0603020101020101" pitchFamily="50" charset="-127"/>
+                <a:ea typeface="나눔바른고딕" panose="020B0603020101020101" pitchFamily="50" charset="-127"/>
+              </a:endParaRPr>
+            </a:p>
+          </p:txBody>
+        </p:sp>
+        <p:sp>
+          <p:nvSpPr>
+            <p:cNvPr id="61" name="TextBox 60">
+              <a:extLst>
+                <a:ext uri="{FF2B5EF4-FFF2-40B4-BE49-F238E27FC236}">
+                  <a16:creationId xmlns:a16="http://schemas.microsoft.com/office/drawing/2014/main" id="{FE78181C-2C8F-4AEE-BF4C-7EC6481D7BC7}"/>
+                </a:ext>
+              </a:extLst>
+            </p:cNvPr>
+            <p:cNvSpPr txBox="1"/>
+            <p:nvPr/>
+          </p:nvSpPr>
+          <p:spPr>
+            <a:xfrm>
+              <a:off x="4923841" y="1669703"/>
+              <a:ext cx="599844" cy="246221"/>
+            </a:xfrm>
+            <a:prstGeom prst="rect">
+              <a:avLst/>
+            </a:prstGeom>
+            <a:noFill/>
+          </p:spPr>
+          <p:txBody>
+            <a:bodyPr wrap="none" rtlCol="0">
+              <a:spAutoFit/>
+            </a:bodyPr>
+            <a:lstStyle/>
+            <a:p>
+              <a:r>
+                <a:rPr lang="en-US" altLang="ko-KR" sz="1000" dirty="0">
+                  <a:solidFill>
+                    <a:srgbClr val="96A8D9"/>
+                  </a:solidFill>
+                  <a:latin typeface="나눔바른고딕" panose="020B0603020101020101" pitchFamily="50" charset="-127"/>
+                  <a:ea typeface="나눔바른고딕" panose="020B0603020101020101" pitchFamily="50" charset="-127"/>
+                </a:rPr>
+                <a:t>1.2920</a:t>
+              </a:r>
+              <a:endParaRPr lang="ko-KR" altLang="en-US" sz="1000" dirty="0">
+                <a:solidFill>
+                  <a:srgbClr val="96A8D9"/>
+                </a:solidFill>
+                <a:latin typeface="나눔바른고딕" panose="020B0603020101020101" pitchFamily="50" charset="-127"/>
+                <a:ea typeface="나눔바른고딕" panose="020B0603020101020101" pitchFamily="50" charset="-127"/>
+              </a:endParaRPr>
+            </a:p>
+          </p:txBody>
+        </p:sp>
+        <p:sp>
+          <p:nvSpPr>
+            <p:cNvPr id="62" name="TextBox 61">
+              <a:extLst>
+                <a:ext uri="{FF2B5EF4-FFF2-40B4-BE49-F238E27FC236}">
+                  <a16:creationId xmlns:a16="http://schemas.microsoft.com/office/drawing/2014/main" id="{3D5A16D4-3F79-454E-80AF-D02B5E65A8B0}"/>
+                </a:ext>
+              </a:extLst>
+            </p:cNvPr>
+            <p:cNvSpPr txBox="1"/>
+            <p:nvPr/>
+          </p:nvSpPr>
+          <p:spPr>
+            <a:xfrm>
+              <a:off x="4886171" y="2342440"/>
+              <a:ext cx="675185" cy="246221"/>
+            </a:xfrm>
+            <a:prstGeom prst="rect">
+              <a:avLst/>
+            </a:prstGeom>
+            <a:noFill/>
+          </p:spPr>
+          <p:txBody>
+            <a:bodyPr wrap="none" rtlCol="0">
+              <a:spAutoFit/>
+            </a:bodyPr>
+            <a:lstStyle/>
+            <a:p>
+              <a:r>
+                <a:rPr lang="en-US" altLang="ko-KR" sz="1000" dirty="0">
+                  <a:solidFill>
+                    <a:srgbClr val="96A8D9"/>
+                  </a:solidFill>
+                  <a:latin typeface="나눔바른고딕" panose="020B0603020101020101" pitchFamily="50" charset="-127"/>
+                  <a:ea typeface="나눔바른고딕" panose="020B0603020101020101" pitchFamily="50" charset="-127"/>
+                </a:rPr>
+                <a:t>-1.3898</a:t>
+              </a:r>
+              <a:endParaRPr lang="ko-KR" altLang="en-US" sz="1000" dirty="0">
+                <a:solidFill>
+                  <a:srgbClr val="96A8D9"/>
+                </a:solidFill>
+                <a:latin typeface="나눔바른고딕" panose="020B0603020101020101" pitchFamily="50" charset="-127"/>
+                <a:ea typeface="나눔바른고딕" panose="020B0603020101020101" pitchFamily="50" charset="-127"/>
+              </a:endParaRPr>
+            </a:p>
+          </p:txBody>
+        </p:sp>
+        <p:sp>
+          <p:nvSpPr>
+            <p:cNvPr id="63" name="TextBox 62">
+              <a:extLst>
+                <a:ext uri="{FF2B5EF4-FFF2-40B4-BE49-F238E27FC236}">
+                  <a16:creationId xmlns:a16="http://schemas.microsoft.com/office/drawing/2014/main" id="{CB056182-F169-4629-9557-727056A8D2A7}"/>
+                </a:ext>
+              </a:extLst>
+            </p:cNvPr>
+            <p:cNvSpPr txBox="1"/>
+            <p:nvPr/>
+          </p:nvSpPr>
+          <p:spPr>
+            <a:xfrm>
+              <a:off x="4886171" y="2993368"/>
+              <a:ext cx="675185" cy="246221"/>
+            </a:xfrm>
+            <a:prstGeom prst="rect">
+              <a:avLst/>
+            </a:prstGeom>
+            <a:noFill/>
+          </p:spPr>
+          <p:txBody>
+            <a:bodyPr wrap="none" rtlCol="0">
+              <a:spAutoFit/>
+            </a:bodyPr>
+            <a:lstStyle/>
+            <a:p>
+              <a:r>
+                <a:rPr lang="en-US" altLang="ko-KR" sz="1000" dirty="0">
+                  <a:solidFill>
+                    <a:srgbClr val="96A8D9"/>
+                  </a:solidFill>
+                  <a:latin typeface="나눔바른고딕" panose="020B0603020101020101" pitchFamily="50" charset="-127"/>
+                  <a:ea typeface="나눔바른고딕" panose="020B0603020101020101" pitchFamily="50" charset="-127"/>
+                </a:rPr>
+                <a:t>-1.7702</a:t>
+              </a:r>
+              <a:endParaRPr lang="ko-KR" altLang="en-US" sz="1000" dirty="0">
+                <a:solidFill>
+                  <a:srgbClr val="96A8D9"/>
+                </a:solidFill>
+                <a:latin typeface="나눔바른고딕" panose="020B0603020101020101" pitchFamily="50" charset="-127"/>
+                <a:ea typeface="나눔바른고딕" panose="020B0603020101020101" pitchFamily="50" charset="-127"/>
+              </a:endParaRPr>
+            </a:p>
+          </p:txBody>
+        </p:sp>
+        <p:sp>
+          <p:nvSpPr>
+            <p:cNvPr id="64" name="화살표: 오른쪽 63">
+              <a:extLst>
+                <a:ext uri="{FF2B5EF4-FFF2-40B4-BE49-F238E27FC236}">
+                  <a16:creationId xmlns:a16="http://schemas.microsoft.com/office/drawing/2014/main" id="{0040F256-0F95-4F20-8B76-ACC5C2805F54}"/>
+                </a:ext>
+              </a:extLst>
+            </p:cNvPr>
+            <p:cNvSpPr/>
+            <p:nvPr/>
+          </p:nvSpPr>
+          <p:spPr>
+            <a:xfrm>
+              <a:off x="4519171" y="937202"/>
+              <a:ext cx="364484" cy="215180"/>
+            </a:xfrm>
+            <a:prstGeom prst="rightArrow">
+              <a:avLst/>
+            </a:prstGeom>
+          </p:spPr>
+          <p:style>
+            <a:lnRef idx="1">
+              <a:schemeClr val="accent1"/>
+            </a:lnRef>
+            <a:fillRef idx="2">
+              <a:schemeClr val="accent1"/>
+            </a:fillRef>
+            <a:effectRef idx="1">
+              <a:schemeClr val="accent1"/>
+            </a:effectRef>
+            <a:fontRef idx="minor">
+              <a:schemeClr val="dk1"/>
+            </a:fontRef>
+          </p:style>
+          <p:txBody>
+            <a:bodyPr rtlCol="0" anchor="ctr"/>
+            <a:lstStyle/>
+            <a:p>
+              <a:pPr algn="ctr"/>
+              <a:endParaRPr lang="ko-KR" altLang="en-US"/>
+            </a:p>
+          </p:txBody>
+        </p:sp>
+        <p:sp>
+          <p:nvSpPr>
+            <p:cNvPr id="65" name="화살표: 오른쪽 64">
+              <a:extLst>
+                <a:ext uri="{FF2B5EF4-FFF2-40B4-BE49-F238E27FC236}">
+                  <a16:creationId xmlns:a16="http://schemas.microsoft.com/office/drawing/2014/main" id="{D0DD5F41-7C18-4C34-AA08-FEFD09A43707}"/>
+                </a:ext>
+              </a:extLst>
+            </p:cNvPr>
+            <p:cNvSpPr/>
+            <p:nvPr/>
+          </p:nvSpPr>
+          <p:spPr>
+            <a:xfrm>
+              <a:off x="4519171" y="1684310"/>
+              <a:ext cx="364484" cy="215180"/>
+            </a:xfrm>
+            <a:prstGeom prst="rightArrow">
+              <a:avLst/>
+            </a:prstGeom>
+          </p:spPr>
+          <p:style>
+            <a:lnRef idx="1">
+              <a:schemeClr val="accent1"/>
+            </a:lnRef>
+            <a:fillRef idx="2">
+              <a:schemeClr val="accent1"/>
+            </a:fillRef>
+            <a:effectRef idx="1">
+              <a:schemeClr val="accent1"/>
+            </a:effectRef>
+            <a:fontRef idx="minor">
+              <a:schemeClr val="dk1"/>
+            </a:fontRef>
+          </p:style>
+          <p:txBody>
+            <a:bodyPr rtlCol="0" anchor="ctr"/>
+            <a:lstStyle/>
+            <a:p>
+              <a:pPr algn="ctr"/>
+              <a:endParaRPr lang="ko-KR" altLang="en-US"/>
+            </a:p>
+          </p:txBody>
+        </p:sp>
+        <p:sp>
+          <p:nvSpPr>
+            <p:cNvPr id="66" name="화살표: 오른쪽 65">
+              <a:extLst>
+                <a:ext uri="{FF2B5EF4-FFF2-40B4-BE49-F238E27FC236}">
+                  <a16:creationId xmlns:a16="http://schemas.microsoft.com/office/drawing/2014/main" id="{CC894B54-3569-4113-8132-91DC39E3CDAD}"/>
+                </a:ext>
+              </a:extLst>
+            </p:cNvPr>
+            <p:cNvSpPr/>
+            <p:nvPr/>
+          </p:nvSpPr>
+          <p:spPr>
+            <a:xfrm>
+              <a:off x="4519171" y="2358833"/>
+              <a:ext cx="364484" cy="215180"/>
+            </a:xfrm>
+            <a:prstGeom prst="rightArrow">
+              <a:avLst/>
+            </a:prstGeom>
+          </p:spPr>
+          <p:style>
+            <a:lnRef idx="1">
+              <a:schemeClr val="accent1"/>
+            </a:lnRef>
+            <a:fillRef idx="2">
+              <a:schemeClr val="accent1"/>
+            </a:fillRef>
+            <a:effectRef idx="1">
+              <a:schemeClr val="accent1"/>
+            </a:effectRef>
+            <a:fontRef idx="minor">
+              <a:schemeClr val="dk1"/>
+            </a:fontRef>
+          </p:style>
+          <p:txBody>
+            <a:bodyPr rtlCol="0" anchor="ctr"/>
+            <a:lstStyle/>
+            <a:p>
+              <a:pPr algn="ctr"/>
+              <a:endParaRPr lang="ko-KR" altLang="en-US"/>
+            </a:p>
+          </p:txBody>
+        </p:sp>
+        <p:sp>
+          <p:nvSpPr>
+            <p:cNvPr id="67" name="화살표: 오른쪽 66">
+              <a:extLst>
+                <a:ext uri="{FF2B5EF4-FFF2-40B4-BE49-F238E27FC236}">
+                  <a16:creationId xmlns:a16="http://schemas.microsoft.com/office/drawing/2014/main" id="{33100317-A0C4-4B8C-8DEC-1A7047989A64}"/>
+                </a:ext>
+              </a:extLst>
+            </p:cNvPr>
+            <p:cNvSpPr/>
+            <p:nvPr/>
+          </p:nvSpPr>
+          <p:spPr>
+            <a:xfrm>
+              <a:off x="4519171" y="3012368"/>
+              <a:ext cx="364484" cy="215180"/>
+            </a:xfrm>
+            <a:prstGeom prst="rightArrow">
+              <a:avLst/>
+            </a:prstGeom>
+          </p:spPr>
+          <p:style>
+            <a:lnRef idx="1">
+              <a:schemeClr val="accent1"/>
+            </a:lnRef>
+            <a:fillRef idx="2">
+              <a:schemeClr val="accent1"/>
+            </a:fillRef>
+            <a:effectRef idx="1">
+              <a:schemeClr val="accent1"/>
+            </a:effectRef>
+            <a:fontRef idx="minor">
+              <a:schemeClr val="dk1"/>
+            </a:fontRef>
+          </p:style>
+          <p:txBody>
+            <a:bodyPr rtlCol="0" anchor="ctr"/>
+            <a:lstStyle/>
+            <a:p>
+              <a:pPr algn="ctr"/>
+              <a:endParaRPr lang="ko-KR" altLang="en-US"/>
+            </a:p>
+          </p:txBody>
+        </p:sp>
+        <p:sp>
+          <p:nvSpPr>
+            <p:cNvPr id="70" name="화살표: 오른쪽 69">
+              <a:extLst>
+                <a:ext uri="{FF2B5EF4-FFF2-40B4-BE49-F238E27FC236}">
+                  <a16:creationId xmlns:a16="http://schemas.microsoft.com/office/drawing/2014/main" id="{9FBA2711-BA91-4A6D-8588-337071C99B19}"/>
+                </a:ext>
+              </a:extLst>
+            </p:cNvPr>
+            <p:cNvSpPr/>
+            <p:nvPr/>
+          </p:nvSpPr>
+          <p:spPr>
+            <a:xfrm>
+              <a:off x="4256589" y="1261677"/>
+              <a:ext cx="456422" cy="215180"/>
+            </a:xfrm>
+            <a:prstGeom prst="rightArrow">
+              <a:avLst/>
+            </a:prstGeom>
+          </p:spPr>
+          <p:style>
+            <a:lnRef idx="1">
+              <a:schemeClr val="accent2"/>
+            </a:lnRef>
+            <a:fillRef idx="2">
+              <a:schemeClr val="accent2"/>
+            </a:fillRef>
+            <a:effectRef idx="1">
+              <a:schemeClr val="accent2"/>
+            </a:effectRef>
+            <a:fontRef idx="minor">
+              <a:schemeClr val="dk1"/>
+            </a:fontRef>
+          </p:style>
+          <p:txBody>
+            <a:bodyPr rtlCol="0" anchor="ctr"/>
+            <a:lstStyle/>
+            <a:p>
+              <a:pPr algn="ctr"/>
+              <a:endParaRPr lang="ko-KR" altLang="en-US"/>
+            </a:p>
+          </p:txBody>
+        </p:sp>
+        <p:sp>
+          <p:nvSpPr>
+            <p:cNvPr id="71" name="화살표: 오른쪽 70">
+              <a:extLst>
+                <a:ext uri="{FF2B5EF4-FFF2-40B4-BE49-F238E27FC236}">
+                  <a16:creationId xmlns:a16="http://schemas.microsoft.com/office/drawing/2014/main" id="{475F278D-E7BD-4FC6-82AC-A743055885CA}"/>
+                </a:ext>
+              </a:extLst>
+            </p:cNvPr>
+            <p:cNvSpPr/>
+            <p:nvPr/>
+          </p:nvSpPr>
+          <p:spPr>
+            <a:xfrm>
+              <a:off x="4256589" y="1942443"/>
+              <a:ext cx="456422" cy="215180"/>
+            </a:xfrm>
+            <a:prstGeom prst="rightArrow">
+              <a:avLst/>
+            </a:prstGeom>
+          </p:spPr>
+          <p:style>
+            <a:lnRef idx="1">
+              <a:schemeClr val="accent2"/>
+            </a:lnRef>
+            <a:fillRef idx="2">
+              <a:schemeClr val="accent2"/>
+            </a:fillRef>
+            <a:effectRef idx="1">
+              <a:schemeClr val="accent2"/>
+            </a:effectRef>
+            <a:fontRef idx="minor">
+              <a:schemeClr val="dk1"/>
+            </a:fontRef>
+          </p:style>
+          <p:txBody>
+            <a:bodyPr rtlCol="0" anchor="ctr"/>
+            <a:lstStyle/>
+            <a:p>
+              <a:pPr algn="ctr"/>
+              <a:endParaRPr lang="ko-KR" altLang="en-US"/>
+            </a:p>
+          </p:txBody>
+        </p:sp>
+        <p:sp>
+          <p:nvSpPr>
+            <p:cNvPr id="72" name="화살표: 오른쪽 71">
+              <a:extLst>
+                <a:ext uri="{FF2B5EF4-FFF2-40B4-BE49-F238E27FC236}">
+                  <a16:creationId xmlns:a16="http://schemas.microsoft.com/office/drawing/2014/main" id="{13937D3F-B7AE-4B8D-A962-FB7A5989448B}"/>
+                </a:ext>
+              </a:extLst>
+            </p:cNvPr>
+            <p:cNvSpPr/>
+            <p:nvPr/>
+          </p:nvSpPr>
+          <p:spPr>
+            <a:xfrm>
+              <a:off x="4256589" y="2613213"/>
+              <a:ext cx="456422" cy="215180"/>
+            </a:xfrm>
+            <a:prstGeom prst="rightArrow">
+              <a:avLst/>
+            </a:prstGeom>
+          </p:spPr>
+          <p:style>
+            <a:lnRef idx="1">
+              <a:schemeClr val="accent2"/>
+            </a:lnRef>
+            <a:fillRef idx="2">
+              <a:schemeClr val="accent2"/>
+            </a:fillRef>
+            <a:effectRef idx="1">
+              <a:schemeClr val="accent2"/>
+            </a:effectRef>
+            <a:fontRef idx="minor">
+              <a:schemeClr val="dk1"/>
+            </a:fontRef>
+          </p:style>
+          <p:txBody>
+            <a:bodyPr rtlCol="0" anchor="ctr"/>
+            <a:lstStyle/>
+            <a:p>
+              <a:pPr algn="ctr"/>
+              <a:endParaRPr lang="ko-KR" altLang="en-US"/>
+            </a:p>
+          </p:txBody>
+        </p:sp>
+        <p:sp>
+          <p:nvSpPr>
+            <p:cNvPr id="73" name="화살표: 오른쪽 72">
+              <a:extLst>
+                <a:ext uri="{FF2B5EF4-FFF2-40B4-BE49-F238E27FC236}">
+                  <a16:creationId xmlns:a16="http://schemas.microsoft.com/office/drawing/2014/main" id="{28790351-EA99-47E1-8DC8-C91D28E0BE27}"/>
+                </a:ext>
+              </a:extLst>
+            </p:cNvPr>
+            <p:cNvSpPr/>
+            <p:nvPr/>
+          </p:nvSpPr>
+          <p:spPr>
+            <a:xfrm>
+              <a:off x="4256589" y="3251295"/>
+              <a:ext cx="456422" cy="215180"/>
+            </a:xfrm>
+            <a:prstGeom prst="rightArrow">
+              <a:avLst/>
+            </a:prstGeom>
+          </p:spPr>
+          <p:style>
+            <a:lnRef idx="1">
+              <a:schemeClr val="accent2"/>
+            </a:lnRef>
+            <a:fillRef idx="2">
+              <a:schemeClr val="accent2"/>
+            </a:fillRef>
+            <a:effectRef idx="1">
+              <a:schemeClr val="accent2"/>
+            </a:effectRef>
+            <a:fontRef idx="minor">
+              <a:schemeClr val="dk1"/>
+            </a:fontRef>
+          </p:style>
+          <p:txBody>
+            <a:bodyPr rtlCol="0" anchor="ctr"/>
+            <a:lstStyle/>
+            <a:p>
+              <a:pPr algn="ctr"/>
+              <a:endParaRPr lang="ko-KR" altLang="en-US"/>
+            </a:p>
+          </p:txBody>
+        </p:sp>
+        <p:sp>
+          <p:nvSpPr>
+            <p:cNvPr id="76" name="화살표: 오른쪽 75">
+              <a:extLst>
+                <a:ext uri="{FF2B5EF4-FFF2-40B4-BE49-F238E27FC236}">
+                  <a16:creationId xmlns:a16="http://schemas.microsoft.com/office/drawing/2014/main" id="{8E17A1BE-1FB6-4327-A388-E783A5FC2C64}"/>
+                </a:ext>
+              </a:extLst>
+            </p:cNvPr>
+            <p:cNvSpPr/>
+            <p:nvPr/>
+          </p:nvSpPr>
+          <p:spPr>
+            <a:xfrm>
+              <a:off x="3976284" y="1520835"/>
+              <a:ext cx="243008" cy="215180"/>
+            </a:xfrm>
+            <a:prstGeom prst="rightArrow">
+              <a:avLst/>
+            </a:prstGeom>
+          </p:spPr>
+          <p:style>
+            <a:lnRef idx="1">
+              <a:schemeClr val="accent6"/>
+            </a:lnRef>
+            <a:fillRef idx="2">
+              <a:schemeClr val="accent6"/>
+            </a:fillRef>
+            <a:effectRef idx="1">
+              <a:schemeClr val="accent6"/>
+            </a:effectRef>
+            <a:fontRef idx="minor">
+              <a:schemeClr val="dk1"/>
+            </a:fontRef>
+          </p:style>
+          <p:txBody>
+            <a:bodyPr rtlCol="0" anchor="ctr"/>
+            <a:lstStyle/>
+            <a:p>
+              <a:pPr algn="ctr"/>
+              <a:endParaRPr lang="ko-KR" altLang="en-US"/>
+            </a:p>
+          </p:txBody>
+        </p:sp>
+        <p:sp>
+          <p:nvSpPr>
+            <p:cNvPr id="77" name="화살표: 오른쪽 76">
+              <a:extLst>
+                <a:ext uri="{FF2B5EF4-FFF2-40B4-BE49-F238E27FC236}">
+                  <a16:creationId xmlns:a16="http://schemas.microsoft.com/office/drawing/2014/main" id="{27660A06-9537-49F1-8901-CFD0241EA085}"/>
+                </a:ext>
+              </a:extLst>
+            </p:cNvPr>
+            <p:cNvSpPr/>
+            <p:nvPr/>
+          </p:nvSpPr>
+          <p:spPr>
+            <a:xfrm>
+              <a:off x="3976284" y="2191511"/>
+              <a:ext cx="243008" cy="215180"/>
+            </a:xfrm>
+            <a:prstGeom prst="rightArrow">
+              <a:avLst/>
+            </a:prstGeom>
+          </p:spPr>
+          <p:style>
+            <a:lnRef idx="1">
+              <a:schemeClr val="accent6"/>
+            </a:lnRef>
+            <a:fillRef idx="2">
+              <a:schemeClr val="accent6"/>
+            </a:fillRef>
+            <a:effectRef idx="1">
+              <a:schemeClr val="accent6"/>
+            </a:effectRef>
+            <a:fontRef idx="minor">
+              <a:schemeClr val="dk1"/>
+            </a:fontRef>
+          </p:style>
+          <p:txBody>
+            <a:bodyPr rtlCol="0" anchor="ctr"/>
+            <a:lstStyle/>
+            <a:p>
+              <a:pPr algn="ctr"/>
+              <a:endParaRPr lang="ko-KR" altLang="en-US"/>
+            </a:p>
+          </p:txBody>
+        </p:sp>
+        <p:sp>
+          <p:nvSpPr>
+            <p:cNvPr id="78" name="화살표: 오른쪽 77">
+              <a:extLst>
+                <a:ext uri="{FF2B5EF4-FFF2-40B4-BE49-F238E27FC236}">
+                  <a16:creationId xmlns:a16="http://schemas.microsoft.com/office/drawing/2014/main" id="{727B1B43-FE95-40AD-A7BC-E956E68A1BDE}"/>
+                </a:ext>
+              </a:extLst>
+            </p:cNvPr>
+            <p:cNvSpPr/>
+            <p:nvPr/>
+          </p:nvSpPr>
+          <p:spPr>
+            <a:xfrm>
+              <a:off x="3976284" y="2875287"/>
+              <a:ext cx="243008" cy="215180"/>
+            </a:xfrm>
+            <a:prstGeom prst="rightArrow">
+              <a:avLst/>
+            </a:prstGeom>
+          </p:spPr>
+          <p:style>
+            <a:lnRef idx="1">
+              <a:schemeClr val="accent6"/>
+            </a:lnRef>
+            <a:fillRef idx="2">
+              <a:schemeClr val="accent6"/>
+            </a:fillRef>
+            <a:effectRef idx="1">
+              <a:schemeClr val="accent6"/>
+            </a:effectRef>
+            <a:fontRef idx="minor">
+              <a:schemeClr val="dk1"/>
+            </a:fontRef>
+          </p:style>
+          <p:txBody>
+            <a:bodyPr rtlCol="0" anchor="ctr"/>
+            <a:lstStyle/>
+            <a:p>
+              <a:pPr algn="ctr"/>
+              <a:endParaRPr lang="ko-KR" altLang="en-US"/>
+            </a:p>
+          </p:txBody>
+        </p:sp>
+        <p:sp>
+          <p:nvSpPr>
+            <p:cNvPr id="79" name="화살표: 오른쪽 78">
+              <a:extLst>
+                <a:ext uri="{FF2B5EF4-FFF2-40B4-BE49-F238E27FC236}">
+                  <a16:creationId xmlns:a16="http://schemas.microsoft.com/office/drawing/2014/main" id="{6A481E90-9F65-4A19-BA07-8286003194BA}"/>
+                </a:ext>
+              </a:extLst>
+            </p:cNvPr>
+            <p:cNvSpPr/>
+            <p:nvPr/>
+          </p:nvSpPr>
+          <p:spPr>
+            <a:xfrm>
+              <a:off x="3976284" y="3502486"/>
+              <a:ext cx="243008" cy="215180"/>
+            </a:xfrm>
+            <a:prstGeom prst="rightArrow">
+              <a:avLst/>
+            </a:prstGeom>
+          </p:spPr>
+          <p:style>
+            <a:lnRef idx="1">
+              <a:schemeClr val="accent6"/>
+            </a:lnRef>
+            <a:fillRef idx="2">
+              <a:schemeClr val="accent6"/>
+            </a:fillRef>
+            <a:effectRef idx="1">
+              <a:schemeClr val="accent6"/>
+            </a:effectRef>
+            <a:fontRef idx="minor">
+              <a:schemeClr val="dk1"/>
+            </a:fontRef>
+          </p:style>
+          <p:txBody>
+            <a:bodyPr rtlCol="0" anchor="ctr"/>
+            <a:lstStyle/>
+            <a:p>
+              <a:pPr algn="ctr"/>
+              <a:endParaRPr lang="ko-KR" altLang="en-US"/>
+            </a:p>
+          </p:txBody>
+        </p:sp>
+      </p:grpSp>
+    </p:spTree>
+    <p:extLst>
+      <p:ext uri="{BB962C8B-B14F-4D97-AF65-F5344CB8AC3E}">
+        <p14:creationId xmlns:p14="http://schemas.microsoft.com/office/powerpoint/2010/main" val="2373827650"/>
+      </p:ext>
+    </p:extLst>
+  </p:cSld>
+  <p:clrMapOvr>
+    <a:masterClrMapping/>
+  </p:clrMapOvr>
+</p:sld>
+</file>
+
 <file path=ppt/theme/theme1.xml><?xml version="1.0" encoding="utf-8"?>
 <a:theme xmlns:a="http://schemas.openxmlformats.org/drawingml/2006/main" name="Default Theme">
   <a:themeElements>

--- a/assets/img/dl/pytorch/snippets/dl_pytorch_snippets.pptx
+++ b/assets/img/dl/pytorch/snippets/dl_pytorch_snippets.pptx
@@ -7,6 +7,11 @@
   <p:sldIdLst>
     <p:sldId id="256" r:id="rId2"/>
     <p:sldId id="257" r:id="rId3"/>
+    <p:sldId id="266" r:id="rId4"/>
+    <p:sldId id="267" r:id="rId5"/>
+    <p:sldId id="269" r:id="rId6"/>
+    <p:sldId id="268" r:id="rId7"/>
+    <p:sldId id="270" r:id="rId8"/>
   </p:sldIdLst>
   <p:sldSz cx="9906000" cy="6858000" type="A4"/>
   <p:notesSz cx="6858000" cy="9144000"/>
@@ -147,7 +152,7 @@
           <a:p>
             <a:fld id="{5A0BAE39-323B-4A63-B671-007B038DF96F}" type="datetimeFigureOut">
               <a:rPr lang="ko-KR" altLang="en-US" smtClean="0"/>
-              <a:t>2020-06-14</a:t>
+              <a:t>2024-02-12</a:t>
             </a:fld>
             <a:endParaRPr lang="ko-KR" altLang="en-US"/>
           </a:p>
@@ -601,7 +606,7 @@
           <a:p>
             <a:fld id="{5A0BAE39-323B-4A63-B671-007B038DF96F}" type="datetimeFigureOut">
               <a:rPr lang="ko-KR" altLang="en-US" smtClean="0"/>
-              <a:t>2020-06-14</a:t>
+              <a:t>2024-02-12</a:t>
             </a:fld>
             <a:endParaRPr lang="ko-KR" altLang="en-US"/>
           </a:p>
@@ -781,7 +786,7 @@
           <a:p>
             <a:fld id="{5A0BAE39-323B-4A63-B671-007B038DF96F}" type="datetimeFigureOut">
               <a:rPr lang="ko-KR" altLang="en-US" smtClean="0"/>
-              <a:t>2020-06-14</a:t>
+              <a:t>2024-02-12</a:t>
             </a:fld>
             <a:endParaRPr lang="ko-KR" altLang="en-US"/>
           </a:p>
@@ -951,7 +956,7 @@
           <a:p>
             <a:fld id="{5A0BAE39-323B-4A63-B671-007B038DF96F}" type="datetimeFigureOut">
               <a:rPr lang="ko-KR" altLang="en-US" smtClean="0"/>
-              <a:t>2020-06-14</a:t>
+              <a:t>2024-02-12</a:t>
             </a:fld>
             <a:endParaRPr lang="ko-KR" altLang="en-US"/>
           </a:p>
@@ -1195,7 +1200,7 @@
           <a:p>
             <a:fld id="{5A0BAE39-323B-4A63-B671-007B038DF96F}" type="datetimeFigureOut">
               <a:rPr lang="ko-KR" altLang="en-US" smtClean="0"/>
-              <a:t>2020-06-14</a:t>
+              <a:t>2024-02-12</a:t>
             </a:fld>
             <a:endParaRPr lang="ko-KR" altLang="en-US"/>
           </a:p>
@@ -1427,7 +1432,7 @@
           <a:p>
             <a:fld id="{5A0BAE39-323B-4A63-B671-007B038DF96F}" type="datetimeFigureOut">
               <a:rPr lang="ko-KR" altLang="en-US" smtClean="0"/>
-              <a:t>2020-06-14</a:t>
+              <a:t>2024-02-12</a:t>
             </a:fld>
             <a:endParaRPr lang="ko-KR" altLang="en-US"/>
           </a:p>
@@ -1794,7 +1799,7 @@
           <a:p>
             <a:fld id="{5A0BAE39-323B-4A63-B671-007B038DF96F}" type="datetimeFigureOut">
               <a:rPr lang="ko-KR" altLang="en-US" smtClean="0"/>
-              <a:t>2020-06-14</a:t>
+              <a:t>2024-02-12</a:t>
             </a:fld>
             <a:endParaRPr lang="ko-KR" altLang="en-US"/>
           </a:p>
@@ -1912,7 +1917,7 @@
           <a:p>
             <a:fld id="{5A0BAE39-323B-4A63-B671-007B038DF96F}" type="datetimeFigureOut">
               <a:rPr lang="ko-KR" altLang="en-US" smtClean="0"/>
-              <a:t>2020-06-14</a:t>
+              <a:t>2024-02-12</a:t>
             </a:fld>
             <a:endParaRPr lang="ko-KR" altLang="en-US"/>
           </a:p>
@@ -2007,7 +2012,7 @@
           <a:p>
             <a:fld id="{5A0BAE39-323B-4A63-B671-007B038DF96F}" type="datetimeFigureOut">
               <a:rPr lang="ko-KR" altLang="en-US" smtClean="0"/>
-              <a:t>2020-06-14</a:t>
+              <a:t>2024-02-12</a:t>
             </a:fld>
             <a:endParaRPr lang="ko-KR" altLang="en-US"/>
           </a:p>
@@ -2284,7 +2289,7 @@
           <a:p>
             <a:fld id="{5A0BAE39-323B-4A63-B671-007B038DF96F}" type="datetimeFigureOut">
               <a:rPr lang="ko-KR" altLang="en-US" smtClean="0"/>
-              <a:t>2020-06-14</a:t>
+              <a:t>2024-02-12</a:t>
             </a:fld>
             <a:endParaRPr lang="ko-KR" altLang="en-US"/>
           </a:p>
@@ -2541,7 +2546,7 @@
           <a:p>
             <a:fld id="{5A0BAE39-323B-4A63-B671-007B038DF96F}" type="datetimeFigureOut">
               <a:rPr lang="ko-KR" altLang="en-US" smtClean="0"/>
-              <a:t>2020-06-14</a:t>
+              <a:t>2024-02-12</a:t>
             </a:fld>
             <a:endParaRPr lang="ko-KR" altLang="en-US"/>
           </a:p>
@@ -2754,7 +2759,7 @@
           <a:p>
             <a:fld id="{5A0BAE39-323B-4A63-B671-007B038DF96F}" type="datetimeFigureOut">
               <a:rPr lang="ko-KR" altLang="en-US" smtClean="0"/>
-              <a:t>2020-06-14</a:t>
+              <a:t>2024-02-12</a:t>
             </a:fld>
             <a:endParaRPr lang="ko-KR" altLang="en-US"/>
           </a:p>
@@ -14536,6 +14541,5342 @@
 </p:sld>
 </file>
 
+<file path=ppt/slides/slide3.xml><?xml version="1.0" encoding="utf-8"?>
+<p:sld xmlns:a="http://schemas.openxmlformats.org/drawingml/2006/main" xmlns:r="http://schemas.openxmlformats.org/officeDocument/2006/relationships" xmlns:p="http://schemas.openxmlformats.org/presentationml/2006/main">
+  <p:cSld>
+    <p:spTree>
+      <p:nvGrpSpPr>
+        <p:cNvPr id="1" name=""/>
+        <p:cNvGrpSpPr/>
+        <p:nvPr/>
+      </p:nvGrpSpPr>
+      <p:grpSpPr>
+        <a:xfrm>
+          <a:off x="0" y="0"/>
+          <a:ext cx="0" cy="0"/>
+          <a:chOff x="0" y="0"/>
+          <a:chExt cx="0" cy="0"/>
+        </a:xfrm>
+      </p:grpSpPr>
+      <p:grpSp>
+        <p:nvGrpSpPr>
+          <p:cNvPr id="14" name="그룹 13">
+            <a:extLst>
+              <a:ext uri="{FF2B5EF4-FFF2-40B4-BE49-F238E27FC236}">
+                <a16:creationId xmlns:a16="http://schemas.microsoft.com/office/drawing/2014/main" id="{75BAD896-2EDD-48DF-D2F4-02A1BE728DC3}"/>
+              </a:ext>
+            </a:extLst>
+          </p:cNvPr>
+          <p:cNvGrpSpPr/>
+          <p:nvPr/>
+        </p:nvGrpSpPr>
+        <p:grpSpPr>
+          <a:xfrm>
+            <a:off x="507018" y="1082698"/>
+            <a:ext cx="7263839" cy="2742994"/>
+            <a:chOff x="679626" y="763666"/>
+            <a:chExt cx="8940109" cy="3375992"/>
+          </a:xfrm>
+        </p:grpSpPr>
+        <p:pic>
+          <p:nvPicPr>
+            <p:cNvPr id="5" name="그림 4">
+              <a:extLst>
+                <a:ext uri="{FF2B5EF4-FFF2-40B4-BE49-F238E27FC236}">
+                  <a16:creationId xmlns:a16="http://schemas.microsoft.com/office/drawing/2014/main" id="{08B3936D-CD3E-539E-6BDD-1E9C337FEB78}"/>
+                </a:ext>
+              </a:extLst>
+            </p:cNvPr>
+            <p:cNvPicPr>
+              <a:picLocks noChangeAspect="1"/>
+            </p:cNvPicPr>
+            <p:nvPr/>
+          </p:nvPicPr>
+          <p:blipFill rotWithShape="1">
+            <a:blip r:embed="rId2"/>
+            <a:srcRect r="622"/>
+            <a:stretch/>
+          </p:blipFill>
+          <p:spPr>
+            <a:xfrm>
+              <a:off x="7205507" y="763666"/>
+              <a:ext cx="2414228" cy="3375992"/>
+            </a:xfrm>
+            <a:prstGeom prst="rect">
+              <a:avLst/>
+            </a:prstGeom>
+          </p:spPr>
+        </p:pic>
+        <p:pic>
+          <p:nvPicPr>
+            <p:cNvPr id="7" name="그림 6">
+              <a:extLst>
+                <a:ext uri="{FF2B5EF4-FFF2-40B4-BE49-F238E27FC236}">
+                  <a16:creationId xmlns:a16="http://schemas.microsoft.com/office/drawing/2014/main" id="{87B9BCD8-C402-E382-6EF5-A28D7B5BC3C3}"/>
+                </a:ext>
+              </a:extLst>
+            </p:cNvPr>
+            <p:cNvPicPr>
+              <a:picLocks noChangeAspect="1"/>
+            </p:cNvPicPr>
+            <p:nvPr/>
+          </p:nvPicPr>
+          <p:blipFill>
+            <a:blip r:embed="rId3"/>
+            <a:stretch>
+              <a:fillRect/>
+            </a:stretch>
+          </p:blipFill>
+          <p:spPr>
+            <a:xfrm>
+              <a:off x="679626" y="763666"/>
+              <a:ext cx="5696460" cy="1337730"/>
+            </a:xfrm>
+            <a:prstGeom prst="rect">
+              <a:avLst/>
+            </a:prstGeom>
+          </p:spPr>
+        </p:pic>
+        <p:pic>
+          <p:nvPicPr>
+            <p:cNvPr id="9" name="그림 8">
+              <a:extLst>
+                <a:ext uri="{FF2B5EF4-FFF2-40B4-BE49-F238E27FC236}">
+                  <a16:creationId xmlns:a16="http://schemas.microsoft.com/office/drawing/2014/main" id="{22BF2F0A-47C3-A3A1-B891-8A2742CAB62D}"/>
+                </a:ext>
+              </a:extLst>
+            </p:cNvPr>
+            <p:cNvPicPr>
+              <a:picLocks noChangeAspect="1"/>
+            </p:cNvPicPr>
+            <p:nvPr/>
+          </p:nvPicPr>
+          <p:blipFill>
+            <a:blip r:embed="rId4"/>
+            <a:stretch>
+              <a:fillRect/>
+            </a:stretch>
+          </p:blipFill>
+          <p:spPr>
+            <a:xfrm>
+              <a:off x="925960" y="2569640"/>
+              <a:ext cx="5625962" cy="1563526"/>
+            </a:xfrm>
+            <a:prstGeom prst="rect">
+              <a:avLst/>
+            </a:prstGeom>
+          </p:spPr>
+        </p:pic>
+        <mc:AlternateContent xmlns:mc="http://schemas.openxmlformats.org/markup-compatibility/2006">
+          <mc:Choice xmlns:a14="http://schemas.microsoft.com/office/drawing/2010/main" Requires="a14">
+            <p:sp>
+              <p:nvSpPr>
+                <p:cNvPr id="10" name="TextBox 9">
+                  <a:extLst>
+                    <a:ext uri="{FF2B5EF4-FFF2-40B4-BE49-F238E27FC236}">
+                      <a16:creationId xmlns:a16="http://schemas.microsoft.com/office/drawing/2014/main" id="{6773141E-9869-4747-C59D-A1F75F7DD6A5}"/>
+                    </a:ext>
+                  </a:extLst>
+                </p:cNvPr>
+                <p:cNvSpPr txBox="1"/>
+                <p:nvPr/>
+              </p:nvSpPr>
+              <p:spPr>
+                <a:xfrm>
+                  <a:off x="8313008" y="2101396"/>
+                  <a:ext cx="410922" cy="277078"/>
+                </a:xfrm>
+                <a:prstGeom prst="rect">
+                  <a:avLst/>
+                </a:prstGeom>
+                <a:noFill/>
+              </p:spPr>
+              <p:txBody>
+                <a:bodyPr wrap="none" lIns="0" tIns="0" rIns="0" bIns="0" rtlCol="0">
+                  <a:spAutoFit/>
+                </a:bodyPr>
+                <a:lstStyle/>
+                <a:p>
+                  <a14:m>
+                    <m:oMathPara xmlns:m="http://schemas.openxmlformats.org/officeDocument/2006/math">
+                      <m:oMathParaPr>
+                        <m:jc m:val="centerGroup"/>
+                      </m:oMathParaPr>
+                      <m:oMath xmlns:m="http://schemas.openxmlformats.org/officeDocument/2006/math">
+                        <m:sSub>
+                          <m:sSubPr>
+                            <m:ctrlPr>
+                              <a:rPr lang="en-US" altLang="ko-KR" sz="1463" i="1">
+                                <a:latin typeface="Cambria Math" panose="02040503050406030204" pitchFamily="18" charset="0"/>
+                              </a:rPr>
+                            </m:ctrlPr>
+                          </m:sSubPr>
+                          <m:e>
+                            <m:r>
+                              <a:rPr lang="en-US" altLang="ko-KR" sz="1463" i="1">
+                                <a:latin typeface="Cambria Math" panose="02040503050406030204" pitchFamily="18" charset="0"/>
+                              </a:rPr>
+                              <m:t>𝑤</m:t>
+                            </m:r>
+                          </m:e>
+                          <m:sub>
+                            <m:r>
+                              <a:rPr lang="en-US" altLang="ko-KR" sz="1463" i="1">
+                                <a:latin typeface="Cambria Math" panose="02040503050406030204" pitchFamily="18" charset="0"/>
+                              </a:rPr>
+                              <m:t>12</m:t>
+                            </m:r>
+                          </m:sub>
+                        </m:sSub>
+                      </m:oMath>
+                    </m:oMathPara>
+                  </a14:m>
+                  <a:endParaRPr lang="ko-KR" altLang="en-US" sz="1463"/>
+                </a:p>
+              </p:txBody>
+            </p:sp>
+          </mc:Choice>
+          <mc:Fallback>
+            <p:sp>
+              <p:nvSpPr>
+                <p:cNvPr id="10" name="TextBox 9">
+                  <a:extLst>
+                    <a:ext uri="{FF2B5EF4-FFF2-40B4-BE49-F238E27FC236}">
+                      <a16:creationId xmlns:a16="http://schemas.microsoft.com/office/drawing/2014/main" id="{6773141E-9869-4747-C59D-A1F75F7DD6A5}"/>
+                    </a:ext>
+                  </a:extLst>
+                </p:cNvPr>
+                <p:cNvSpPr txBox="1">
+                  <a:spLocks noRot="1" noChangeAspect="1" noMove="1" noResize="1" noEditPoints="1" noAdjustHandles="1" noChangeArrowheads="1" noChangeShapeType="1" noTextEdit="1"/>
+                </p:cNvSpPr>
+                <p:nvPr/>
+              </p:nvSpPr>
+              <p:spPr>
+                <a:xfrm>
+                  <a:off x="8313008" y="2101396"/>
+                  <a:ext cx="410922" cy="277078"/>
+                </a:xfrm>
+                <a:prstGeom prst="rect">
+                  <a:avLst/>
+                </a:prstGeom>
+                <a:blipFill>
+                  <a:blip r:embed="rId5"/>
+                  <a:stretch>
+                    <a:fillRect l="-7407" r="-5556" b="-13514"/>
+                  </a:stretch>
+                </a:blipFill>
+              </p:spPr>
+              <p:txBody>
+                <a:bodyPr/>
+                <a:lstStyle/>
+                <a:p>
+                  <a:r>
+                    <a:rPr lang="ko-KR" altLang="en-US">
+                      <a:noFill/>
+                    </a:rPr>
+                    <a:t> </a:t>
+                  </a:r>
+                </a:p>
+              </p:txBody>
+            </p:sp>
+          </mc:Fallback>
+        </mc:AlternateContent>
+        <mc:AlternateContent xmlns:mc="http://schemas.openxmlformats.org/markup-compatibility/2006">
+          <mc:Choice xmlns:a14="http://schemas.microsoft.com/office/drawing/2010/main" Requires="a14">
+            <p:sp>
+              <p:nvSpPr>
+                <p:cNvPr id="11" name="TextBox 10">
+                  <a:extLst>
+                    <a:ext uri="{FF2B5EF4-FFF2-40B4-BE49-F238E27FC236}">
+                      <a16:creationId xmlns:a16="http://schemas.microsoft.com/office/drawing/2014/main" id="{79F3E3A5-ED62-B610-3C55-C1734828B224}"/>
+                    </a:ext>
+                  </a:extLst>
+                </p:cNvPr>
+                <p:cNvSpPr txBox="1"/>
+                <p:nvPr/>
+              </p:nvSpPr>
+              <p:spPr>
+                <a:xfrm>
+                  <a:off x="8308851" y="1330537"/>
+                  <a:ext cx="410922" cy="277078"/>
+                </a:xfrm>
+                <a:prstGeom prst="rect">
+                  <a:avLst/>
+                </a:prstGeom>
+                <a:noFill/>
+              </p:spPr>
+              <p:txBody>
+                <a:bodyPr wrap="none" lIns="0" tIns="0" rIns="0" bIns="0" rtlCol="0">
+                  <a:spAutoFit/>
+                </a:bodyPr>
+                <a:lstStyle/>
+                <a:p>
+                  <a14:m>
+                    <m:oMathPara xmlns:m="http://schemas.openxmlformats.org/officeDocument/2006/math">
+                      <m:oMathParaPr>
+                        <m:jc m:val="centerGroup"/>
+                      </m:oMathParaPr>
+                      <m:oMath xmlns:m="http://schemas.openxmlformats.org/officeDocument/2006/math">
+                        <m:sSub>
+                          <m:sSubPr>
+                            <m:ctrlPr>
+                              <a:rPr lang="en-US" altLang="ko-KR" sz="1463" i="1">
+                                <a:latin typeface="Cambria Math" panose="02040503050406030204" pitchFamily="18" charset="0"/>
+                              </a:rPr>
+                            </m:ctrlPr>
+                          </m:sSubPr>
+                          <m:e>
+                            <m:r>
+                              <a:rPr lang="en-US" altLang="ko-KR" sz="1463" i="1">
+                                <a:latin typeface="Cambria Math" panose="02040503050406030204" pitchFamily="18" charset="0"/>
+                              </a:rPr>
+                              <m:t>𝑤</m:t>
+                            </m:r>
+                          </m:e>
+                          <m:sub>
+                            <m:r>
+                              <a:rPr lang="en-US" altLang="ko-KR" sz="1463" i="1">
+                                <a:latin typeface="Cambria Math" panose="02040503050406030204" pitchFamily="18" charset="0"/>
+                              </a:rPr>
+                              <m:t>11</m:t>
+                            </m:r>
+                          </m:sub>
+                        </m:sSub>
+                      </m:oMath>
+                    </m:oMathPara>
+                  </a14:m>
+                  <a:endParaRPr lang="ko-KR" altLang="en-US" sz="1463"/>
+                </a:p>
+              </p:txBody>
+            </p:sp>
+          </mc:Choice>
+          <mc:Fallback>
+            <p:sp>
+              <p:nvSpPr>
+                <p:cNvPr id="11" name="TextBox 10">
+                  <a:extLst>
+                    <a:ext uri="{FF2B5EF4-FFF2-40B4-BE49-F238E27FC236}">
+                      <a16:creationId xmlns:a16="http://schemas.microsoft.com/office/drawing/2014/main" id="{79F3E3A5-ED62-B610-3C55-C1734828B224}"/>
+                    </a:ext>
+                  </a:extLst>
+                </p:cNvPr>
+                <p:cNvSpPr txBox="1">
+                  <a:spLocks noRot="1" noChangeAspect="1" noMove="1" noResize="1" noEditPoints="1" noAdjustHandles="1" noChangeArrowheads="1" noChangeShapeType="1" noTextEdit="1"/>
+                </p:cNvSpPr>
+                <p:nvPr/>
+              </p:nvSpPr>
+              <p:spPr>
+                <a:xfrm>
+                  <a:off x="8308851" y="1330537"/>
+                  <a:ext cx="410922" cy="277078"/>
+                </a:xfrm>
+                <a:prstGeom prst="rect">
+                  <a:avLst/>
+                </a:prstGeom>
+                <a:blipFill>
+                  <a:blip r:embed="rId6"/>
+                  <a:stretch>
+                    <a:fillRect l="-5455" r="-5455" b="-16216"/>
+                  </a:stretch>
+                </a:blipFill>
+              </p:spPr>
+              <p:txBody>
+                <a:bodyPr/>
+                <a:lstStyle/>
+                <a:p>
+                  <a:r>
+                    <a:rPr lang="ko-KR" altLang="en-US">
+                      <a:noFill/>
+                    </a:rPr>
+                    <a:t> </a:t>
+                  </a:r>
+                </a:p>
+              </p:txBody>
+            </p:sp>
+          </mc:Fallback>
+        </mc:AlternateContent>
+        <mc:AlternateContent xmlns:mc="http://schemas.openxmlformats.org/markup-compatibility/2006">
+          <mc:Choice xmlns:a14="http://schemas.microsoft.com/office/drawing/2010/main" Requires="a14">
+            <p:sp>
+              <p:nvSpPr>
+                <p:cNvPr id="12" name="TextBox 11">
+                  <a:extLst>
+                    <a:ext uri="{FF2B5EF4-FFF2-40B4-BE49-F238E27FC236}">
+                      <a16:creationId xmlns:a16="http://schemas.microsoft.com/office/drawing/2014/main" id="{FF4BCE26-5FF2-2F01-1B55-8A1AA6D1E9F6}"/>
+                    </a:ext>
+                  </a:extLst>
+                </p:cNvPr>
+                <p:cNvSpPr txBox="1"/>
+                <p:nvPr/>
+              </p:nvSpPr>
+              <p:spPr>
+                <a:xfrm>
+                  <a:off x="7535291" y="1330537"/>
+                  <a:ext cx="416288" cy="277078"/>
+                </a:xfrm>
+                <a:prstGeom prst="rect">
+                  <a:avLst/>
+                </a:prstGeom>
+                <a:noFill/>
+              </p:spPr>
+              <p:txBody>
+                <a:bodyPr wrap="none" lIns="0" tIns="0" rIns="0" bIns="0" rtlCol="0">
+                  <a:spAutoFit/>
+                </a:bodyPr>
+                <a:lstStyle/>
+                <a:p>
+                  <a14:m>
+                    <m:oMathPara xmlns:m="http://schemas.openxmlformats.org/officeDocument/2006/math">
+                      <m:oMathParaPr>
+                        <m:jc m:val="centerGroup"/>
+                      </m:oMathParaPr>
+                      <m:oMath xmlns:m="http://schemas.openxmlformats.org/officeDocument/2006/math">
+                        <m:sSub>
+                          <m:sSubPr>
+                            <m:ctrlPr>
+                              <a:rPr lang="en-US" altLang="ko-KR" sz="1463" i="1">
+                                <a:latin typeface="Cambria Math" panose="02040503050406030204" pitchFamily="18" charset="0"/>
+                              </a:rPr>
+                            </m:ctrlPr>
+                          </m:sSubPr>
+                          <m:e>
+                            <m:r>
+                              <a:rPr lang="en-US" altLang="ko-KR" sz="1463" i="1">
+                                <a:latin typeface="Cambria Math" panose="02040503050406030204" pitchFamily="18" charset="0"/>
+                              </a:rPr>
+                              <m:t>𝑤</m:t>
+                            </m:r>
+                          </m:e>
+                          <m:sub>
+                            <m:r>
+                              <a:rPr lang="en-US" altLang="ko-KR" sz="1463" i="1">
+                                <a:latin typeface="Cambria Math" panose="02040503050406030204" pitchFamily="18" charset="0"/>
+                              </a:rPr>
+                              <m:t>21</m:t>
+                            </m:r>
+                          </m:sub>
+                        </m:sSub>
+                      </m:oMath>
+                    </m:oMathPara>
+                  </a14:m>
+                  <a:endParaRPr lang="ko-KR" altLang="en-US" sz="1463"/>
+                </a:p>
+              </p:txBody>
+            </p:sp>
+          </mc:Choice>
+          <mc:Fallback>
+            <p:sp>
+              <p:nvSpPr>
+                <p:cNvPr id="12" name="TextBox 11">
+                  <a:extLst>
+                    <a:ext uri="{FF2B5EF4-FFF2-40B4-BE49-F238E27FC236}">
+                      <a16:creationId xmlns:a16="http://schemas.microsoft.com/office/drawing/2014/main" id="{FF4BCE26-5FF2-2F01-1B55-8A1AA6D1E9F6}"/>
+                    </a:ext>
+                  </a:extLst>
+                </p:cNvPr>
+                <p:cNvSpPr txBox="1">
+                  <a:spLocks noRot="1" noChangeAspect="1" noMove="1" noResize="1" noEditPoints="1" noAdjustHandles="1" noChangeArrowheads="1" noChangeShapeType="1" noTextEdit="1"/>
+                </p:cNvSpPr>
+                <p:nvPr/>
+              </p:nvSpPr>
+              <p:spPr>
+                <a:xfrm>
+                  <a:off x="7535291" y="1330537"/>
+                  <a:ext cx="416288" cy="277078"/>
+                </a:xfrm>
+                <a:prstGeom prst="rect">
+                  <a:avLst/>
+                </a:prstGeom>
+                <a:blipFill>
+                  <a:blip r:embed="rId7"/>
+                  <a:stretch>
+                    <a:fillRect l="-7273" r="-5455" b="-16216"/>
+                  </a:stretch>
+                </a:blipFill>
+              </p:spPr>
+              <p:txBody>
+                <a:bodyPr/>
+                <a:lstStyle/>
+                <a:p>
+                  <a:r>
+                    <a:rPr lang="ko-KR" altLang="en-US">
+                      <a:noFill/>
+                    </a:rPr>
+                    <a:t> </a:t>
+                  </a:r>
+                </a:p>
+              </p:txBody>
+            </p:sp>
+          </mc:Fallback>
+        </mc:AlternateContent>
+        <mc:AlternateContent xmlns:mc="http://schemas.openxmlformats.org/markup-compatibility/2006">
+          <mc:Choice xmlns:a14="http://schemas.microsoft.com/office/drawing/2010/main" Requires="a14">
+            <p:sp>
+              <p:nvSpPr>
+                <p:cNvPr id="13" name="TextBox 12">
+                  <a:extLst>
+                    <a:ext uri="{FF2B5EF4-FFF2-40B4-BE49-F238E27FC236}">
+                      <a16:creationId xmlns:a16="http://schemas.microsoft.com/office/drawing/2014/main" id="{C14EF7DF-F315-39C2-FFCE-6C325482AFD8}"/>
+                    </a:ext>
+                  </a:extLst>
+                </p:cNvPr>
+                <p:cNvSpPr txBox="1"/>
+                <p:nvPr/>
+              </p:nvSpPr>
+              <p:spPr>
+                <a:xfrm>
+                  <a:off x="7535291" y="2101396"/>
+                  <a:ext cx="416288" cy="277078"/>
+                </a:xfrm>
+                <a:prstGeom prst="rect">
+                  <a:avLst/>
+                </a:prstGeom>
+                <a:noFill/>
+              </p:spPr>
+              <p:txBody>
+                <a:bodyPr wrap="none" lIns="0" tIns="0" rIns="0" bIns="0" rtlCol="0">
+                  <a:spAutoFit/>
+                </a:bodyPr>
+                <a:lstStyle/>
+                <a:p>
+                  <a14:m>
+                    <m:oMathPara xmlns:m="http://schemas.openxmlformats.org/officeDocument/2006/math">
+                      <m:oMathParaPr>
+                        <m:jc m:val="centerGroup"/>
+                      </m:oMathParaPr>
+                      <m:oMath xmlns:m="http://schemas.openxmlformats.org/officeDocument/2006/math">
+                        <m:sSub>
+                          <m:sSubPr>
+                            <m:ctrlPr>
+                              <a:rPr lang="en-US" altLang="ko-KR" sz="1463" i="1">
+                                <a:latin typeface="Cambria Math" panose="02040503050406030204" pitchFamily="18" charset="0"/>
+                              </a:rPr>
+                            </m:ctrlPr>
+                          </m:sSubPr>
+                          <m:e>
+                            <m:r>
+                              <a:rPr lang="en-US" altLang="ko-KR" sz="1463" i="1">
+                                <a:latin typeface="Cambria Math" panose="02040503050406030204" pitchFamily="18" charset="0"/>
+                              </a:rPr>
+                              <m:t>𝑤</m:t>
+                            </m:r>
+                          </m:e>
+                          <m:sub>
+                            <m:r>
+                              <a:rPr lang="en-US" altLang="ko-KR" sz="1463" i="1">
+                                <a:latin typeface="Cambria Math" panose="02040503050406030204" pitchFamily="18" charset="0"/>
+                              </a:rPr>
+                              <m:t>22</m:t>
+                            </m:r>
+                          </m:sub>
+                        </m:sSub>
+                      </m:oMath>
+                    </m:oMathPara>
+                  </a14:m>
+                  <a:endParaRPr lang="ko-KR" altLang="en-US" sz="1463"/>
+                </a:p>
+              </p:txBody>
+            </p:sp>
+          </mc:Choice>
+          <mc:Fallback>
+            <p:sp>
+              <p:nvSpPr>
+                <p:cNvPr id="13" name="TextBox 12">
+                  <a:extLst>
+                    <a:ext uri="{FF2B5EF4-FFF2-40B4-BE49-F238E27FC236}">
+                      <a16:creationId xmlns:a16="http://schemas.microsoft.com/office/drawing/2014/main" id="{C14EF7DF-F315-39C2-FFCE-6C325482AFD8}"/>
+                    </a:ext>
+                  </a:extLst>
+                </p:cNvPr>
+                <p:cNvSpPr txBox="1">
+                  <a:spLocks noRot="1" noChangeAspect="1" noMove="1" noResize="1" noEditPoints="1" noAdjustHandles="1" noChangeArrowheads="1" noChangeShapeType="1" noTextEdit="1"/>
+                </p:cNvSpPr>
+                <p:nvPr/>
+              </p:nvSpPr>
+              <p:spPr>
+                <a:xfrm>
+                  <a:off x="7535291" y="2101396"/>
+                  <a:ext cx="416288" cy="277078"/>
+                </a:xfrm>
+                <a:prstGeom prst="rect">
+                  <a:avLst/>
+                </a:prstGeom>
+                <a:blipFill>
+                  <a:blip r:embed="rId8"/>
+                  <a:stretch>
+                    <a:fillRect l="-7273" r="-5455" b="-13514"/>
+                  </a:stretch>
+                </a:blipFill>
+              </p:spPr>
+              <p:txBody>
+                <a:bodyPr/>
+                <a:lstStyle/>
+                <a:p>
+                  <a:r>
+                    <a:rPr lang="ko-KR" altLang="en-US">
+                      <a:noFill/>
+                    </a:rPr>
+                    <a:t> </a:t>
+                  </a:r>
+                </a:p>
+              </p:txBody>
+            </p:sp>
+          </mc:Fallback>
+        </mc:AlternateContent>
+      </p:grpSp>
+    </p:spTree>
+    <p:extLst>
+      <p:ext uri="{BB962C8B-B14F-4D97-AF65-F5344CB8AC3E}">
+        <p14:creationId xmlns:p14="http://schemas.microsoft.com/office/powerpoint/2010/main" val="835249281"/>
+      </p:ext>
+    </p:extLst>
+  </p:cSld>
+  <p:clrMapOvr>
+    <a:masterClrMapping/>
+  </p:clrMapOvr>
+</p:sld>
+</file>
+
+<file path=ppt/slides/slide4.xml><?xml version="1.0" encoding="utf-8"?>
+<p:sld xmlns:a="http://schemas.openxmlformats.org/drawingml/2006/main" xmlns:r="http://schemas.openxmlformats.org/officeDocument/2006/relationships" xmlns:p="http://schemas.openxmlformats.org/presentationml/2006/main">
+  <p:cSld>
+    <p:spTree>
+      <p:nvGrpSpPr>
+        <p:cNvPr id="1" name=""/>
+        <p:cNvGrpSpPr/>
+        <p:nvPr/>
+      </p:nvGrpSpPr>
+      <p:grpSpPr>
+        <a:xfrm>
+          <a:off x="0" y="0"/>
+          <a:ext cx="0" cy="0"/>
+          <a:chOff x="0" y="0"/>
+          <a:chExt cx="0" cy="0"/>
+        </a:xfrm>
+      </p:grpSpPr>
+      <p:sp>
+        <p:nvSpPr>
+          <p:cNvPr id="45" name="직사각형 44">
+            <a:extLst>
+              <a:ext uri="{FF2B5EF4-FFF2-40B4-BE49-F238E27FC236}">
+                <a16:creationId xmlns:a16="http://schemas.microsoft.com/office/drawing/2014/main" id="{6A30A24D-B0A6-899F-349C-AD89A8976714}"/>
+              </a:ext>
+            </a:extLst>
+          </p:cNvPr>
+          <p:cNvSpPr/>
+          <p:nvPr/>
+        </p:nvSpPr>
+        <p:spPr>
+          <a:xfrm>
+            <a:off x="905767" y="1271558"/>
+            <a:ext cx="244913" cy="192582"/>
+          </a:xfrm>
+          <a:prstGeom prst="rect">
+            <a:avLst/>
+          </a:prstGeom>
+          <a:solidFill>
+            <a:srgbClr val="FF9A9A"/>
+          </a:solidFill>
+          <a:ln>
+            <a:noFill/>
+          </a:ln>
+        </p:spPr>
+        <p:style>
+          <a:lnRef idx="2">
+            <a:schemeClr val="accent1">
+              <a:shade val="15000"/>
+            </a:schemeClr>
+          </a:lnRef>
+          <a:fillRef idx="1">
+            <a:schemeClr val="accent1"/>
+          </a:fillRef>
+          <a:effectRef idx="0">
+            <a:schemeClr val="accent1"/>
+          </a:effectRef>
+          <a:fontRef idx="minor">
+            <a:schemeClr val="lt1"/>
+          </a:fontRef>
+        </p:style>
+        <p:txBody>
+          <a:bodyPr rtlCol="0" anchor="ctr"/>
+          <a:lstStyle/>
+          <a:p>
+            <a:pPr algn="ctr"/>
+            <a:endParaRPr lang="ko-KR" altLang="en-US" sz="1463"/>
+          </a:p>
+        </p:txBody>
+      </p:sp>
+      <p:graphicFrame>
+        <p:nvGraphicFramePr>
+          <p:cNvPr id="4" name="표 3">
+            <a:extLst>
+              <a:ext uri="{FF2B5EF4-FFF2-40B4-BE49-F238E27FC236}">
+                <a16:creationId xmlns:a16="http://schemas.microsoft.com/office/drawing/2014/main" id="{2B7E6121-A92A-154D-25BF-F1180EF85EF1}"/>
+              </a:ext>
+            </a:extLst>
+          </p:cNvPr>
+          <p:cNvGraphicFramePr>
+            <a:graphicFrameLocks noGrp="1"/>
+          </p:cNvGraphicFramePr>
+          <p:nvPr/>
+        </p:nvGraphicFramePr>
+        <p:xfrm>
+          <a:off x="882951" y="1254076"/>
+          <a:ext cx="2189248" cy="2169904"/>
+        </p:xfrm>
+        <a:graphic>
+          <a:graphicData uri="http://schemas.openxmlformats.org/drawingml/2006/table">
+            <a:tbl>
+              <a:tblPr firstRow="1" bandRow="1">
+                <a:tableStyleId>{5940675A-B579-460E-94D1-54222C63F5DA}</a:tableStyleId>
+              </a:tblPr>
+              <a:tblGrid>
+                <a:gridCol w="729749">
+                  <a:extLst>
+                    <a:ext uri="{9D8B030D-6E8A-4147-A177-3AD203B41FA5}">
+                      <a16:colId xmlns:a16="http://schemas.microsoft.com/office/drawing/2014/main" val="3268446233"/>
+                    </a:ext>
+                  </a:extLst>
+                </a:gridCol>
+                <a:gridCol w="729749">
+                  <a:extLst>
+                    <a:ext uri="{9D8B030D-6E8A-4147-A177-3AD203B41FA5}">
+                      <a16:colId xmlns:a16="http://schemas.microsoft.com/office/drawing/2014/main" val="3530394279"/>
+                    </a:ext>
+                  </a:extLst>
+                </a:gridCol>
+                <a:gridCol w="729749">
+                  <a:extLst>
+                    <a:ext uri="{9D8B030D-6E8A-4147-A177-3AD203B41FA5}">
+                      <a16:colId xmlns:a16="http://schemas.microsoft.com/office/drawing/2014/main" val="3706080600"/>
+                    </a:ext>
+                  </a:extLst>
+                </a:gridCol>
+              </a:tblGrid>
+              <a:tr h="723301">
+                <a:tc>
+                  <a:txBody>
+                    <a:bodyPr/>
+                    <a:lstStyle/>
+                    <a:p>
+                      <a:pPr latinLnBrk="1"/>
+                      <a:endParaRPr lang="ko-KR" altLang="en-US" sz="800"/>
+                    </a:p>
+                  </a:txBody>
+                  <a:tcPr marL="92019" marR="92019" marT="46009" marB="46009"/>
+                </a:tc>
+                <a:tc>
+                  <a:txBody>
+                    <a:bodyPr/>
+                    <a:lstStyle/>
+                    <a:p>
+                      <a:pPr latinLnBrk="1"/>
+                      <a:endParaRPr lang="ko-KR" altLang="en-US" sz="800"/>
+                    </a:p>
+                  </a:txBody>
+                  <a:tcPr marL="92019" marR="92019" marT="46009" marB="46009"/>
+                </a:tc>
+                <a:tc>
+                  <a:txBody>
+                    <a:bodyPr/>
+                    <a:lstStyle/>
+                    <a:p>
+                      <a:pPr latinLnBrk="1"/>
+                      <a:endParaRPr lang="ko-KR" altLang="en-US" sz="800"/>
+                    </a:p>
+                  </a:txBody>
+                  <a:tcPr marL="92019" marR="92019" marT="46009" marB="46009"/>
+                </a:tc>
+                <a:extLst>
+                  <a:ext uri="{0D108BD9-81ED-4DB2-BD59-A6C34878D82A}">
+                    <a16:rowId xmlns:a16="http://schemas.microsoft.com/office/drawing/2014/main" val="1796988906"/>
+                  </a:ext>
+                </a:extLst>
+              </a:tr>
+              <a:tr h="723301">
+                <a:tc>
+                  <a:txBody>
+                    <a:bodyPr/>
+                    <a:lstStyle/>
+                    <a:p>
+                      <a:pPr latinLnBrk="1"/>
+                      <a:endParaRPr lang="ko-KR" altLang="en-US" sz="800"/>
+                    </a:p>
+                  </a:txBody>
+                  <a:tcPr marL="92019" marR="92019" marT="46009" marB="46009"/>
+                </a:tc>
+                <a:tc>
+                  <a:txBody>
+                    <a:bodyPr/>
+                    <a:lstStyle/>
+                    <a:p>
+                      <a:pPr latinLnBrk="1"/>
+                      <a:endParaRPr lang="ko-KR" altLang="en-US" sz="800"/>
+                    </a:p>
+                  </a:txBody>
+                  <a:tcPr marL="92019" marR="92019" marT="46009" marB="46009"/>
+                </a:tc>
+                <a:tc>
+                  <a:txBody>
+                    <a:bodyPr/>
+                    <a:lstStyle/>
+                    <a:p>
+                      <a:pPr latinLnBrk="1"/>
+                      <a:endParaRPr lang="ko-KR" altLang="en-US" sz="800"/>
+                    </a:p>
+                  </a:txBody>
+                  <a:tcPr marL="92019" marR="92019" marT="46009" marB="46009"/>
+                </a:tc>
+                <a:extLst>
+                  <a:ext uri="{0D108BD9-81ED-4DB2-BD59-A6C34878D82A}">
+                    <a16:rowId xmlns:a16="http://schemas.microsoft.com/office/drawing/2014/main" val="1937312062"/>
+                  </a:ext>
+                </a:extLst>
+              </a:tr>
+              <a:tr h="723301">
+                <a:tc>
+                  <a:txBody>
+                    <a:bodyPr/>
+                    <a:lstStyle/>
+                    <a:p>
+                      <a:pPr latinLnBrk="1"/>
+                      <a:endParaRPr lang="ko-KR" altLang="en-US" sz="800"/>
+                    </a:p>
+                  </a:txBody>
+                  <a:tcPr marL="92019" marR="92019" marT="46009" marB="46009"/>
+                </a:tc>
+                <a:tc>
+                  <a:txBody>
+                    <a:bodyPr/>
+                    <a:lstStyle/>
+                    <a:p>
+                      <a:pPr latinLnBrk="1"/>
+                      <a:endParaRPr lang="ko-KR" altLang="en-US" sz="800"/>
+                    </a:p>
+                  </a:txBody>
+                  <a:tcPr marL="92019" marR="92019" marT="46009" marB="46009"/>
+                </a:tc>
+                <a:tc>
+                  <a:txBody>
+                    <a:bodyPr/>
+                    <a:lstStyle/>
+                    <a:p>
+                      <a:pPr latinLnBrk="1"/>
+                      <a:endParaRPr lang="ko-KR" altLang="en-US" sz="800"/>
+                    </a:p>
+                  </a:txBody>
+                  <a:tcPr marL="92019" marR="92019" marT="46009" marB="46009"/>
+                </a:tc>
+                <a:extLst>
+                  <a:ext uri="{0D108BD9-81ED-4DB2-BD59-A6C34878D82A}">
+                    <a16:rowId xmlns:a16="http://schemas.microsoft.com/office/drawing/2014/main" val="1562181334"/>
+                  </a:ext>
+                </a:extLst>
+              </a:tr>
+            </a:tbl>
+          </a:graphicData>
+        </a:graphic>
+      </p:graphicFrame>
+      <p:sp>
+        <p:nvSpPr>
+          <p:cNvPr id="5" name="TextBox 4">
+            <a:extLst>
+              <a:ext uri="{FF2B5EF4-FFF2-40B4-BE49-F238E27FC236}">
+                <a16:creationId xmlns:a16="http://schemas.microsoft.com/office/drawing/2014/main" id="{2FDB336D-4D57-F11A-EE38-FFF140343290}"/>
+              </a:ext>
+            </a:extLst>
+          </p:cNvPr>
+          <p:cNvSpPr txBox="1"/>
+          <p:nvPr/>
+        </p:nvSpPr>
+        <p:spPr>
+          <a:xfrm>
+            <a:off x="815846" y="1239017"/>
+            <a:ext cx="269626" cy="267446"/>
+          </a:xfrm>
+          <a:prstGeom prst="rect">
+            <a:avLst/>
+          </a:prstGeom>
+          <a:noFill/>
+        </p:spPr>
+        <p:txBody>
+          <a:bodyPr wrap="none" rtlCol="0">
+            <a:spAutoFit/>
+          </a:bodyPr>
+          <a:lstStyle/>
+          <a:p>
+            <a:pPr algn="ctr"/>
+            <a:r>
+              <a:rPr lang="en-US" altLang="ko-KR" sz="1138">
+                <a:latin typeface="나눔바른고딕" panose="020B0603020101020101" pitchFamily="50" charset="-127"/>
+                <a:ea typeface="나눔바른고딕" panose="020B0603020101020101" pitchFamily="50" charset="-127"/>
+              </a:rPr>
+              <a:t>0</a:t>
+            </a:r>
+            <a:endParaRPr lang="ko-KR" altLang="en-US" sz="1138">
+              <a:latin typeface="나눔바른고딕" panose="020B0603020101020101" pitchFamily="50" charset="-127"/>
+              <a:ea typeface="나눔바른고딕" panose="020B0603020101020101" pitchFamily="50" charset="-127"/>
+            </a:endParaRPr>
+          </a:p>
+        </p:txBody>
+      </p:sp>
+      <p:sp>
+        <p:nvSpPr>
+          <p:cNvPr id="6" name="TextBox 5">
+            <a:extLst>
+              <a:ext uri="{FF2B5EF4-FFF2-40B4-BE49-F238E27FC236}">
+                <a16:creationId xmlns:a16="http://schemas.microsoft.com/office/drawing/2014/main" id="{E91D9D31-5987-B3AC-D1AA-CF3F63C6A3C7}"/>
+              </a:ext>
+            </a:extLst>
+          </p:cNvPr>
+          <p:cNvSpPr txBox="1"/>
+          <p:nvPr/>
+        </p:nvSpPr>
+        <p:spPr>
+          <a:xfrm>
+            <a:off x="1573856" y="1239017"/>
+            <a:ext cx="269626" cy="267446"/>
+          </a:xfrm>
+          <a:prstGeom prst="rect">
+            <a:avLst/>
+          </a:prstGeom>
+          <a:noFill/>
+        </p:spPr>
+        <p:txBody>
+          <a:bodyPr wrap="none" rtlCol="0">
+            <a:spAutoFit/>
+          </a:bodyPr>
+          <a:lstStyle/>
+          <a:p>
+            <a:pPr algn="ctr"/>
+            <a:r>
+              <a:rPr lang="en-US" altLang="ko-KR" sz="1138">
+                <a:latin typeface="나눔바른고딕" panose="020B0603020101020101" pitchFamily="50" charset="-127"/>
+                <a:ea typeface="나눔바른고딕" panose="020B0603020101020101" pitchFamily="50" charset="-127"/>
+              </a:rPr>
+              <a:t>1</a:t>
+            </a:r>
+            <a:endParaRPr lang="ko-KR" altLang="en-US" sz="1138">
+              <a:latin typeface="나눔바른고딕" panose="020B0603020101020101" pitchFamily="50" charset="-127"/>
+              <a:ea typeface="나눔바른고딕" panose="020B0603020101020101" pitchFamily="50" charset="-127"/>
+            </a:endParaRPr>
+          </a:p>
+        </p:txBody>
+      </p:sp>
+      <p:sp>
+        <p:nvSpPr>
+          <p:cNvPr id="7" name="TextBox 6">
+            <a:extLst>
+              <a:ext uri="{FF2B5EF4-FFF2-40B4-BE49-F238E27FC236}">
+                <a16:creationId xmlns:a16="http://schemas.microsoft.com/office/drawing/2014/main" id="{6DC1C5EA-4C6B-95C2-541B-D1533B879D10}"/>
+              </a:ext>
+            </a:extLst>
+          </p:cNvPr>
+          <p:cNvSpPr txBox="1"/>
+          <p:nvPr/>
+        </p:nvSpPr>
+        <p:spPr>
+          <a:xfrm>
+            <a:off x="2314296" y="1239017"/>
+            <a:ext cx="269626" cy="267446"/>
+          </a:xfrm>
+          <a:prstGeom prst="rect">
+            <a:avLst/>
+          </a:prstGeom>
+          <a:noFill/>
+        </p:spPr>
+        <p:txBody>
+          <a:bodyPr wrap="none" rtlCol="0">
+            <a:spAutoFit/>
+          </a:bodyPr>
+          <a:lstStyle/>
+          <a:p>
+            <a:pPr algn="ctr"/>
+            <a:r>
+              <a:rPr lang="en-US" altLang="ko-KR" sz="1138">
+                <a:latin typeface="나눔바른고딕" panose="020B0603020101020101" pitchFamily="50" charset="-127"/>
+                <a:ea typeface="나눔바른고딕" panose="020B0603020101020101" pitchFamily="50" charset="-127"/>
+              </a:rPr>
+              <a:t>2</a:t>
+            </a:r>
+            <a:endParaRPr lang="ko-KR" altLang="en-US" sz="1138">
+              <a:latin typeface="나눔바른고딕" panose="020B0603020101020101" pitchFamily="50" charset="-127"/>
+              <a:ea typeface="나눔바른고딕" panose="020B0603020101020101" pitchFamily="50" charset="-127"/>
+            </a:endParaRPr>
+          </a:p>
+        </p:txBody>
+      </p:sp>
+      <p:sp>
+        <p:nvSpPr>
+          <p:cNvPr id="8" name="TextBox 7">
+            <a:extLst>
+              <a:ext uri="{FF2B5EF4-FFF2-40B4-BE49-F238E27FC236}">
+                <a16:creationId xmlns:a16="http://schemas.microsoft.com/office/drawing/2014/main" id="{85F83A3C-CB7A-5E34-37BD-1E8257AD83ED}"/>
+              </a:ext>
+            </a:extLst>
+          </p:cNvPr>
+          <p:cNvSpPr txBox="1"/>
+          <p:nvPr/>
+        </p:nvSpPr>
+        <p:spPr>
+          <a:xfrm>
+            <a:off x="3045967" y="1239017"/>
+            <a:ext cx="269626" cy="267446"/>
+          </a:xfrm>
+          <a:prstGeom prst="rect">
+            <a:avLst/>
+          </a:prstGeom>
+          <a:noFill/>
+        </p:spPr>
+        <p:txBody>
+          <a:bodyPr wrap="none" rtlCol="0">
+            <a:spAutoFit/>
+          </a:bodyPr>
+          <a:lstStyle/>
+          <a:p>
+            <a:pPr algn="ctr"/>
+            <a:r>
+              <a:rPr lang="en-US" altLang="ko-KR" sz="1138">
+                <a:latin typeface="나눔바른고딕" panose="020B0603020101020101" pitchFamily="50" charset="-127"/>
+                <a:ea typeface="나눔바른고딕" panose="020B0603020101020101" pitchFamily="50" charset="-127"/>
+              </a:rPr>
+              <a:t>3</a:t>
+            </a:r>
+            <a:endParaRPr lang="ko-KR" altLang="en-US" sz="1138">
+              <a:latin typeface="나눔바른고딕" panose="020B0603020101020101" pitchFamily="50" charset="-127"/>
+              <a:ea typeface="나눔바른고딕" panose="020B0603020101020101" pitchFamily="50" charset="-127"/>
+            </a:endParaRPr>
+          </a:p>
+        </p:txBody>
+      </p:sp>
+      <p:sp>
+        <p:nvSpPr>
+          <p:cNvPr id="9" name="TextBox 8">
+            <a:extLst>
+              <a:ext uri="{FF2B5EF4-FFF2-40B4-BE49-F238E27FC236}">
+                <a16:creationId xmlns:a16="http://schemas.microsoft.com/office/drawing/2014/main" id="{AAE266A6-9593-11AC-2FE7-777D55146A51}"/>
+              </a:ext>
+            </a:extLst>
+          </p:cNvPr>
+          <p:cNvSpPr txBox="1"/>
+          <p:nvPr/>
+        </p:nvSpPr>
+        <p:spPr>
+          <a:xfrm>
+            <a:off x="815846" y="1971927"/>
+            <a:ext cx="269626" cy="267446"/>
+          </a:xfrm>
+          <a:prstGeom prst="rect">
+            <a:avLst/>
+          </a:prstGeom>
+          <a:noFill/>
+        </p:spPr>
+        <p:txBody>
+          <a:bodyPr wrap="none" rtlCol="0">
+            <a:spAutoFit/>
+          </a:bodyPr>
+          <a:lstStyle/>
+          <a:p>
+            <a:pPr algn="ctr"/>
+            <a:r>
+              <a:rPr lang="en-US" altLang="ko-KR" sz="1138">
+                <a:latin typeface="나눔바른고딕" panose="020B0603020101020101" pitchFamily="50" charset="-127"/>
+                <a:ea typeface="나눔바른고딕" panose="020B0603020101020101" pitchFamily="50" charset="-127"/>
+              </a:rPr>
+              <a:t>4</a:t>
+            </a:r>
+            <a:endParaRPr lang="ko-KR" altLang="en-US" sz="1138">
+              <a:latin typeface="나눔바른고딕" panose="020B0603020101020101" pitchFamily="50" charset="-127"/>
+              <a:ea typeface="나눔바른고딕" panose="020B0603020101020101" pitchFamily="50" charset="-127"/>
+            </a:endParaRPr>
+          </a:p>
+        </p:txBody>
+      </p:sp>
+      <p:sp>
+        <p:nvSpPr>
+          <p:cNvPr id="10" name="TextBox 9">
+            <a:extLst>
+              <a:ext uri="{FF2B5EF4-FFF2-40B4-BE49-F238E27FC236}">
+                <a16:creationId xmlns:a16="http://schemas.microsoft.com/office/drawing/2014/main" id="{EC857A58-0A3E-08FC-437B-4AA8627C2952}"/>
+              </a:ext>
+            </a:extLst>
+          </p:cNvPr>
+          <p:cNvSpPr txBox="1"/>
+          <p:nvPr/>
+        </p:nvSpPr>
+        <p:spPr>
+          <a:xfrm>
+            <a:off x="1573856" y="1971927"/>
+            <a:ext cx="269626" cy="267446"/>
+          </a:xfrm>
+          <a:prstGeom prst="rect">
+            <a:avLst/>
+          </a:prstGeom>
+          <a:noFill/>
+        </p:spPr>
+        <p:txBody>
+          <a:bodyPr wrap="none" rtlCol="0">
+            <a:spAutoFit/>
+          </a:bodyPr>
+          <a:lstStyle/>
+          <a:p>
+            <a:pPr algn="ctr"/>
+            <a:r>
+              <a:rPr lang="en-US" altLang="ko-KR" sz="1138">
+                <a:latin typeface="나눔바른고딕" panose="020B0603020101020101" pitchFamily="50" charset="-127"/>
+                <a:ea typeface="나눔바른고딕" panose="020B0603020101020101" pitchFamily="50" charset="-127"/>
+              </a:rPr>
+              <a:t>5</a:t>
+            </a:r>
+            <a:endParaRPr lang="ko-KR" altLang="en-US" sz="1138">
+              <a:latin typeface="나눔바른고딕" panose="020B0603020101020101" pitchFamily="50" charset="-127"/>
+              <a:ea typeface="나눔바른고딕" panose="020B0603020101020101" pitchFamily="50" charset="-127"/>
+            </a:endParaRPr>
+          </a:p>
+        </p:txBody>
+      </p:sp>
+      <p:sp>
+        <p:nvSpPr>
+          <p:cNvPr id="11" name="TextBox 10">
+            <a:extLst>
+              <a:ext uri="{FF2B5EF4-FFF2-40B4-BE49-F238E27FC236}">
+                <a16:creationId xmlns:a16="http://schemas.microsoft.com/office/drawing/2014/main" id="{862A908F-4769-F11B-DD09-74D7CDB75EFC}"/>
+              </a:ext>
+            </a:extLst>
+          </p:cNvPr>
+          <p:cNvSpPr txBox="1"/>
+          <p:nvPr/>
+        </p:nvSpPr>
+        <p:spPr>
+          <a:xfrm>
+            <a:off x="2314296" y="1971927"/>
+            <a:ext cx="269626" cy="267446"/>
+          </a:xfrm>
+          <a:prstGeom prst="rect">
+            <a:avLst/>
+          </a:prstGeom>
+          <a:noFill/>
+        </p:spPr>
+        <p:txBody>
+          <a:bodyPr wrap="none" rtlCol="0">
+            <a:spAutoFit/>
+          </a:bodyPr>
+          <a:lstStyle/>
+          <a:p>
+            <a:pPr algn="ctr"/>
+            <a:r>
+              <a:rPr lang="en-US" altLang="ko-KR" sz="1138">
+                <a:latin typeface="나눔바른고딕" panose="020B0603020101020101" pitchFamily="50" charset="-127"/>
+                <a:ea typeface="나눔바른고딕" panose="020B0603020101020101" pitchFamily="50" charset="-127"/>
+              </a:rPr>
+              <a:t>6</a:t>
+            </a:r>
+            <a:endParaRPr lang="ko-KR" altLang="en-US" sz="1138">
+              <a:latin typeface="나눔바른고딕" panose="020B0603020101020101" pitchFamily="50" charset="-127"/>
+              <a:ea typeface="나눔바른고딕" panose="020B0603020101020101" pitchFamily="50" charset="-127"/>
+            </a:endParaRPr>
+          </a:p>
+        </p:txBody>
+      </p:sp>
+      <p:sp>
+        <p:nvSpPr>
+          <p:cNvPr id="12" name="TextBox 11">
+            <a:extLst>
+              <a:ext uri="{FF2B5EF4-FFF2-40B4-BE49-F238E27FC236}">
+                <a16:creationId xmlns:a16="http://schemas.microsoft.com/office/drawing/2014/main" id="{F41690D4-85B9-437F-E2D8-F015A2A8EA1D}"/>
+              </a:ext>
+            </a:extLst>
+          </p:cNvPr>
+          <p:cNvSpPr txBox="1"/>
+          <p:nvPr/>
+        </p:nvSpPr>
+        <p:spPr>
+          <a:xfrm>
+            <a:off x="3045967" y="1971927"/>
+            <a:ext cx="269626" cy="267446"/>
+          </a:xfrm>
+          <a:prstGeom prst="rect">
+            <a:avLst/>
+          </a:prstGeom>
+          <a:noFill/>
+        </p:spPr>
+        <p:txBody>
+          <a:bodyPr wrap="none" rtlCol="0">
+            <a:spAutoFit/>
+          </a:bodyPr>
+          <a:lstStyle/>
+          <a:p>
+            <a:pPr algn="ctr"/>
+            <a:r>
+              <a:rPr lang="en-US" altLang="ko-KR" sz="1138">
+                <a:latin typeface="나눔바른고딕" panose="020B0603020101020101" pitchFamily="50" charset="-127"/>
+                <a:ea typeface="나눔바른고딕" panose="020B0603020101020101" pitchFamily="50" charset="-127"/>
+              </a:rPr>
+              <a:t>7</a:t>
+            </a:r>
+            <a:endParaRPr lang="ko-KR" altLang="en-US" sz="1138">
+              <a:latin typeface="나눔바른고딕" panose="020B0603020101020101" pitchFamily="50" charset="-127"/>
+              <a:ea typeface="나눔바른고딕" panose="020B0603020101020101" pitchFamily="50" charset="-127"/>
+            </a:endParaRPr>
+          </a:p>
+        </p:txBody>
+      </p:sp>
+      <p:sp>
+        <p:nvSpPr>
+          <p:cNvPr id="13" name="TextBox 12">
+            <a:extLst>
+              <a:ext uri="{FF2B5EF4-FFF2-40B4-BE49-F238E27FC236}">
+                <a16:creationId xmlns:a16="http://schemas.microsoft.com/office/drawing/2014/main" id="{FCBC825D-A664-AA16-6776-80CDDC4B59A6}"/>
+              </a:ext>
+            </a:extLst>
+          </p:cNvPr>
+          <p:cNvSpPr txBox="1"/>
+          <p:nvPr/>
+        </p:nvSpPr>
+        <p:spPr>
+          <a:xfrm>
+            <a:off x="815846" y="2704837"/>
+            <a:ext cx="269626" cy="267446"/>
+          </a:xfrm>
+          <a:prstGeom prst="rect">
+            <a:avLst/>
+          </a:prstGeom>
+          <a:noFill/>
+        </p:spPr>
+        <p:txBody>
+          <a:bodyPr wrap="none" rtlCol="0">
+            <a:spAutoFit/>
+          </a:bodyPr>
+          <a:lstStyle/>
+          <a:p>
+            <a:pPr algn="ctr"/>
+            <a:r>
+              <a:rPr lang="en-US" altLang="ko-KR" sz="1138">
+                <a:latin typeface="나눔바른고딕" panose="020B0603020101020101" pitchFamily="50" charset="-127"/>
+                <a:ea typeface="나눔바른고딕" panose="020B0603020101020101" pitchFamily="50" charset="-127"/>
+              </a:rPr>
+              <a:t>8</a:t>
+            </a:r>
+            <a:endParaRPr lang="ko-KR" altLang="en-US" sz="1138">
+              <a:latin typeface="나눔바른고딕" panose="020B0603020101020101" pitchFamily="50" charset="-127"/>
+              <a:ea typeface="나눔바른고딕" panose="020B0603020101020101" pitchFamily="50" charset="-127"/>
+            </a:endParaRPr>
+          </a:p>
+        </p:txBody>
+      </p:sp>
+      <p:sp>
+        <p:nvSpPr>
+          <p:cNvPr id="14" name="TextBox 13">
+            <a:extLst>
+              <a:ext uri="{FF2B5EF4-FFF2-40B4-BE49-F238E27FC236}">
+                <a16:creationId xmlns:a16="http://schemas.microsoft.com/office/drawing/2014/main" id="{846209E6-43E6-5C29-261F-4EDE45AD605C}"/>
+              </a:ext>
+            </a:extLst>
+          </p:cNvPr>
+          <p:cNvSpPr txBox="1"/>
+          <p:nvPr/>
+        </p:nvSpPr>
+        <p:spPr>
+          <a:xfrm>
+            <a:off x="1573856" y="2704837"/>
+            <a:ext cx="269626" cy="267446"/>
+          </a:xfrm>
+          <a:prstGeom prst="rect">
+            <a:avLst/>
+          </a:prstGeom>
+          <a:noFill/>
+        </p:spPr>
+        <p:txBody>
+          <a:bodyPr wrap="none" rtlCol="0">
+            <a:spAutoFit/>
+          </a:bodyPr>
+          <a:lstStyle/>
+          <a:p>
+            <a:pPr algn="ctr"/>
+            <a:r>
+              <a:rPr lang="en-US" altLang="ko-KR" sz="1138">
+                <a:latin typeface="나눔바른고딕" panose="020B0603020101020101" pitchFamily="50" charset="-127"/>
+                <a:ea typeface="나눔바른고딕" panose="020B0603020101020101" pitchFamily="50" charset="-127"/>
+              </a:rPr>
+              <a:t>9</a:t>
+            </a:r>
+            <a:endParaRPr lang="ko-KR" altLang="en-US" sz="1138">
+              <a:latin typeface="나눔바른고딕" panose="020B0603020101020101" pitchFamily="50" charset="-127"/>
+              <a:ea typeface="나눔바른고딕" panose="020B0603020101020101" pitchFamily="50" charset="-127"/>
+            </a:endParaRPr>
+          </a:p>
+        </p:txBody>
+      </p:sp>
+      <p:sp>
+        <p:nvSpPr>
+          <p:cNvPr id="15" name="TextBox 14">
+            <a:extLst>
+              <a:ext uri="{FF2B5EF4-FFF2-40B4-BE49-F238E27FC236}">
+                <a16:creationId xmlns:a16="http://schemas.microsoft.com/office/drawing/2014/main" id="{90839874-B98D-F1B8-698B-ED7D9AF99792}"/>
+              </a:ext>
+            </a:extLst>
+          </p:cNvPr>
+          <p:cNvSpPr txBox="1"/>
+          <p:nvPr/>
+        </p:nvSpPr>
+        <p:spPr>
+          <a:xfrm>
+            <a:off x="2271816" y="2704837"/>
+            <a:ext cx="354584" cy="267446"/>
+          </a:xfrm>
+          <a:prstGeom prst="rect">
+            <a:avLst/>
+          </a:prstGeom>
+          <a:noFill/>
+        </p:spPr>
+        <p:txBody>
+          <a:bodyPr wrap="none" rtlCol="0">
+            <a:spAutoFit/>
+          </a:bodyPr>
+          <a:lstStyle/>
+          <a:p>
+            <a:pPr algn="ctr"/>
+            <a:r>
+              <a:rPr lang="en-US" altLang="ko-KR" sz="1138">
+                <a:latin typeface="나눔바른고딕" panose="020B0603020101020101" pitchFamily="50" charset="-127"/>
+                <a:ea typeface="나눔바른고딕" panose="020B0603020101020101" pitchFamily="50" charset="-127"/>
+              </a:rPr>
+              <a:t>10</a:t>
+            </a:r>
+            <a:endParaRPr lang="ko-KR" altLang="en-US" sz="1138">
+              <a:latin typeface="나눔바른고딕" panose="020B0603020101020101" pitchFamily="50" charset="-127"/>
+              <a:ea typeface="나눔바른고딕" panose="020B0603020101020101" pitchFamily="50" charset="-127"/>
+            </a:endParaRPr>
+          </a:p>
+        </p:txBody>
+      </p:sp>
+      <p:sp>
+        <p:nvSpPr>
+          <p:cNvPr id="16" name="TextBox 15">
+            <a:extLst>
+              <a:ext uri="{FF2B5EF4-FFF2-40B4-BE49-F238E27FC236}">
+                <a16:creationId xmlns:a16="http://schemas.microsoft.com/office/drawing/2014/main" id="{A5993501-062F-9148-211A-3E369F4056DC}"/>
+              </a:ext>
+            </a:extLst>
+          </p:cNvPr>
+          <p:cNvSpPr txBox="1"/>
+          <p:nvPr/>
+        </p:nvSpPr>
+        <p:spPr>
+          <a:xfrm>
+            <a:off x="3003488" y="2704837"/>
+            <a:ext cx="354584" cy="267446"/>
+          </a:xfrm>
+          <a:prstGeom prst="rect">
+            <a:avLst/>
+          </a:prstGeom>
+          <a:noFill/>
+        </p:spPr>
+        <p:txBody>
+          <a:bodyPr wrap="none" rtlCol="0">
+            <a:spAutoFit/>
+          </a:bodyPr>
+          <a:lstStyle/>
+          <a:p>
+            <a:pPr algn="ctr"/>
+            <a:r>
+              <a:rPr lang="en-US" altLang="ko-KR" sz="1138">
+                <a:latin typeface="나눔바른고딕" panose="020B0603020101020101" pitchFamily="50" charset="-127"/>
+                <a:ea typeface="나눔바른고딕" panose="020B0603020101020101" pitchFamily="50" charset="-127"/>
+              </a:rPr>
+              <a:t>11</a:t>
+            </a:r>
+            <a:endParaRPr lang="ko-KR" altLang="en-US" sz="1138">
+              <a:latin typeface="나눔바른고딕" panose="020B0603020101020101" pitchFamily="50" charset="-127"/>
+              <a:ea typeface="나눔바른고딕" panose="020B0603020101020101" pitchFamily="50" charset="-127"/>
+            </a:endParaRPr>
+          </a:p>
+        </p:txBody>
+      </p:sp>
+      <p:sp>
+        <p:nvSpPr>
+          <p:cNvPr id="17" name="TextBox 16">
+            <a:extLst>
+              <a:ext uri="{FF2B5EF4-FFF2-40B4-BE49-F238E27FC236}">
+                <a16:creationId xmlns:a16="http://schemas.microsoft.com/office/drawing/2014/main" id="{F9872685-7EE3-26DF-F0C9-2CB3F08E9A76}"/>
+              </a:ext>
+            </a:extLst>
+          </p:cNvPr>
+          <p:cNvSpPr txBox="1"/>
+          <p:nvPr/>
+        </p:nvSpPr>
+        <p:spPr>
+          <a:xfrm>
+            <a:off x="773366" y="3422688"/>
+            <a:ext cx="354584" cy="267446"/>
+          </a:xfrm>
+          <a:prstGeom prst="rect">
+            <a:avLst/>
+          </a:prstGeom>
+          <a:noFill/>
+        </p:spPr>
+        <p:txBody>
+          <a:bodyPr wrap="none" rtlCol="0">
+            <a:spAutoFit/>
+          </a:bodyPr>
+          <a:lstStyle/>
+          <a:p>
+            <a:pPr algn="ctr"/>
+            <a:r>
+              <a:rPr lang="en-US" altLang="ko-KR" sz="1138">
+                <a:latin typeface="나눔바른고딕" panose="020B0603020101020101" pitchFamily="50" charset="-127"/>
+                <a:ea typeface="나눔바른고딕" panose="020B0603020101020101" pitchFamily="50" charset="-127"/>
+              </a:rPr>
+              <a:t>12</a:t>
+            </a:r>
+            <a:endParaRPr lang="ko-KR" altLang="en-US" sz="1138">
+              <a:latin typeface="나눔바른고딕" panose="020B0603020101020101" pitchFamily="50" charset="-127"/>
+              <a:ea typeface="나눔바른고딕" panose="020B0603020101020101" pitchFamily="50" charset="-127"/>
+            </a:endParaRPr>
+          </a:p>
+        </p:txBody>
+      </p:sp>
+      <p:sp>
+        <p:nvSpPr>
+          <p:cNvPr id="18" name="TextBox 17">
+            <a:extLst>
+              <a:ext uri="{FF2B5EF4-FFF2-40B4-BE49-F238E27FC236}">
+                <a16:creationId xmlns:a16="http://schemas.microsoft.com/office/drawing/2014/main" id="{56B6D8FA-5983-5269-6AA6-03DE0595A21F}"/>
+              </a:ext>
+            </a:extLst>
+          </p:cNvPr>
+          <p:cNvSpPr txBox="1"/>
+          <p:nvPr/>
+        </p:nvSpPr>
+        <p:spPr>
+          <a:xfrm>
+            <a:off x="1531377" y="3422688"/>
+            <a:ext cx="354584" cy="267446"/>
+          </a:xfrm>
+          <a:prstGeom prst="rect">
+            <a:avLst/>
+          </a:prstGeom>
+          <a:noFill/>
+        </p:spPr>
+        <p:txBody>
+          <a:bodyPr wrap="none" rtlCol="0">
+            <a:spAutoFit/>
+          </a:bodyPr>
+          <a:lstStyle/>
+          <a:p>
+            <a:pPr algn="ctr"/>
+            <a:r>
+              <a:rPr lang="en-US" altLang="ko-KR" sz="1138">
+                <a:latin typeface="나눔바른고딕" panose="020B0603020101020101" pitchFamily="50" charset="-127"/>
+                <a:ea typeface="나눔바른고딕" panose="020B0603020101020101" pitchFamily="50" charset="-127"/>
+              </a:rPr>
+              <a:t>13</a:t>
+            </a:r>
+            <a:endParaRPr lang="ko-KR" altLang="en-US" sz="1138">
+              <a:latin typeface="나눔바른고딕" panose="020B0603020101020101" pitchFamily="50" charset="-127"/>
+              <a:ea typeface="나눔바른고딕" panose="020B0603020101020101" pitchFamily="50" charset="-127"/>
+            </a:endParaRPr>
+          </a:p>
+        </p:txBody>
+      </p:sp>
+      <p:sp>
+        <p:nvSpPr>
+          <p:cNvPr id="19" name="TextBox 18">
+            <a:extLst>
+              <a:ext uri="{FF2B5EF4-FFF2-40B4-BE49-F238E27FC236}">
+                <a16:creationId xmlns:a16="http://schemas.microsoft.com/office/drawing/2014/main" id="{7F881090-8262-8EAA-137A-A718877C7E0A}"/>
+              </a:ext>
+            </a:extLst>
+          </p:cNvPr>
+          <p:cNvSpPr txBox="1"/>
+          <p:nvPr/>
+        </p:nvSpPr>
+        <p:spPr>
+          <a:xfrm>
+            <a:off x="2271816" y="3422688"/>
+            <a:ext cx="354584" cy="267446"/>
+          </a:xfrm>
+          <a:prstGeom prst="rect">
+            <a:avLst/>
+          </a:prstGeom>
+          <a:noFill/>
+        </p:spPr>
+        <p:txBody>
+          <a:bodyPr wrap="none" rtlCol="0">
+            <a:spAutoFit/>
+          </a:bodyPr>
+          <a:lstStyle/>
+          <a:p>
+            <a:pPr algn="ctr"/>
+            <a:r>
+              <a:rPr lang="en-US" altLang="ko-KR" sz="1138">
+                <a:latin typeface="나눔바른고딕" panose="020B0603020101020101" pitchFamily="50" charset="-127"/>
+                <a:ea typeface="나눔바른고딕" panose="020B0603020101020101" pitchFamily="50" charset="-127"/>
+              </a:rPr>
+              <a:t>14</a:t>
+            </a:r>
+            <a:endParaRPr lang="ko-KR" altLang="en-US" sz="1138">
+              <a:latin typeface="나눔바른고딕" panose="020B0603020101020101" pitchFamily="50" charset="-127"/>
+              <a:ea typeface="나눔바른고딕" panose="020B0603020101020101" pitchFamily="50" charset="-127"/>
+            </a:endParaRPr>
+          </a:p>
+        </p:txBody>
+      </p:sp>
+      <p:sp>
+        <p:nvSpPr>
+          <p:cNvPr id="20" name="TextBox 19">
+            <a:extLst>
+              <a:ext uri="{FF2B5EF4-FFF2-40B4-BE49-F238E27FC236}">
+                <a16:creationId xmlns:a16="http://schemas.microsoft.com/office/drawing/2014/main" id="{7C7D00CF-0E45-093A-5FB8-0319FC40C921}"/>
+              </a:ext>
+            </a:extLst>
+          </p:cNvPr>
+          <p:cNvSpPr txBox="1"/>
+          <p:nvPr/>
+        </p:nvSpPr>
+        <p:spPr>
+          <a:xfrm>
+            <a:off x="3003488" y="3422688"/>
+            <a:ext cx="354584" cy="267446"/>
+          </a:xfrm>
+          <a:prstGeom prst="rect">
+            <a:avLst/>
+          </a:prstGeom>
+          <a:noFill/>
+        </p:spPr>
+        <p:txBody>
+          <a:bodyPr wrap="none" rtlCol="0">
+            <a:spAutoFit/>
+          </a:bodyPr>
+          <a:lstStyle/>
+          <a:p>
+            <a:pPr algn="ctr"/>
+            <a:r>
+              <a:rPr lang="en-US" altLang="ko-KR" sz="1138">
+                <a:latin typeface="나눔바른고딕" panose="020B0603020101020101" pitchFamily="50" charset="-127"/>
+                <a:ea typeface="나눔바른고딕" panose="020B0603020101020101" pitchFamily="50" charset="-127"/>
+              </a:rPr>
+              <a:t>15</a:t>
+            </a:r>
+            <a:endParaRPr lang="ko-KR" altLang="en-US" sz="1138">
+              <a:latin typeface="나눔바른고딕" panose="020B0603020101020101" pitchFamily="50" charset="-127"/>
+              <a:ea typeface="나눔바른고딕" panose="020B0603020101020101" pitchFamily="50" charset="-127"/>
+            </a:endParaRPr>
+          </a:p>
+        </p:txBody>
+      </p:sp>
+      <p:sp>
+        <p:nvSpPr>
+          <p:cNvPr id="21" name="TextBox 20">
+            <a:extLst>
+              <a:ext uri="{FF2B5EF4-FFF2-40B4-BE49-F238E27FC236}">
+                <a16:creationId xmlns:a16="http://schemas.microsoft.com/office/drawing/2014/main" id="{66D4DDAA-1125-CB86-4F0A-A424386D1E7A}"/>
+              </a:ext>
+            </a:extLst>
+          </p:cNvPr>
+          <p:cNvSpPr txBox="1"/>
+          <p:nvPr/>
+        </p:nvSpPr>
+        <p:spPr>
+          <a:xfrm>
+            <a:off x="670655" y="889492"/>
+            <a:ext cx="354584" cy="267446"/>
+          </a:xfrm>
+          <a:prstGeom prst="rect">
+            <a:avLst/>
+          </a:prstGeom>
+          <a:noFill/>
+        </p:spPr>
+        <p:txBody>
+          <a:bodyPr wrap="none" rtlCol="0">
+            <a:spAutoFit/>
+          </a:bodyPr>
+          <a:lstStyle/>
+          <a:p>
+            <a:pPr algn="ctr"/>
+            <a:r>
+              <a:rPr lang="en-US" altLang="ko-KR" sz="1138">
+                <a:solidFill>
+                  <a:srgbClr val="FF0000"/>
+                </a:solidFill>
+                <a:latin typeface="나눔바른고딕" panose="020B0603020101020101" pitchFamily="50" charset="-127"/>
+                <a:ea typeface="나눔바른고딕" panose="020B0603020101020101" pitchFamily="50" charset="-127"/>
+              </a:rPr>
+              <a:t>-1</a:t>
+            </a:r>
+            <a:endParaRPr lang="ko-KR" altLang="en-US" sz="1138">
+              <a:solidFill>
+                <a:srgbClr val="FF0000"/>
+              </a:solidFill>
+              <a:latin typeface="나눔바른고딕" panose="020B0603020101020101" pitchFamily="50" charset="-127"/>
+              <a:ea typeface="나눔바른고딕" panose="020B0603020101020101" pitchFamily="50" charset="-127"/>
+            </a:endParaRPr>
+          </a:p>
+        </p:txBody>
+      </p:sp>
+      <p:sp>
+        <p:nvSpPr>
+          <p:cNvPr id="22" name="TextBox 21">
+            <a:extLst>
+              <a:ext uri="{FF2B5EF4-FFF2-40B4-BE49-F238E27FC236}">
+                <a16:creationId xmlns:a16="http://schemas.microsoft.com/office/drawing/2014/main" id="{D416085E-36B8-4BE6-E50A-B9298F537C92}"/>
+              </a:ext>
+            </a:extLst>
+          </p:cNvPr>
+          <p:cNvSpPr txBox="1"/>
+          <p:nvPr/>
+        </p:nvSpPr>
+        <p:spPr>
+          <a:xfrm>
+            <a:off x="1190326" y="889492"/>
+            <a:ext cx="737702" cy="267446"/>
+          </a:xfrm>
+          <a:prstGeom prst="rect">
+            <a:avLst/>
+          </a:prstGeom>
+          <a:noFill/>
+        </p:spPr>
+        <p:txBody>
+          <a:bodyPr wrap="none" rtlCol="0">
+            <a:spAutoFit/>
+          </a:bodyPr>
+          <a:lstStyle/>
+          <a:p>
+            <a:pPr algn="ctr"/>
+            <a:r>
+              <a:rPr lang="en-US" altLang="ko-KR" sz="1138">
+                <a:solidFill>
+                  <a:srgbClr val="FF0000"/>
+                </a:solidFill>
+                <a:latin typeface="나눔바른고딕" panose="020B0603020101020101" pitchFamily="50" charset="-127"/>
+                <a:ea typeface="나눔바른고딕" panose="020B0603020101020101" pitchFamily="50" charset="-127"/>
+              </a:rPr>
+              <a:t>-0.3333</a:t>
+            </a:r>
+            <a:endParaRPr lang="ko-KR" altLang="en-US" sz="1138">
+              <a:solidFill>
+                <a:srgbClr val="FF0000"/>
+              </a:solidFill>
+              <a:latin typeface="나눔바른고딕" panose="020B0603020101020101" pitchFamily="50" charset="-127"/>
+              <a:ea typeface="나눔바른고딕" panose="020B0603020101020101" pitchFamily="50" charset="-127"/>
+            </a:endParaRPr>
+          </a:p>
+        </p:txBody>
+      </p:sp>
+      <p:sp>
+        <p:nvSpPr>
+          <p:cNvPr id="23" name="TextBox 22">
+            <a:extLst>
+              <a:ext uri="{FF2B5EF4-FFF2-40B4-BE49-F238E27FC236}">
+                <a16:creationId xmlns:a16="http://schemas.microsoft.com/office/drawing/2014/main" id="{B211B63F-1115-81BA-F2BB-08CAF07B0444}"/>
+              </a:ext>
+            </a:extLst>
+          </p:cNvPr>
+          <p:cNvSpPr txBox="1"/>
+          <p:nvPr/>
+        </p:nvSpPr>
+        <p:spPr>
+          <a:xfrm>
+            <a:off x="1996618" y="889492"/>
+            <a:ext cx="652744" cy="267446"/>
+          </a:xfrm>
+          <a:prstGeom prst="rect">
+            <a:avLst/>
+          </a:prstGeom>
+          <a:noFill/>
+        </p:spPr>
+        <p:txBody>
+          <a:bodyPr wrap="none" rtlCol="0">
+            <a:spAutoFit/>
+          </a:bodyPr>
+          <a:lstStyle/>
+          <a:p>
+            <a:pPr algn="ctr"/>
+            <a:r>
+              <a:rPr lang="en-US" altLang="ko-KR" sz="1138">
+                <a:solidFill>
+                  <a:srgbClr val="FF0000"/>
+                </a:solidFill>
+                <a:latin typeface="나눔바른고딕" panose="020B0603020101020101" pitchFamily="50" charset="-127"/>
+                <a:ea typeface="나눔바른고딕" panose="020B0603020101020101" pitchFamily="50" charset="-127"/>
+              </a:rPr>
+              <a:t>0.3333</a:t>
+            </a:r>
+            <a:endParaRPr lang="ko-KR" altLang="en-US" sz="1138">
+              <a:solidFill>
+                <a:srgbClr val="FF0000"/>
+              </a:solidFill>
+              <a:latin typeface="나눔바른고딕" panose="020B0603020101020101" pitchFamily="50" charset="-127"/>
+              <a:ea typeface="나눔바른고딕" panose="020B0603020101020101" pitchFamily="50" charset="-127"/>
+            </a:endParaRPr>
+          </a:p>
+        </p:txBody>
+      </p:sp>
+      <p:sp>
+        <p:nvSpPr>
+          <p:cNvPr id="24" name="TextBox 23">
+            <a:extLst>
+              <a:ext uri="{FF2B5EF4-FFF2-40B4-BE49-F238E27FC236}">
+                <a16:creationId xmlns:a16="http://schemas.microsoft.com/office/drawing/2014/main" id="{36D24D50-26F1-8100-68DC-850DDDABB36E}"/>
+              </a:ext>
+            </a:extLst>
+          </p:cNvPr>
+          <p:cNvSpPr txBox="1"/>
+          <p:nvPr/>
+        </p:nvSpPr>
+        <p:spPr>
+          <a:xfrm>
+            <a:off x="2934896" y="889492"/>
+            <a:ext cx="269626" cy="267446"/>
+          </a:xfrm>
+          <a:prstGeom prst="rect">
+            <a:avLst/>
+          </a:prstGeom>
+          <a:noFill/>
+        </p:spPr>
+        <p:txBody>
+          <a:bodyPr wrap="none" rtlCol="0">
+            <a:spAutoFit/>
+          </a:bodyPr>
+          <a:lstStyle/>
+          <a:p>
+            <a:pPr algn="ctr"/>
+            <a:r>
+              <a:rPr lang="en-US" altLang="ko-KR" sz="1138">
+                <a:solidFill>
+                  <a:srgbClr val="FF0000"/>
+                </a:solidFill>
+                <a:latin typeface="나눔바른고딕" panose="020B0603020101020101" pitchFamily="50" charset="-127"/>
+                <a:ea typeface="나눔바른고딕" panose="020B0603020101020101" pitchFamily="50" charset="-127"/>
+              </a:rPr>
+              <a:t>1</a:t>
+            </a:r>
+            <a:endParaRPr lang="ko-KR" altLang="en-US" sz="1138">
+              <a:solidFill>
+                <a:srgbClr val="FF0000"/>
+              </a:solidFill>
+              <a:latin typeface="나눔바른고딕" panose="020B0603020101020101" pitchFamily="50" charset="-127"/>
+              <a:ea typeface="나눔바른고딕" panose="020B0603020101020101" pitchFamily="50" charset="-127"/>
+            </a:endParaRPr>
+          </a:p>
+        </p:txBody>
+      </p:sp>
+      <p:sp>
+        <p:nvSpPr>
+          <p:cNvPr id="25" name="TextBox 24">
+            <a:extLst>
+              <a:ext uri="{FF2B5EF4-FFF2-40B4-BE49-F238E27FC236}">
+                <a16:creationId xmlns:a16="http://schemas.microsoft.com/office/drawing/2014/main" id="{63577F7F-DE00-6972-618C-705B9970E428}"/>
+              </a:ext>
+            </a:extLst>
+          </p:cNvPr>
+          <p:cNvSpPr txBox="1"/>
+          <p:nvPr/>
+        </p:nvSpPr>
+        <p:spPr>
+          <a:xfrm>
+            <a:off x="820145" y="3764143"/>
+            <a:ext cx="926857" cy="267446"/>
+          </a:xfrm>
+          <a:prstGeom prst="rect">
+            <a:avLst/>
+          </a:prstGeom>
+          <a:noFill/>
+        </p:spPr>
+        <p:txBody>
+          <a:bodyPr wrap="none" rtlCol="0">
+            <a:spAutoFit/>
+          </a:bodyPr>
+          <a:lstStyle/>
+          <a:p>
+            <a:r>
+              <a:rPr lang="en-US" altLang="ko-KR" sz="1138">
+                <a:latin typeface="나눔바른고딕" panose="020B0603020101020101" pitchFamily="50" charset="-127"/>
+                <a:ea typeface="나눔바른고딕" panose="020B0603020101020101" pitchFamily="50" charset="-127"/>
+              </a:rPr>
+              <a:t>input value</a:t>
+            </a:r>
+            <a:endParaRPr lang="ko-KR" altLang="en-US" sz="1138">
+              <a:latin typeface="나눔바른고딕" panose="020B0603020101020101" pitchFamily="50" charset="-127"/>
+              <a:ea typeface="나눔바른고딕" panose="020B0603020101020101" pitchFamily="50" charset="-127"/>
+            </a:endParaRPr>
+          </a:p>
+        </p:txBody>
+      </p:sp>
+      <p:sp>
+        <p:nvSpPr>
+          <p:cNvPr id="26" name="TextBox 25">
+            <a:extLst>
+              <a:ext uri="{FF2B5EF4-FFF2-40B4-BE49-F238E27FC236}">
+                <a16:creationId xmlns:a16="http://schemas.microsoft.com/office/drawing/2014/main" id="{090B5B09-D489-C7F3-21B7-89DF45BC8CC7}"/>
+              </a:ext>
+            </a:extLst>
+          </p:cNvPr>
+          <p:cNvSpPr txBox="1"/>
+          <p:nvPr/>
+        </p:nvSpPr>
+        <p:spPr>
+          <a:xfrm>
+            <a:off x="833308" y="4015504"/>
+            <a:ext cx="843501" cy="267446"/>
+          </a:xfrm>
+          <a:prstGeom prst="rect">
+            <a:avLst/>
+          </a:prstGeom>
+          <a:noFill/>
+        </p:spPr>
+        <p:txBody>
+          <a:bodyPr wrap="none" rtlCol="0">
+            <a:spAutoFit/>
+          </a:bodyPr>
+          <a:lstStyle/>
+          <a:p>
+            <a:r>
+              <a:rPr lang="en-US" altLang="ko-KR" sz="1138">
+                <a:solidFill>
+                  <a:srgbClr val="FF0000"/>
+                </a:solidFill>
+                <a:latin typeface="나눔바른고딕" panose="020B0603020101020101" pitchFamily="50" charset="-127"/>
+                <a:ea typeface="나눔바른고딕" panose="020B0603020101020101" pitchFamily="50" charset="-127"/>
+              </a:rPr>
+              <a:t>grid value</a:t>
+            </a:r>
+            <a:endParaRPr lang="ko-KR" altLang="en-US" sz="1138">
+              <a:solidFill>
+                <a:srgbClr val="FF0000"/>
+              </a:solidFill>
+              <a:latin typeface="나눔바른고딕" panose="020B0603020101020101" pitchFamily="50" charset="-127"/>
+              <a:ea typeface="나눔바른고딕" panose="020B0603020101020101" pitchFamily="50" charset="-127"/>
+            </a:endParaRPr>
+          </a:p>
+        </p:txBody>
+      </p:sp>
+      <p:cxnSp>
+        <p:nvCxnSpPr>
+          <p:cNvPr id="28" name="직선 연결선 27">
+            <a:extLst>
+              <a:ext uri="{FF2B5EF4-FFF2-40B4-BE49-F238E27FC236}">
+                <a16:creationId xmlns:a16="http://schemas.microsoft.com/office/drawing/2014/main" id="{F867AF88-F54F-BB45-7612-62229AFCCA91}"/>
+              </a:ext>
+            </a:extLst>
+          </p:cNvPr>
+          <p:cNvCxnSpPr/>
+          <p:nvPr/>
+        </p:nvCxnSpPr>
+        <p:spPr>
+          <a:xfrm>
+            <a:off x="882951" y="1489086"/>
+            <a:ext cx="2180479" cy="0"/>
+          </a:xfrm>
+          <a:prstGeom prst="line">
+            <a:avLst/>
+          </a:prstGeom>
+          <a:ln w="19050">
+            <a:solidFill>
+              <a:srgbClr val="0000FF"/>
+            </a:solidFill>
+          </a:ln>
+        </p:spPr>
+        <p:style>
+          <a:lnRef idx="1">
+            <a:schemeClr val="accent1"/>
+          </a:lnRef>
+          <a:fillRef idx="0">
+            <a:schemeClr val="accent1"/>
+          </a:fillRef>
+          <a:effectRef idx="0">
+            <a:schemeClr val="accent1"/>
+          </a:effectRef>
+          <a:fontRef idx="minor">
+            <a:schemeClr val="tx1"/>
+          </a:fontRef>
+        </p:style>
+      </p:cxnSp>
+      <p:cxnSp>
+        <p:nvCxnSpPr>
+          <p:cNvPr id="30" name="직선 연결선 29">
+            <a:extLst>
+              <a:ext uri="{FF2B5EF4-FFF2-40B4-BE49-F238E27FC236}">
+                <a16:creationId xmlns:a16="http://schemas.microsoft.com/office/drawing/2014/main" id="{D5C5D026-949C-2F43-35E3-BA7FCCB2D2CC}"/>
+              </a:ext>
+            </a:extLst>
+          </p:cNvPr>
+          <p:cNvCxnSpPr>
+            <a:cxnSpLocks/>
+            <a:stCxn id="33" idx="2"/>
+          </p:cNvCxnSpPr>
+          <p:nvPr/>
+        </p:nvCxnSpPr>
+        <p:spPr>
+          <a:xfrm flipH="1">
+            <a:off x="1162703" y="1277509"/>
+            <a:ext cx="1324" cy="2145179"/>
+          </a:xfrm>
+          <a:prstGeom prst="line">
+            <a:avLst/>
+          </a:prstGeom>
+          <a:ln w="19050">
+            <a:solidFill>
+              <a:srgbClr val="0000FF"/>
+            </a:solidFill>
+          </a:ln>
+        </p:spPr>
+        <p:style>
+          <a:lnRef idx="1">
+            <a:schemeClr val="accent1"/>
+          </a:lnRef>
+          <a:fillRef idx="0">
+            <a:schemeClr val="accent1"/>
+          </a:fillRef>
+          <a:effectRef idx="0">
+            <a:schemeClr val="accent1"/>
+          </a:effectRef>
+          <a:fontRef idx="minor">
+            <a:schemeClr val="tx1"/>
+          </a:fontRef>
+        </p:style>
+      </p:cxnSp>
+      <p:sp>
+        <p:nvSpPr>
+          <p:cNvPr id="31" name="타원 30">
+            <a:extLst>
+              <a:ext uri="{FF2B5EF4-FFF2-40B4-BE49-F238E27FC236}">
+                <a16:creationId xmlns:a16="http://schemas.microsoft.com/office/drawing/2014/main" id="{A50ACB6A-6ADB-7E79-3C24-2CF629A827D9}"/>
+              </a:ext>
+            </a:extLst>
+          </p:cNvPr>
+          <p:cNvSpPr/>
+          <p:nvPr/>
+        </p:nvSpPr>
+        <p:spPr>
+          <a:xfrm>
+            <a:off x="1137758" y="1464141"/>
+            <a:ext cx="49890" cy="49890"/>
+          </a:xfrm>
+          <a:prstGeom prst="ellipse">
+            <a:avLst/>
+          </a:prstGeom>
+          <a:solidFill>
+            <a:schemeClr val="tx1"/>
+          </a:solidFill>
+          <a:ln>
+            <a:solidFill>
+              <a:schemeClr val="tx1"/>
+            </a:solidFill>
+          </a:ln>
+        </p:spPr>
+        <p:style>
+          <a:lnRef idx="2">
+            <a:schemeClr val="accent1">
+              <a:shade val="15000"/>
+            </a:schemeClr>
+          </a:lnRef>
+          <a:fillRef idx="1">
+            <a:schemeClr val="accent1"/>
+          </a:fillRef>
+          <a:effectRef idx="0">
+            <a:schemeClr val="accent1"/>
+          </a:effectRef>
+          <a:fontRef idx="minor">
+            <a:schemeClr val="lt1"/>
+          </a:fontRef>
+        </p:style>
+        <p:txBody>
+          <a:bodyPr rtlCol="0" anchor="ctr"/>
+          <a:lstStyle/>
+          <a:p>
+            <a:pPr algn="ctr"/>
+            <a:endParaRPr lang="ko-KR" altLang="en-US" sz="1463"/>
+          </a:p>
+        </p:txBody>
+      </p:sp>
+      <p:sp>
+        <p:nvSpPr>
+          <p:cNvPr id="33" name="TextBox 32">
+            <a:extLst>
+              <a:ext uri="{FF2B5EF4-FFF2-40B4-BE49-F238E27FC236}">
+                <a16:creationId xmlns:a16="http://schemas.microsoft.com/office/drawing/2014/main" id="{2A04E3E8-34F1-1E43-3EF8-87D690A61AC9}"/>
+              </a:ext>
+            </a:extLst>
+          </p:cNvPr>
+          <p:cNvSpPr txBox="1"/>
+          <p:nvPr/>
+        </p:nvSpPr>
+        <p:spPr>
+          <a:xfrm>
+            <a:off x="873723" y="1060077"/>
+            <a:ext cx="580608" cy="217432"/>
+          </a:xfrm>
+          <a:prstGeom prst="rect">
+            <a:avLst/>
+          </a:prstGeom>
+          <a:noFill/>
+        </p:spPr>
+        <p:txBody>
+          <a:bodyPr wrap="none" rtlCol="0">
+            <a:spAutoFit/>
+          </a:bodyPr>
+          <a:lstStyle/>
+          <a:p>
+            <a:pPr algn="ctr"/>
+            <a:r>
+              <a:rPr lang="en-US" altLang="ko-KR" sz="813">
+                <a:solidFill>
+                  <a:srgbClr val="0000FF"/>
+                </a:solidFill>
+                <a:latin typeface="나눔바른고딕" panose="020B0603020101020101" pitchFamily="50" charset="-127"/>
+                <a:ea typeface="나눔바른고딕" panose="020B0603020101020101" pitchFamily="50" charset="-127"/>
+              </a:rPr>
+              <a:t>-0.7143</a:t>
+            </a:r>
+            <a:endParaRPr lang="ko-KR" altLang="en-US" sz="813">
+              <a:solidFill>
+                <a:srgbClr val="0000FF"/>
+              </a:solidFill>
+              <a:latin typeface="나눔바른고딕" panose="020B0603020101020101" pitchFamily="50" charset="-127"/>
+              <a:ea typeface="나눔바른고딕" panose="020B0603020101020101" pitchFamily="50" charset="-127"/>
+            </a:endParaRPr>
+          </a:p>
+        </p:txBody>
+      </p:sp>
+      <p:sp>
+        <p:nvSpPr>
+          <p:cNvPr id="35" name="TextBox 34">
+            <a:extLst>
+              <a:ext uri="{FF2B5EF4-FFF2-40B4-BE49-F238E27FC236}">
+                <a16:creationId xmlns:a16="http://schemas.microsoft.com/office/drawing/2014/main" id="{A44805D6-9F82-3F64-6D51-F7543FF2D169}"/>
+              </a:ext>
+            </a:extLst>
+          </p:cNvPr>
+          <p:cNvSpPr txBox="1"/>
+          <p:nvPr/>
+        </p:nvSpPr>
+        <p:spPr>
+          <a:xfrm>
+            <a:off x="341169" y="1395438"/>
+            <a:ext cx="580608" cy="217432"/>
+          </a:xfrm>
+          <a:prstGeom prst="rect">
+            <a:avLst/>
+          </a:prstGeom>
+          <a:noFill/>
+        </p:spPr>
+        <p:txBody>
+          <a:bodyPr wrap="none" rtlCol="0">
+            <a:spAutoFit/>
+          </a:bodyPr>
+          <a:lstStyle/>
+          <a:p>
+            <a:pPr algn="ctr"/>
+            <a:r>
+              <a:rPr lang="en-US" altLang="ko-KR" sz="813">
+                <a:solidFill>
+                  <a:srgbClr val="0000FF"/>
+                </a:solidFill>
+                <a:latin typeface="나눔바른고딕" panose="020B0603020101020101" pitchFamily="50" charset="-127"/>
+                <a:ea typeface="나눔바른고딕" panose="020B0603020101020101" pitchFamily="50" charset="-127"/>
+              </a:rPr>
+              <a:t>-0.7143</a:t>
+            </a:r>
+            <a:endParaRPr lang="ko-KR" altLang="en-US" sz="813">
+              <a:solidFill>
+                <a:srgbClr val="0000FF"/>
+              </a:solidFill>
+              <a:latin typeface="나눔바른고딕" panose="020B0603020101020101" pitchFamily="50" charset="-127"/>
+              <a:ea typeface="나눔바른고딕" panose="020B0603020101020101" pitchFamily="50" charset="-127"/>
+            </a:endParaRPr>
+          </a:p>
+        </p:txBody>
+      </p:sp>
+      <p:sp>
+        <p:nvSpPr>
+          <p:cNvPr id="36" name="TextBox 35">
+            <a:extLst>
+              <a:ext uri="{FF2B5EF4-FFF2-40B4-BE49-F238E27FC236}">
+                <a16:creationId xmlns:a16="http://schemas.microsoft.com/office/drawing/2014/main" id="{595AFC14-C42B-D779-6A4F-4709F4F1B7CA}"/>
+              </a:ext>
+            </a:extLst>
+          </p:cNvPr>
+          <p:cNvSpPr txBox="1"/>
+          <p:nvPr/>
+        </p:nvSpPr>
+        <p:spPr>
+          <a:xfrm>
+            <a:off x="367870" y="1129041"/>
+            <a:ext cx="354584" cy="267446"/>
+          </a:xfrm>
+          <a:prstGeom prst="rect">
+            <a:avLst/>
+          </a:prstGeom>
+          <a:noFill/>
+        </p:spPr>
+        <p:txBody>
+          <a:bodyPr wrap="none" rtlCol="0">
+            <a:spAutoFit/>
+          </a:bodyPr>
+          <a:lstStyle/>
+          <a:p>
+            <a:pPr algn="ctr"/>
+            <a:r>
+              <a:rPr lang="en-US" altLang="ko-KR" sz="1138">
+                <a:solidFill>
+                  <a:srgbClr val="FF0000"/>
+                </a:solidFill>
+                <a:latin typeface="나눔바른고딕" panose="020B0603020101020101" pitchFamily="50" charset="-127"/>
+                <a:ea typeface="나눔바른고딕" panose="020B0603020101020101" pitchFamily="50" charset="-127"/>
+              </a:rPr>
+              <a:t>-1</a:t>
+            </a:r>
+            <a:endParaRPr lang="ko-KR" altLang="en-US" sz="1138">
+              <a:solidFill>
+                <a:srgbClr val="FF0000"/>
+              </a:solidFill>
+              <a:latin typeface="나눔바른고딕" panose="020B0603020101020101" pitchFamily="50" charset="-127"/>
+              <a:ea typeface="나눔바른고딕" panose="020B0603020101020101" pitchFamily="50" charset="-127"/>
+            </a:endParaRPr>
+          </a:p>
+        </p:txBody>
+      </p:sp>
+      <p:sp>
+        <p:nvSpPr>
+          <p:cNvPr id="37" name="TextBox 36">
+            <a:extLst>
+              <a:ext uri="{FF2B5EF4-FFF2-40B4-BE49-F238E27FC236}">
+                <a16:creationId xmlns:a16="http://schemas.microsoft.com/office/drawing/2014/main" id="{FCAF1EBE-7BC1-C556-5971-363D7AEC39C8}"/>
+              </a:ext>
+            </a:extLst>
+          </p:cNvPr>
+          <p:cNvSpPr txBox="1"/>
+          <p:nvPr/>
+        </p:nvSpPr>
+        <p:spPr>
+          <a:xfrm>
+            <a:off x="169071" y="1854421"/>
+            <a:ext cx="737702" cy="267446"/>
+          </a:xfrm>
+          <a:prstGeom prst="rect">
+            <a:avLst/>
+          </a:prstGeom>
+          <a:noFill/>
+        </p:spPr>
+        <p:txBody>
+          <a:bodyPr wrap="none" rtlCol="0">
+            <a:spAutoFit/>
+          </a:bodyPr>
+          <a:lstStyle/>
+          <a:p>
+            <a:pPr algn="ctr"/>
+            <a:r>
+              <a:rPr lang="en-US" altLang="ko-KR" sz="1138">
+                <a:solidFill>
+                  <a:srgbClr val="FF0000"/>
+                </a:solidFill>
+                <a:latin typeface="나눔바른고딕" panose="020B0603020101020101" pitchFamily="50" charset="-127"/>
+                <a:ea typeface="나눔바른고딕" panose="020B0603020101020101" pitchFamily="50" charset="-127"/>
+              </a:rPr>
+              <a:t>-0.3333</a:t>
+            </a:r>
+            <a:endParaRPr lang="ko-KR" altLang="en-US" sz="1138">
+              <a:solidFill>
+                <a:srgbClr val="FF0000"/>
+              </a:solidFill>
+              <a:latin typeface="나눔바른고딕" panose="020B0603020101020101" pitchFamily="50" charset="-127"/>
+              <a:ea typeface="나눔바른고딕" panose="020B0603020101020101" pitchFamily="50" charset="-127"/>
+            </a:endParaRPr>
+          </a:p>
+        </p:txBody>
+      </p:sp>
+      <p:sp>
+        <p:nvSpPr>
+          <p:cNvPr id="38" name="TextBox 37">
+            <a:extLst>
+              <a:ext uri="{FF2B5EF4-FFF2-40B4-BE49-F238E27FC236}">
+                <a16:creationId xmlns:a16="http://schemas.microsoft.com/office/drawing/2014/main" id="{BA77BF43-95C2-BA7A-D49D-C6754B76C7E9}"/>
+              </a:ext>
+            </a:extLst>
+          </p:cNvPr>
+          <p:cNvSpPr txBox="1"/>
+          <p:nvPr/>
+        </p:nvSpPr>
+        <p:spPr>
+          <a:xfrm>
+            <a:off x="248421" y="2572272"/>
+            <a:ext cx="652744" cy="267446"/>
+          </a:xfrm>
+          <a:prstGeom prst="rect">
+            <a:avLst/>
+          </a:prstGeom>
+          <a:noFill/>
+        </p:spPr>
+        <p:txBody>
+          <a:bodyPr wrap="none" rtlCol="0">
+            <a:spAutoFit/>
+          </a:bodyPr>
+          <a:lstStyle/>
+          <a:p>
+            <a:pPr algn="ctr"/>
+            <a:r>
+              <a:rPr lang="en-US" altLang="ko-KR" sz="1138">
+                <a:solidFill>
+                  <a:srgbClr val="FF0000"/>
+                </a:solidFill>
+                <a:latin typeface="나눔바른고딕" panose="020B0603020101020101" pitchFamily="50" charset="-127"/>
+                <a:ea typeface="나눔바른고딕" panose="020B0603020101020101" pitchFamily="50" charset="-127"/>
+              </a:rPr>
+              <a:t>0.3333</a:t>
+            </a:r>
+            <a:endParaRPr lang="ko-KR" altLang="en-US" sz="1138">
+              <a:solidFill>
+                <a:srgbClr val="FF0000"/>
+              </a:solidFill>
+              <a:latin typeface="나눔바른고딕" panose="020B0603020101020101" pitchFamily="50" charset="-127"/>
+              <a:ea typeface="나눔바른고딕" panose="020B0603020101020101" pitchFamily="50" charset="-127"/>
+            </a:endParaRPr>
+          </a:p>
+        </p:txBody>
+      </p:sp>
+      <p:sp>
+        <p:nvSpPr>
+          <p:cNvPr id="39" name="TextBox 38">
+            <a:extLst>
+              <a:ext uri="{FF2B5EF4-FFF2-40B4-BE49-F238E27FC236}">
+                <a16:creationId xmlns:a16="http://schemas.microsoft.com/office/drawing/2014/main" id="{DFE12114-4CFA-F8AA-5BCC-E3F48F84F289}"/>
+              </a:ext>
+            </a:extLst>
+          </p:cNvPr>
+          <p:cNvSpPr txBox="1"/>
+          <p:nvPr/>
+        </p:nvSpPr>
+        <p:spPr>
+          <a:xfrm>
+            <a:off x="410349" y="3290123"/>
+            <a:ext cx="269626" cy="267446"/>
+          </a:xfrm>
+          <a:prstGeom prst="rect">
+            <a:avLst/>
+          </a:prstGeom>
+          <a:noFill/>
+        </p:spPr>
+        <p:txBody>
+          <a:bodyPr wrap="none" rtlCol="0">
+            <a:spAutoFit/>
+          </a:bodyPr>
+          <a:lstStyle/>
+          <a:p>
+            <a:pPr algn="ctr"/>
+            <a:r>
+              <a:rPr lang="en-US" altLang="ko-KR" sz="1138">
+                <a:solidFill>
+                  <a:srgbClr val="FF0000"/>
+                </a:solidFill>
+                <a:latin typeface="나눔바른고딕" panose="020B0603020101020101" pitchFamily="50" charset="-127"/>
+                <a:ea typeface="나눔바른고딕" panose="020B0603020101020101" pitchFamily="50" charset="-127"/>
+              </a:rPr>
+              <a:t>1</a:t>
+            </a:r>
+            <a:endParaRPr lang="ko-KR" altLang="en-US" sz="1138">
+              <a:solidFill>
+                <a:srgbClr val="FF0000"/>
+              </a:solidFill>
+              <a:latin typeface="나눔바른고딕" panose="020B0603020101020101" pitchFamily="50" charset="-127"/>
+              <a:ea typeface="나눔바른고딕" panose="020B0603020101020101" pitchFamily="50" charset="-127"/>
+            </a:endParaRPr>
+          </a:p>
+        </p:txBody>
+      </p:sp>
+      <p:pic>
+        <p:nvPicPr>
+          <p:cNvPr id="41" name="그림 40">
+            <a:extLst>
+              <a:ext uri="{FF2B5EF4-FFF2-40B4-BE49-F238E27FC236}">
+                <a16:creationId xmlns:a16="http://schemas.microsoft.com/office/drawing/2014/main" id="{7BF0C2CD-A8F1-DA9C-E2D5-BCB20598CEE2}"/>
+              </a:ext>
+            </a:extLst>
+          </p:cNvPr>
+          <p:cNvPicPr>
+            <a:picLocks noChangeAspect="1"/>
+          </p:cNvPicPr>
+          <p:nvPr/>
+        </p:nvPicPr>
+        <p:blipFill rotWithShape="1">
+          <a:blip r:embed="rId2"/>
+          <a:srcRect r="622"/>
+          <a:stretch/>
+        </p:blipFill>
+        <p:spPr>
+          <a:xfrm>
+            <a:off x="3684030" y="1084618"/>
+            <a:ext cx="1100998" cy="1539606"/>
+          </a:xfrm>
+          <a:prstGeom prst="rect">
+            <a:avLst/>
+          </a:prstGeom>
+        </p:spPr>
+      </p:pic>
+      <p:sp>
+        <p:nvSpPr>
+          <p:cNvPr id="42" name="직사각형 41">
+            <a:extLst>
+              <a:ext uri="{FF2B5EF4-FFF2-40B4-BE49-F238E27FC236}">
+                <a16:creationId xmlns:a16="http://schemas.microsoft.com/office/drawing/2014/main" id="{55662137-A648-2B70-19E6-8C03E819D3CE}"/>
+              </a:ext>
+            </a:extLst>
+          </p:cNvPr>
+          <p:cNvSpPr/>
+          <p:nvPr/>
+        </p:nvSpPr>
+        <p:spPr>
+          <a:xfrm>
+            <a:off x="1185519" y="1509051"/>
+            <a:ext cx="405799" cy="447815"/>
+          </a:xfrm>
+          <a:prstGeom prst="rect">
+            <a:avLst/>
+          </a:prstGeom>
+          <a:solidFill>
+            <a:srgbClr val="FFFF00"/>
+          </a:solidFill>
+          <a:ln>
+            <a:noFill/>
+          </a:ln>
+        </p:spPr>
+        <p:style>
+          <a:lnRef idx="2">
+            <a:schemeClr val="accent1">
+              <a:shade val="15000"/>
+            </a:schemeClr>
+          </a:lnRef>
+          <a:fillRef idx="1">
+            <a:schemeClr val="accent1"/>
+          </a:fillRef>
+          <a:effectRef idx="0">
+            <a:schemeClr val="accent1"/>
+          </a:effectRef>
+          <a:fontRef idx="minor">
+            <a:schemeClr val="lt1"/>
+          </a:fontRef>
+        </p:style>
+        <p:txBody>
+          <a:bodyPr rtlCol="0" anchor="ctr"/>
+          <a:lstStyle/>
+          <a:p>
+            <a:pPr algn="ctr"/>
+            <a:endParaRPr lang="ko-KR" altLang="en-US" sz="1463"/>
+          </a:p>
+        </p:txBody>
+      </p:sp>
+      <p:sp>
+        <p:nvSpPr>
+          <p:cNvPr id="43" name="직사각형 42">
+            <a:extLst>
+              <a:ext uri="{FF2B5EF4-FFF2-40B4-BE49-F238E27FC236}">
+                <a16:creationId xmlns:a16="http://schemas.microsoft.com/office/drawing/2014/main" id="{123B6B7A-3192-7FFD-1824-1039A8273FFD}"/>
+              </a:ext>
+            </a:extLst>
+          </p:cNvPr>
+          <p:cNvSpPr/>
+          <p:nvPr/>
+        </p:nvSpPr>
+        <p:spPr>
+          <a:xfrm>
+            <a:off x="1183641" y="1271558"/>
+            <a:ext cx="405799" cy="192582"/>
+          </a:xfrm>
+          <a:prstGeom prst="rect">
+            <a:avLst/>
+          </a:prstGeom>
+          <a:solidFill>
+            <a:srgbClr val="9AFF9A"/>
+          </a:solidFill>
+          <a:ln>
+            <a:noFill/>
+          </a:ln>
+        </p:spPr>
+        <p:style>
+          <a:lnRef idx="2">
+            <a:schemeClr val="accent1">
+              <a:shade val="15000"/>
+            </a:schemeClr>
+          </a:lnRef>
+          <a:fillRef idx="1">
+            <a:schemeClr val="accent1"/>
+          </a:fillRef>
+          <a:effectRef idx="0">
+            <a:schemeClr val="accent1"/>
+          </a:effectRef>
+          <a:fontRef idx="minor">
+            <a:schemeClr val="lt1"/>
+          </a:fontRef>
+        </p:style>
+        <p:txBody>
+          <a:bodyPr rtlCol="0" anchor="ctr"/>
+          <a:lstStyle/>
+          <a:p>
+            <a:pPr algn="ctr"/>
+            <a:endParaRPr lang="ko-KR" altLang="en-US" sz="1463"/>
+          </a:p>
+        </p:txBody>
+      </p:sp>
+      <p:sp>
+        <p:nvSpPr>
+          <p:cNvPr id="44" name="직사각형 43">
+            <a:extLst>
+              <a:ext uri="{FF2B5EF4-FFF2-40B4-BE49-F238E27FC236}">
+                <a16:creationId xmlns:a16="http://schemas.microsoft.com/office/drawing/2014/main" id="{927A5085-2134-B44E-BCB2-98DC275FD7D3}"/>
+              </a:ext>
+            </a:extLst>
+          </p:cNvPr>
+          <p:cNvSpPr/>
+          <p:nvPr/>
+        </p:nvSpPr>
+        <p:spPr>
+          <a:xfrm>
+            <a:off x="905767" y="1509051"/>
+            <a:ext cx="244913" cy="447815"/>
+          </a:xfrm>
+          <a:prstGeom prst="rect">
+            <a:avLst/>
+          </a:prstGeom>
+          <a:solidFill>
+            <a:srgbClr val="9A9AFF"/>
+          </a:solidFill>
+          <a:ln>
+            <a:noFill/>
+          </a:ln>
+        </p:spPr>
+        <p:style>
+          <a:lnRef idx="2">
+            <a:schemeClr val="accent1">
+              <a:shade val="15000"/>
+            </a:schemeClr>
+          </a:lnRef>
+          <a:fillRef idx="1">
+            <a:schemeClr val="accent1"/>
+          </a:fillRef>
+          <a:effectRef idx="0">
+            <a:schemeClr val="accent1"/>
+          </a:effectRef>
+          <a:fontRef idx="minor">
+            <a:schemeClr val="lt1"/>
+          </a:fontRef>
+        </p:style>
+        <p:txBody>
+          <a:bodyPr rtlCol="0" anchor="ctr"/>
+          <a:lstStyle/>
+          <a:p>
+            <a:pPr algn="ctr"/>
+            <a:endParaRPr lang="ko-KR" altLang="en-US" sz="1463"/>
+          </a:p>
+        </p:txBody>
+      </p:sp>
+      <p:sp>
+        <p:nvSpPr>
+          <p:cNvPr id="47" name="TextBox 46">
+            <a:extLst>
+              <a:ext uri="{FF2B5EF4-FFF2-40B4-BE49-F238E27FC236}">
+                <a16:creationId xmlns:a16="http://schemas.microsoft.com/office/drawing/2014/main" id="{CDB2C924-B60F-2D11-B2EB-BAB351054CFE}"/>
+              </a:ext>
+            </a:extLst>
+          </p:cNvPr>
+          <p:cNvSpPr txBox="1"/>
+          <p:nvPr/>
+        </p:nvSpPr>
+        <p:spPr>
+          <a:xfrm>
+            <a:off x="914315" y="4285896"/>
+            <a:ext cx="2565126" cy="267446"/>
+          </a:xfrm>
+          <a:prstGeom prst="rect">
+            <a:avLst/>
+          </a:prstGeom>
+          <a:noFill/>
+        </p:spPr>
+        <p:txBody>
+          <a:bodyPr wrap="none" rtlCol="0">
+            <a:spAutoFit/>
+          </a:bodyPr>
+          <a:lstStyle/>
+          <a:p>
+            <a:pPr algn="ctr"/>
+            <a:r>
+              <a:rPr lang="en-US" altLang="ko-KR" sz="1138">
+                <a:latin typeface="나눔바른고딕" panose="020B0603020101020101" pitchFamily="50" charset="-127"/>
+                <a:ea typeface="나눔바른고딕" panose="020B0603020101020101" pitchFamily="50" charset="-127"/>
+              </a:rPr>
+              <a:t>output(-0.7143, -0.7143) = 2.1429</a:t>
+            </a:r>
+            <a:endParaRPr lang="ko-KR" altLang="en-US" sz="1138">
+              <a:latin typeface="나눔바른고딕" panose="020B0603020101020101" pitchFamily="50" charset="-127"/>
+              <a:ea typeface="나눔바른고딕" panose="020B0603020101020101" pitchFamily="50" charset="-127"/>
+            </a:endParaRPr>
+          </a:p>
+        </p:txBody>
+      </p:sp>
+      <p:sp>
+        <p:nvSpPr>
+          <p:cNvPr id="48" name="타원 47">
+            <a:extLst>
+              <a:ext uri="{FF2B5EF4-FFF2-40B4-BE49-F238E27FC236}">
+                <a16:creationId xmlns:a16="http://schemas.microsoft.com/office/drawing/2014/main" id="{80FB7A83-3053-9D24-E173-E6C4D0BF8F05}"/>
+              </a:ext>
+            </a:extLst>
+          </p:cNvPr>
+          <p:cNvSpPr/>
+          <p:nvPr/>
+        </p:nvSpPr>
+        <p:spPr>
+          <a:xfrm>
+            <a:off x="888409" y="4385986"/>
+            <a:ext cx="49890" cy="49890"/>
+          </a:xfrm>
+          <a:prstGeom prst="ellipse">
+            <a:avLst/>
+          </a:prstGeom>
+          <a:solidFill>
+            <a:schemeClr val="tx1"/>
+          </a:solidFill>
+          <a:ln>
+            <a:solidFill>
+              <a:schemeClr val="tx1"/>
+            </a:solidFill>
+          </a:ln>
+        </p:spPr>
+        <p:style>
+          <a:lnRef idx="2">
+            <a:schemeClr val="accent1">
+              <a:shade val="15000"/>
+            </a:schemeClr>
+          </a:lnRef>
+          <a:fillRef idx="1">
+            <a:schemeClr val="accent1"/>
+          </a:fillRef>
+          <a:effectRef idx="0">
+            <a:schemeClr val="accent1"/>
+          </a:effectRef>
+          <a:fontRef idx="minor">
+            <a:schemeClr val="lt1"/>
+          </a:fontRef>
+        </p:style>
+        <p:txBody>
+          <a:bodyPr rtlCol="0" anchor="ctr"/>
+          <a:lstStyle/>
+          <a:p>
+            <a:pPr algn="ctr"/>
+            <a:endParaRPr lang="ko-KR" altLang="en-US" sz="1463"/>
+          </a:p>
+        </p:txBody>
+      </p:sp>
+    </p:spTree>
+    <p:extLst>
+      <p:ext uri="{BB962C8B-B14F-4D97-AF65-F5344CB8AC3E}">
+        <p14:creationId xmlns:p14="http://schemas.microsoft.com/office/powerpoint/2010/main" val="3336736897"/>
+      </p:ext>
+    </p:extLst>
+  </p:cSld>
+  <p:clrMapOvr>
+    <a:masterClrMapping/>
+  </p:clrMapOvr>
+</p:sld>
+</file>
+
+<file path=ppt/slides/slide5.xml><?xml version="1.0" encoding="utf-8"?>
+<p:sld xmlns:a="http://schemas.openxmlformats.org/drawingml/2006/main" xmlns:r="http://schemas.openxmlformats.org/officeDocument/2006/relationships" xmlns:p="http://schemas.openxmlformats.org/presentationml/2006/main">
+  <p:cSld>
+    <p:spTree>
+      <p:nvGrpSpPr>
+        <p:cNvPr id="1" name=""/>
+        <p:cNvGrpSpPr/>
+        <p:nvPr/>
+      </p:nvGrpSpPr>
+      <p:grpSpPr>
+        <a:xfrm>
+          <a:off x="0" y="0"/>
+          <a:ext cx="0" cy="0"/>
+          <a:chOff x="0" y="0"/>
+          <a:chExt cx="0" cy="0"/>
+        </a:xfrm>
+      </p:grpSpPr>
+      <p:sp>
+        <p:nvSpPr>
+          <p:cNvPr id="7" name="TextBox 6">
+            <a:extLst>
+              <a:ext uri="{FF2B5EF4-FFF2-40B4-BE49-F238E27FC236}">
+                <a16:creationId xmlns:a16="http://schemas.microsoft.com/office/drawing/2014/main" id="{F6FDCF49-6014-AA02-A44D-37C47072188B}"/>
+              </a:ext>
+            </a:extLst>
+          </p:cNvPr>
+          <p:cNvSpPr txBox="1"/>
+          <p:nvPr/>
+        </p:nvSpPr>
+        <p:spPr>
+          <a:xfrm>
+            <a:off x="332570" y="988605"/>
+            <a:ext cx="7950318" cy="1893339"/>
+          </a:xfrm>
+          <a:prstGeom prst="rect">
+            <a:avLst/>
+          </a:prstGeom>
+          <a:noFill/>
+        </p:spPr>
+        <p:txBody>
+          <a:bodyPr wrap="square">
+            <a:spAutoFit/>
+          </a:bodyPr>
+          <a:lstStyle/>
+          <a:p>
+            <a:r>
+              <a:rPr lang="en-US" altLang="ko-KR" sz="1463"/>
+              <a:t>tensor([[[[ 0.0000,  0.4286,  0.8571,  1.2857,  1.7143,  2.1429,  2.5714,  3.0000],</a:t>
+            </a:r>
+          </a:p>
+          <a:p>
+            <a:r>
+              <a:rPr lang="en-US" altLang="ko-KR" sz="1463"/>
+              <a:t>           [ 1.7143,  </a:t>
+            </a:r>
+            <a:r>
+              <a:rPr lang="en-US" altLang="ko-KR" sz="1463">
+                <a:solidFill>
+                  <a:srgbClr val="FF0000"/>
+                </a:solidFill>
+              </a:rPr>
+              <a:t>2.1429</a:t>
+            </a:r>
+            <a:r>
+              <a:rPr lang="en-US" altLang="ko-KR" sz="1463"/>
+              <a:t>,  2.5714,  3.0000,  3.4286,  3.8571,  4.2857,  4.7143],</a:t>
+            </a:r>
+          </a:p>
+          <a:p>
+            <a:r>
+              <a:rPr lang="en-US" altLang="ko-KR" sz="1463"/>
+              <a:t>           [ 3.4286,  3.8571,  4.2857,  4.7143,  5.1429,  5.5714,  6.0000,  6.4286],</a:t>
+            </a:r>
+          </a:p>
+          <a:p>
+            <a:r>
+              <a:rPr lang="en-US" altLang="ko-KR" sz="1463"/>
+              <a:t>           [ 5.1429,  5.5714,  6.0000,  6.4286,  6.8571,  7.2857,  7.7143,  8.1429],</a:t>
+            </a:r>
+          </a:p>
+          <a:p>
+            <a:r>
+              <a:rPr lang="en-US" altLang="ko-KR" sz="1463"/>
+              <a:t>           [ 6.8571,  7.2857,  7.7143,  8.1429,  8.5714,  9.0000,  9.4286,  9.8571],</a:t>
+            </a:r>
+          </a:p>
+          <a:p>
+            <a:r>
+              <a:rPr lang="en-US" altLang="ko-KR" sz="1463"/>
+              <a:t>           [ 8.5714,  9.0000,  9.4286,  9.8571, 10.2857, 10.7143, 11.1429, 11.5714],</a:t>
+            </a:r>
+          </a:p>
+          <a:p>
+            <a:r>
+              <a:rPr lang="en-US" altLang="ko-KR" sz="1463"/>
+              <a:t>           [10.2857, 10.7143, 11.1429, 11.5714, 12.0000, 12.4286, 12.8571, 13.2857],</a:t>
+            </a:r>
+          </a:p>
+          <a:p>
+            <a:r>
+              <a:rPr lang="en-US" altLang="ko-KR" sz="1463"/>
+              <a:t>           [12.0000, 12.4286, 12.8571, 13.2857, 13.7143, 14.1429, 14.5714, 15.0000]]]])</a:t>
+            </a:r>
+            <a:endParaRPr lang="ko-KR" altLang="en-US" sz="1463"/>
+          </a:p>
+        </p:txBody>
+      </p:sp>
+      <p:pic>
+        <p:nvPicPr>
+          <p:cNvPr id="9" name="그림 8">
+            <a:extLst>
+              <a:ext uri="{FF2B5EF4-FFF2-40B4-BE49-F238E27FC236}">
+                <a16:creationId xmlns:a16="http://schemas.microsoft.com/office/drawing/2014/main" id="{A8848587-4A86-9D3A-6920-E2EC4DD97347}"/>
+              </a:ext>
+            </a:extLst>
+          </p:cNvPr>
+          <p:cNvPicPr>
+            <a:picLocks noChangeAspect="1"/>
+          </p:cNvPicPr>
+          <p:nvPr/>
+        </p:nvPicPr>
+        <p:blipFill>
+          <a:blip r:embed="rId2"/>
+          <a:stretch>
+            <a:fillRect/>
+          </a:stretch>
+        </p:blipFill>
+        <p:spPr>
+          <a:xfrm>
+            <a:off x="242210" y="3010627"/>
+            <a:ext cx="7989881" cy="1966512"/>
+          </a:xfrm>
+          <a:prstGeom prst="rect">
+            <a:avLst/>
+          </a:prstGeom>
+        </p:spPr>
+      </p:pic>
+    </p:spTree>
+    <p:extLst>
+      <p:ext uri="{BB962C8B-B14F-4D97-AF65-F5344CB8AC3E}">
+        <p14:creationId xmlns:p14="http://schemas.microsoft.com/office/powerpoint/2010/main" val="3564888709"/>
+      </p:ext>
+    </p:extLst>
+  </p:cSld>
+  <p:clrMapOvr>
+    <a:masterClrMapping/>
+  </p:clrMapOvr>
+</p:sld>
+</file>
+
+<file path=ppt/slides/slide6.xml><?xml version="1.0" encoding="utf-8"?>
+<p:sld xmlns:a="http://schemas.openxmlformats.org/drawingml/2006/main" xmlns:r="http://schemas.openxmlformats.org/officeDocument/2006/relationships" xmlns:p="http://schemas.openxmlformats.org/presentationml/2006/main">
+  <p:cSld>
+    <p:spTree>
+      <p:nvGrpSpPr>
+        <p:cNvPr id="1" name=""/>
+        <p:cNvGrpSpPr/>
+        <p:nvPr/>
+      </p:nvGrpSpPr>
+      <p:grpSpPr>
+        <a:xfrm>
+          <a:off x="0" y="0"/>
+          <a:ext cx="0" cy="0"/>
+          <a:chOff x="0" y="0"/>
+          <a:chExt cx="0" cy="0"/>
+        </a:xfrm>
+      </p:grpSpPr>
+      <p:graphicFrame>
+        <p:nvGraphicFramePr>
+          <p:cNvPr id="5" name="표 4">
+            <a:extLst>
+              <a:ext uri="{FF2B5EF4-FFF2-40B4-BE49-F238E27FC236}">
+                <a16:creationId xmlns:a16="http://schemas.microsoft.com/office/drawing/2014/main" id="{98D88348-3568-64F7-43D5-04BAF28FBC2F}"/>
+              </a:ext>
+            </a:extLst>
+          </p:cNvPr>
+          <p:cNvGraphicFramePr>
+            <a:graphicFrameLocks noGrp="1"/>
+          </p:cNvGraphicFramePr>
+          <p:nvPr/>
+        </p:nvGraphicFramePr>
+        <p:xfrm>
+          <a:off x="786393" y="1134296"/>
+          <a:ext cx="2736949" cy="2759741"/>
+        </p:xfrm>
+        <a:graphic>
+          <a:graphicData uri="http://schemas.openxmlformats.org/drawingml/2006/table">
+            <a:tbl>
+              <a:tblPr firstRow="1" bandRow="1">
+                <a:tableStyleId>{5940675A-B579-460E-94D1-54222C63F5DA}</a:tableStyleId>
+              </a:tblPr>
+              <a:tblGrid>
+                <a:gridCol w="684237">
+                  <a:extLst>
+                    <a:ext uri="{9D8B030D-6E8A-4147-A177-3AD203B41FA5}">
+                      <a16:colId xmlns:a16="http://schemas.microsoft.com/office/drawing/2014/main" val="3268446233"/>
+                    </a:ext>
+                  </a:extLst>
+                </a:gridCol>
+                <a:gridCol w="684237">
+                  <a:extLst>
+                    <a:ext uri="{9D8B030D-6E8A-4147-A177-3AD203B41FA5}">
+                      <a16:colId xmlns:a16="http://schemas.microsoft.com/office/drawing/2014/main" val="3530394279"/>
+                    </a:ext>
+                  </a:extLst>
+                </a:gridCol>
+                <a:gridCol w="684237">
+                  <a:extLst>
+                    <a:ext uri="{9D8B030D-6E8A-4147-A177-3AD203B41FA5}">
+                      <a16:colId xmlns:a16="http://schemas.microsoft.com/office/drawing/2014/main" val="3706080600"/>
+                    </a:ext>
+                  </a:extLst>
+                </a:gridCol>
+                <a:gridCol w="684237">
+                  <a:extLst>
+                    <a:ext uri="{9D8B030D-6E8A-4147-A177-3AD203B41FA5}">
+                      <a16:colId xmlns:a16="http://schemas.microsoft.com/office/drawing/2014/main" val="726755707"/>
+                    </a:ext>
+                  </a:extLst>
+                </a:gridCol>
+              </a:tblGrid>
+              <a:tr h="689935">
+                <a:tc>
+                  <a:txBody>
+                    <a:bodyPr/>
+                    <a:lstStyle/>
+                    <a:p>
+                      <a:pPr latinLnBrk="1"/>
+                      <a:endParaRPr lang="ko-KR" altLang="en-US" sz="1000"/>
+                    </a:p>
+                  </a:txBody>
+                  <a:tcPr marL="107338" marR="107338" marT="53669" marB="53669"/>
+                </a:tc>
+                <a:tc>
+                  <a:txBody>
+                    <a:bodyPr/>
+                    <a:lstStyle/>
+                    <a:p>
+                      <a:pPr latinLnBrk="1"/>
+                      <a:endParaRPr lang="ko-KR" altLang="en-US" sz="1000"/>
+                    </a:p>
+                  </a:txBody>
+                  <a:tcPr marL="107338" marR="107338" marT="53669" marB="53669"/>
+                </a:tc>
+                <a:tc>
+                  <a:txBody>
+                    <a:bodyPr/>
+                    <a:lstStyle/>
+                    <a:p>
+                      <a:pPr latinLnBrk="1"/>
+                      <a:endParaRPr lang="ko-KR" altLang="en-US" sz="1000"/>
+                    </a:p>
+                  </a:txBody>
+                  <a:tcPr marL="107338" marR="107338" marT="53669" marB="53669"/>
+                </a:tc>
+                <a:tc>
+                  <a:txBody>
+                    <a:bodyPr/>
+                    <a:lstStyle/>
+                    <a:p>
+                      <a:pPr latinLnBrk="1"/>
+                      <a:endParaRPr lang="ko-KR" altLang="en-US" sz="1000"/>
+                    </a:p>
+                  </a:txBody>
+                  <a:tcPr marL="107338" marR="107338" marT="53669" marB="53669"/>
+                </a:tc>
+                <a:extLst>
+                  <a:ext uri="{0D108BD9-81ED-4DB2-BD59-A6C34878D82A}">
+                    <a16:rowId xmlns:a16="http://schemas.microsoft.com/office/drawing/2014/main" val="1796988906"/>
+                  </a:ext>
+                </a:extLst>
+              </a:tr>
+              <a:tr h="689935">
+                <a:tc>
+                  <a:txBody>
+                    <a:bodyPr/>
+                    <a:lstStyle/>
+                    <a:p>
+                      <a:pPr latinLnBrk="1"/>
+                      <a:endParaRPr lang="ko-KR" altLang="en-US" sz="1000"/>
+                    </a:p>
+                  </a:txBody>
+                  <a:tcPr marL="107338" marR="107338" marT="53669" marB="53669"/>
+                </a:tc>
+                <a:tc>
+                  <a:txBody>
+                    <a:bodyPr/>
+                    <a:lstStyle/>
+                    <a:p>
+                      <a:pPr latinLnBrk="1"/>
+                      <a:endParaRPr lang="ko-KR" altLang="en-US" sz="1000"/>
+                    </a:p>
+                  </a:txBody>
+                  <a:tcPr marL="107338" marR="107338" marT="53669" marB="53669"/>
+                </a:tc>
+                <a:tc>
+                  <a:txBody>
+                    <a:bodyPr/>
+                    <a:lstStyle/>
+                    <a:p>
+                      <a:pPr latinLnBrk="1"/>
+                      <a:endParaRPr lang="ko-KR" altLang="en-US" sz="1000"/>
+                    </a:p>
+                  </a:txBody>
+                  <a:tcPr marL="107338" marR="107338" marT="53669" marB="53669"/>
+                </a:tc>
+                <a:tc>
+                  <a:txBody>
+                    <a:bodyPr/>
+                    <a:lstStyle/>
+                    <a:p>
+                      <a:pPr latinLnBrk="1"/>
+                      <a:endParaRPr lang="ko-KR" altLang="en-US" sz="1000"/>
+                    </a:p>
+                  </a:txBody>
+                  <a:tcPr marL="107338" marR="107338" marT="53669" marB="53669"/>
+                </a:tc>
+                <a:extLst>
+                  <a:ext uri="{0D108BD9-81ED-4DB2-BD59-A6C34878D82A}">
+                    <a16:rowId xmlns:a16="http://schemas.microsoft.com/office/drawing/2014/main" val="428851700"/>
+                  </a:ext>
+                </a:extLst>
+              </a:tr>
+              <a:tr h="689935">
+                <a:tc>
+                  <a:txBody>
+                    <a:bodyPr/>
+                    <a:lstStyle/>
+                    <a:p>
+                      <a:pPr latinLnBrk="1"/>
+                      <a:endParaRPr lang="ko-KR" altLang="en-US" sz="1000"/>
+                    </a:p>
+                  </a:txBody>
+                  <a:tcPr marL="107338" marR="107338" marT="53669" marB="53669"/>
+                </a:tc>
+                <a:tc>
+                  <a:txBody>
+                    <a:bodyPr/>
+                    <a:lstStyle/>
+                    <a:p>
+                      <a:pPr latinLnBrk="1"/>
+                      <a:endParaRPr lang="ko-KR" altLang="en-US" sz="1000"/>
+                    </a:p>
+                  </a:txBody>
+                  <a:tcPr marL="107338" marR="107338" marT="53669" marB="53669"/>
+                </a:tc>
+                <a:tc>
+                  <a:txBody>
+                    <a:bodyPr/>
+                    <a:lstStyle/>
+                    <a:p>
+                      <a:pPr latinLnBrk="1"/>
+                      <a:endParaRPr lang="ko-KR" altLang="en-US" sz="1000"/>
+                    </a:p>
+                  </a:txBody>
+                  <a:tcPr marL="107338" marR="107338" marT="53669" marB="53669"/>
+                </a:tc>
+                <a:tc>
+                  <a:txBody>
+                    <a:bodyPr/>
+                    <a:lstStyle/>
+                    <a:p>
+                      <a:pPr latinLnBrk="1"/>
+                      <a:endParaRPr lang="ko-KR" altLang="en-US" sz="1000"/>
+                    </a:p>
+                  </a:txBody>
+                  <a:tcPr marL="107338" marR="107338" marT="53669" marB="53669"/>
+                </a:tc>
+                <a:extLst>
+                  <a:ext uri="{0D108BD9-81ED-4DB2-BD59-A6C34878D82A}">
+                    <a16:rowId xmlns:a16="http://schemas.microsoft.com/office/drawing/2014/main" val="1937312062"/>
+                  </a:ext>
+                </a:extLst>
+              </a:tr>
+              <a:tr h="689935">
+                <a:tc>
+                  <a:txBody>
+                    <a:bodyPr/>
+                    <a:lstStyle/>
+                    <a:p>
+                      <a:pPr latinLnBrk="1"/>
+                      <a:endParaRPr lang="ko-KR" altLang="en-US" sz="1000"/>
+                    </a:p>
+                  </a:txBody>
+                  <a:tcPr marL="107338" marR="107338" marT="53669" marB="53669"/>
+                </a:tc>
+                <a:tc>
+                  <a:txBody>
+                    <a:bodyPr/>
+                    <a:lstStyle/>
+                    <a:p>
+                      <a:pPr latinLnBrk="1"/>
+                      <a:endParaRPr lang="ko-KR" altLang="en-US" sz="1000"/>
+                    </a:p>
+                  </a:txBody>
+                  <a:tcPr marL="107338" marR="107338" marT="53669" marB="53669"/>
+                </a:tc>
+                <a:tc>
+                  <a:txBody>
+                    <a:bodyPr/>
+                    <a:lstStyle/>
+                    <a:p>
+                      <a:pPr latinLnBrk="1"/>
+                      <a:endParaRPr lang="ko-KR" altLang="en-US" sz="1000"/>
+                    </a:p>
+                  </a:txBody>
+                  <a:tcPr marL="107338" marR="107338" marT="53669" marB="53669"/>
+                </a:tc>
+                <a:tc>
+                  <a:txBody>
+                    <a:bodyPr/>
+                    <a:lstStyle/>
+                    <a:p>
+                      <a:pPr latinLnBrk="1"/>
+                      <a:endParaRPr lang="ko-KR" altLang="en-US" sz="1000"/>
+                    </a:p>
+                  </a:txBody>
+                  <a:tcPr marL="107338" marR="107338" marT="53669" marB="53669"/>
+                </a:tc>
+                <a:extLst>
+                  <a:ext uri="{0D108BD9-81ED-4DB2-BD59-A6C34878D82A}">
+                    <a16:rowId xmlns:a16="http://schemas.microsoft.com/office/drawing/2014/main" val="1562181334"/>
+                  </a:ext>
+                </a:extLst>
+              </a:tr>
+            </a:tbl>
+          </a:graphicData>
+        </a:graphic>
+      </p:graphicFrame>
+      <p:sp>
+        <p:nvSpPr>
+          <p:cNvPr id="6" name="TextBox 5">
+            <a:extLst>
+              <a:ext uri="{FF2B5EF4-FFF2-40B4-BE49-F238E27FC236}">
+                <a16:creationId xmlns:a16="http://schemas.microsoft.com/office/drawing/2014/main" id="{6DF4FEF1-6664-3EB5-5467-FF7FAE67611E}"/>
+              </a:ext>
+            </a:extLst>
+          </p:cNvPr>
+          <p:cNvSpPr txBox="1"/>
+          <p:nvPr/>
+        </p:nvSpPr>
+        <p:spPr>
+          <a:xfrm>
+            <a:off x="986056" y="1359681"/>
+            <a:ext cx="269626" cy="267446"/>
+          </a:xfrm>
+          <a:prstGeom prst="rect">
+            <a:avLst/>
+          </a:prstGeom>
+          <a:noFill/>
+        </p:spPr>
+        <p:txBody>
+          <a:bodyPr wrap="none" rtlCol="0">
+            <a:spAutoFit/>
+          </a:bodyPr>
+          <a:lstStyle/>
+          <a:p>
+            <a:pPr algn="ctr"/>
+            <a:r>
+              <a:rPr lang="en-US" altLang="ko-KR" sz="1138">
+                <a:latin typeface="나눔바른고딕" panose="020B0603020101020101" pitchFamily="50" charset="-127"/>
+                <a:ea typeface="나눔바른고딕" panose="020B0603020101020101" pitchFamily="50" charset="-127"/>
+              </a:rPr>
+              <a:t>0</a:t>
+            </a:r>
+            <a:endParaRPr lang="ko-KR" altLang="en-US" sz="1138">
+              <a:latin typeface="나눔바른고딕" panose="020B0603020101020101" pitchFamily="50" charset="-127"/>
+              <a:ea typeface="나눔바른고딕" panose="020B0603020101020101" pitchFamily="50" charset="-127"/>
+            </a:endParaRPr>
+          </a:p>
+        </p:txBody>
+      </p:sp>
+      <p:sp>
+        <p:nvSpPr>
+          <p:cNvPr id="22" name="TextBox 21">
+            <a:extLst>
+              <a:ext uri="{FF2B5EF4-FFF2-40B4-BE49-F238E27FC236}">
+                <a16:creationId xmlns:a16="http://schemas.microsoft.com/office/drawing/2014/main" id="{33773515-03FB-62A7-D034-D02495640CC6}"/>
+              </a:ext>
+            </a:extLst>
+          </p:cNvPr>
+          <p:cNvSpPr txBox="1"/>
+          <p:nvPr/>
+        </p:nvSpPr>
+        <p:spPr>
+          <a:xfrm>
+            <a:off x="563811" y="883717"/>
+            <a:ext cx="354584" cy="267446"/>
+          </a:xfrm>
+          <a:prstGeom prst="rect">
+            <a:avLst/>
+          </a:prstGeom>
+          <a:noFill/>
+        </p:spPr>
+        <p:txBody>
+          <a:bodyPr wrap="none" rtlCol="0">
+            <a:spAutoFit/>
+          </a:bodyPr>
+          <a:lstStyle/>
+          <a:p>
+            <a:pPr algn="ctr"/>
+            <a:r>
+              <a:rPr lang="en-US" altLang="ko-KR" sz="1138">
+                <a:solidFill>
+                  <a:srgbClr val="FF0000"/>
+                </a:solidFill>
+                <a:latin typeface="나눔바른고딕" panose="020B0603020101020101" pitchFamily="50" charset="-127"/>
+                <a:ea typeface="나눔바른고딕" panose="020B0603020101020101" pitchFamily="50" charset="-127"/>
+              </a:rPr>
+              <a:t>-1</a:t>
+            </a:r>
+            <a:endParaRPr lang="ko-KR" altLang="en-US" sz="1138">
+              <a:solidFill>
+                <a:srgbClr val="FF0000"/>
+              </a:solidFill>
+              <a:latin typeface="나눔바른고딕" panose="020B0603020101020101" pitchFamily="50" charset="-127"/>
+              <a:ea typeface="나눔바른고딕" panose="020B0603020101020101" pitchFamily="50" charset="-127"/>
+            </a:endParaRPr>
+          </a:p>
+        </p:txBody>
+      </p:sp>
+      <p:sp>
+        <p:nvSpPr>
+          <p:cNvPr id="26" name="TextBox 25">
+            <a:extLst>
+              <a:ext uri="{FF2B5EF4-FFF2-40B4-BE49-F238E27FC236}">
+                <a16:creationId xmlns:a16="http://schemas.microsoft.com/office/drawing/2014/main" id="{6FCB42FF-CF19-7836-32CD-817D7D485A5C}"/>
+              </a:ext>
+            </a:extLst>
+          </p:cNvPr>
+          <p:cNvSpPr txBox="1"/>
+          <p:nvPr/>
+        </p:nvSpPr>
+        <p:spPr>
+          <a:xfrm>
+            <a:off x="741129" y="3955909"/>
+            <a:ext cx="926857" cy="267446"/>
+          </a:xfrm>
+          <a:prstGeom prst="rect">
+            <a:avLst/>
+          </a:prstGeom>
+          <a:noFill/>
+        </p:spPr>
+        <p:txBody>
+          <a:bodyPr wrap="none" rtlCol="0">
+            <a:spAutoFit/>
+          </a:bodyPr>
+          <a:lstStyle/>
+          <a:p>
+            <a:r>
+              <a:rPr lang="en-US" altLang="ko-KR" sz="1138">
+                <a:latin typeface="나눔바른고딕" panose="020B0603020101020101" pitchFamily="50" charset="-127"/>
+                <a:ea typeface="나눔바른고딕" panose="020B0603020101020101" pitchFamily="50" charset="-127"/>
+              </a:rPr>
+              <a:t>input value</a:t>
+            </a:r>
+            <a:endParaRPr lang="ko-KR" altLang="en-US" sz="1138">
+              <a:latin typeface="나눔바른고딕" panose="020B0603020101020101" pitchFamily="50" charset="-127"/>
+              <a:ea typeface="나눔바른고딕" panose="020B0603020101020101" pitchFamily="50" charset="-127"/>
+            </a:endParaRPr>
+          </a:p>
+        </p:txBody>
+      </p:sp>
+      <p:sp>
+        <p:nvSpPr>
+          <p:cNvPr id="27" name="TextBox 26">
+            <a:extLst>
+              <a:ext uri="{FF2B5EF4-FFF2-40B4-BE49-F238E27FC236}">
+                <a16:creationId xmlns:a16="http://schemas.microsoft.com/office/drawing/2014/main" id="{159E4F74-9452-A1F4-3006-520D03B51C0D}"/>
+              </a:ext>
+            </a:extLst>
+          </p:cNvPr>
+          <p:cNvSpPr txBox="1"/>
+          <p:nvPr/>
+        </p:nvSpPr>
+        <p:spPr>
+          <a:xfrm>
+            <a:off x="741129" y="4204686"/>
+            <a:ext cx="843501" cy="267446"/>
+          </a:xfrm>
+          <a:prstGeom prst="rect">
+            <a:avLst/>
+          </a:prstGeom>
+          <a:noFill/>
+        </p:spPr>
+        <p:txBody>
+          <a:bodyPr wrap="none" rtlCol="0">
+            <a:spAutoFit/>
+          </a:bodyPr>
+          <a:lstStyle/>
+          <a:p>
+            <a:r>
+              <a:rPr lang="en-US" altLang="ko-KR" sz="1138">
+                <a:solidFill>
+                  <a:srgbClr val="FF0000"/>
+                </a:solidFill>
+                <a:latin typeface="나눔바른고딕" panose="020B0603020101020101" pitchFamily="50" charset="-127"/>
+                <a:ea typeface="나눔바른고딕" panose="020B0603020101020101" pitchFamily="50" charset="-127"/>
+              </a:rPr>
+              <a:t>grid value</a:t>
+            </a:r>
+            <a:endParaRPr lang="ko-KR" altLang="en-US" sz="1138">
+              <a:solidFill>
+                <a:srgbClr val="FF0000"/>
+              </a:solidFill>
+              <a:latin typeface="나눔바른고딕" panose="020B0603020101020101" pitchFamily="50" charset="-127"/>
+              <a:ea typeface="나눔바른고딕" panose="020B0603020101020101" pitchFamily="50" charset="-127"/>
+            </a:endParaRPr>
+          </a:p>
+        </p:txBody>
+      </p:sp>
+      <p:sp>
+        <p:nvSpPr>
+          <p:cNvPr id="31" name="TextBox 30">
+            <a:extLst>
+              <a:ext uri="{FF2B5EF4-FFF2-40B4-BE49-F238E27FC236}">
+                <a16:creationId xmlns:a16="http://schemas.microsoft.com/office/drawing/2014/main" id="{15857BDD-22EB-2D0D-E884-07157D082812}"/>
+              </a:ext>
+            </a:extLst>
+          </p:cNvPr>
+          <p:cNvSpPr txBox="1"/>
+          <p:nvPr/>
+        </p:nvSpPr>
+        <p:spPr>
+          <a:xfrm>
+            <a:off x="3483853" y="1533991"/>
+            <a:ext cx="580608" cy="217432"/>
+          </a:xfrm>
+          <a:prstGeom prst="rect">
+            <a:avLst/>
+          </a:prstGeom>
+          <a:noFill/>
+        </p:spPr>
+        <p:txBody>
+          <a:bodyPr wrap="none" rtlCol="0">
+            <a:spAutoFit/>
+          </a:bodyPr>
+          <a:lstStyle/>
+          <a:p>
+            <a:pPr algn="ctr"/>
+            <a:r>
+              <a:rPr lang="en-US" altLang="ko-KR" sz="813">
+                <a:solidFill>
+                  <a:srgbClr val="0000FF"/>
+                </a:solidFill>
+                <a:latin typeface="나눔바른고딕" panose="020B0603020101020101" pitchFamily="50" charset="-127"/>
+                <a:ea typeface="나눔바른고딕" panose="020B0603020101020101" pitchFamily="50" charset="-127"/>
+              </a:rPr>
+              <a:t>-0.7143</a:t>
+            </a:r>
+            <a:endParaRPr lang="ko-KR" altLang="en-US" sz="813">
+              <a:solidFill>
+                <a:srgbClr val="0000FF"/>
+              </a:solidFill>
+              <a:latin typeface="나눔바른고딕" panose="020B0603020101020101" pitchFamily="50" charset="-127"/>
+              <a:ea typeface="나눔바른고딕" panose="020B0603020101020101" pitchFamily="50" charset="-127"/>
+            </a:endParaRPr>
+          </a:p>
+        </p:txBody>
+      </p:sp>
+      <p:pic>
+        <p:nvPicPr>
+          <p:cNvPr id="38" name="그림 37">
+            <a:extLst>
+              <a:ext uri="{FF2B5EF4-FFF2-40B4-BE49-F238E27FC236}">
+                <a16:creationId xmlns:a16="http://schemas.microsoft.com/office/drawing/2014/main" id="{1465E291-5BD1-55F3-8D40-ED1BBCABF108}"/>
+              </a:ext>
+            </a:extLst>
+          </p:cNvPr>
+          <p:cNvPicPr>
+            <a:picLocks noChangeAspect="1"/>
+          </p:cNvPicPr>
+          <p:nvPr/>
+        </p:nvPicPr>
+        <p:blipFill rotWithShape="1">
+          <a:blip r:embed="rId2"/>
+          <a:srcRect r="622"/>
+          <a:stretch/>
+        </p:blipFill>
+        <p:spPr>
+          <a:xfrm>
+            <a:off x="4266969" y="1055747"/>
+            <a:ext cx="1600498" cy="2238095"/>
+          </a:xfrm>
+          <a:prstGeom prst="rect">
+            <a:avLst/>
+          </a:prstGeom>
+        </p:spPr>
+      </p:pic>
+      <p:sp>
+        <p:nvSpPr>
+          <p:cNvPr id="42" name="TextBox 41">
+            <a:extLst>
+              <a:ext uri="{FF2B5EF4-FFF2-40B4-BE49-F238E27FC236}">
+                <a16:creationId xmlns:a16="http://schemas.microsoft.com/office/drawing/2014/main" id="{138297DE-0EFC-7E12-4C5A-BD9CE425AF6A}"/>
+              </a:ext>
+            </a:extLst>
+          </p:cNvPr>
+          <p:cNvSpPr txBox="1"/>
+          <p:nvPr/>
+        </p:nvSpPr>
+        <p:spPr>
+          <a:xfrm>
+            <a:off x="1677805" y="1359681"/>
+            <a:ext cx="269626" cy="267446"/>
+          </a:xfrm>
+          <a:prstGeom prst="rect">
+            <a:avLst/>
+          </a:prstGeom>
+          <a:noFill/>
+        </p:spPr>
+        <p:txBody>
+          <a:bodyPr wrap="none" rtlCol="0">
+            <a:spAutoFit/>
+          </a:bodyPr>
+          <a:lstStyle/>
+          <a:p>
+            <a:pPr algn="ctr"/>
+            <a:r>
+              <a:rPr lang="en-US" altLang="ko-KR" sz="1138">
+                <a:latin typeface="나눔바른고딕" panose="020B0603020101020101" pitchFamily="50" charset="-127"/>
+                <a:ea typeface="나눔바른고딕" panose="020B0603020101020101" pitchFamily="50" charset="-127"/>
+              </a:rPr>
+              <a:t>1</a:t>
+            </a:r>
+            <a:endParaRPr lang="ko-KR" altLang="en-US" sz="1138">
+              <a:latin typeface="나눔바른고딕" panose="020B0603020101020101" pitchFamily="50" charset="-127"/>
+              <a:ea typeface="나눔바른고딕" panose="020B0603020101020101" pitchFamily="50" charset="-127"/>
+            </a:endParaRPr>
+          </a:p>
+        </p:txBody>
+      </p:sp>
+      <p:sp>
+        <p:nvSpPr>
+          <p:cNvPr id="45" name="TextBox 44">
+            <a:extLst>
+              <a:ext uri="{FF2B5EF4-FFF2-40B4-BE49-F238E27FC236}">
+                <a16:creationId xmlns:a16="http://schemas.microsoft.com/office/drawing/2014/main" id="{F5F8EF2C-BDF9-14B7-60C9-DBDF6C6B4E48}"/>
+              </a:ext>
+            </a:extLst>
+          </p:cNvPr>
+          <p:cNvSpPr txBox="1"/>
+          <p:nvPr/>
+        </p:nvSpPr>
+        <p:spPr>
+          <a:xfrm>
+            <a:off x="986056" y="2055075"/>
+            <a:ext cx="269626" cy="267446"/>
+          </a:xfrm>
+          <a:prstGeom prst="rect">
+            <a:avLst/>
+          </a:prstGeom>
+          <a:noFill/>
+        </p:spPr>
+        <p:txBody>
+          <a:bodyPr wrap="none" rtlCol="0">
+            <a:spAutoFit/>
+          </a:bodyPr>
+          <a:lstStyle/>
+          <a:p>
+            <a:pPr algn="ctr"/>
+            <a:r>
+              <a:rPr lang="en-US" altLang="ko-KR" sz="1138">
+                <a:latin typeface="나눔바른고딕" panose="020B0603020101020101" pitchFamily="50" charset="-127"/>
+                <a:ea typeface="나눔바른고딕" panose="020B0603020101020101" pitchFamily="50" charset="-127"/>
+              </a:rPr>
+              <a:t>4</a:t>
+            </a:r>
+            <a:endParaRPr lang="ko-KR" altLang="en-US" sz="1138">
+              <a:latin typeface="나눔바른고딕" panose="020B0603020101020101" pitchFamily="50" charset="-127"/>
+              <a:ea typeface="나눔바른고딕" panose="020B0603020101020101" pitchFamily="50" charset="-127"/>
+            </a:endParaRPr>
+          </a:p>
+        </p:txBody>
+      </p:sp>
+      <p:sp>
+        <p:nvSpPr>
+          <p:cNvPr id="46" name="TextBox 45">
+            <a:extLst>
+              <a:ext uri="{FF2B5EF4-FFF2-40B4-BE49-F238E27FC236}">
+                <a16:creationId xmlns:a16="http://schemas.microsoft.com/office/drawing/2014/main" id="{4CE511A2-E50F-C516-3C21-2E5ECA825246}"/>
+              </a:ext>
+            </a:extLst>
+          </p:cNvPr>
+          <p:cNvSpPr txBox="1"/>
+          <p:nvPr/>
+        </p:nvSpPr>
+        <p:spPr>
+          <a:xfrm>
+            <a:off x="1677805" y="2055075"/>
+            <a:ext cx="269626" cy="267446"/>
+          </a:xfrm>
+          <a:prstGeom prst="rect">
+            <a:avLst/>
+          </a:prstGeom>
+          <a:noFill/>
+        </p:spPr>
+        <p:txBody>
+          <a:bodyPr wrap="none" rtlCol="0">
+            <a:spAutoFit/>
+          </a:bodyPr>
+          <a:lstStyle/>
+          <a:p>
+            <a:pPr algn="ctr"/>
+            <a:r>
+              <a:rPr lang="en-US" altLang="ko-KR" sz="1138">
+                <a:latin typeface="나눔바른고딕" panose="020B0603020101020101" pitchFamily="50" charset="-127"/>
+                <a:ea typeface="나눔바른고딕" panose="020B0603020101020101" pitchFamily="50" charset="-127"/>
+              </a:rPr>
+              <a:t>5</a:t>
+            </a:r>
+            <a:endParaRPr lang="ko-KR" altLang="en-US" sz="1138">
+              <a:latin typeface="나눔바른고딕" panose="020B0603020101020101" pitchFamily="50" charset="-127"/>
+              <a:ea typeface="나눔바른고딕" panose="020B0603020101020101" pitchFamily="50" charset="-127"/>
+            </a:endParaRPr>
+          </a:p>
+        </p:txBody>
+      </p:sp>
+      <p:sp>
+        <p:nvSpPr>
+          <p:cNvPr id="49" name="TextBox 48">
+            <a:extLst>
+              <a:ext uri="{FF2B5EF4-FFF2-40B4-BE49-F238E27FC236}">
+                <a16:creationId xmlns:a16="http://schemas.microsoft.com/office/drawing/2014/main" id="{E3782419-C0E4-4EB8-F02B-7C53E97CE2FE}"/>
+              </a:ext>
+            </a:extLst>
+          </p:cNvPr>
+          <p:cNvSpPr txBox="1"/>
+          <p:nvPr/>
+        </p:nvSpPr>
+        <p:spPr>
+          <a:xfrm>
+            <a:off x="986056" y="2750468"/>
+            <a:ext cx="269626" cy="267446"/>
+          </a:xfrm>
+          <a:prstGeom prst="rect">
+            <a:avLst/>
+          </a:prstGeom>
+          <a:noFill/>
+        </p:spPr>
+        <p:txBody>
+          <a:bodyPr wrap="none" rtlCol="0">
+            <a:spAutoFit/>
+          </a:bodyPr>
+          <a:lstStyle/>
+          <a:p>
+            <a:pPr algn="ctr"/>
+            <a:r>
+              <a:rPr lang="en-US" altLang="ko-KR" sz="1138">
+                <a:latin typeface="나눔바른고딕" panose="020B0603020101020101" pitchFamily="50" charset="-127"/>
+                <a:ea typeface="나눔바른고딕" panose="020B0603020101020101" pitchFamily="50" charset="-127"/>
+              </a:rPr>
+              <a:t>8</a:t>
+            </a:r>
+            <a:endParaRPr lang="ko-KR" altLang="en-US" sz="1138">
+              <a:latin typeface="나눔바른고딕" panose="020B0603020101020101" pitchFamily="50" charset="-127"/>
+              <a:ea typeface="나눔바른고딕" panose="020B0603020101020101" pitchFamily="50" charset="-127"/>
+            </a:endParaRPr>
+          </a:p>
+        </p:txBody>
+      </p:sp>
+      <p:sp>
+        <p:nvSpPr>
+          <p:cNvPr id="50" name="TextBox 49">
+            <a:extLst>
+              <a:ext uri="{FF2B5EF4-FFF2-40B4-BE49-F238E27FC236}">
+                <a16:creationId xmlns:a16="http://schemas.microsoft.com/office/drawing/2014/main" id="{A06B142A-8320-EFF0-8947-288F6A4D8FD5}"/>
+              </a:ext>
+            </a:extLst>
+          </p:cNvPr>
+          <p:cNvSpPr txBox="1"/>
+          <p:nvPr/>
+        </p:nvSpPr>
+        <p:spPr>
+          <a:xfrm>
+            <a:off x="1677805" y="2750468"/>
+            <a:ext cx="269626" cy="267446"/>
+          </a:xfrm>
+          <a:prstGeom prst="rect">
+            <a:avLst/>
+          </a:prstGeom>
+          <a:noFill/>
+        </p:spPr>
+        <p:txBody>
+          <a:bodyPr wrap="none" rtlCol="0">
+            <a:spAutoFit/>
+          </a:bodyPr>
+          <a:lstStyle/>
+          <a:p>
+            <a:pPr algn="ctr"/>
+            <a:r>
+              <a:rPr lang="en-US" altLang="ko-KR" sz="1138">
+                <a:latin typeface="나눔바른고딕" panose="020B0603020101020101" pitchFamily="50" charset="-127"/>
+                <a:ea typeface="나눔바른고딕" panose="020B0603020101020101" pitchFamily="50" charset="-127"/>
+              </a:rPr>
+              <a:t>9</a:t>
+            </a:r>
+            <a:endParaRPr lang="ko-KR" altLang="en-US" sz="1138">
+              <a:latin typeface="나눔바른고딕" panose="020B0603020101020101" pitchFamily="50" charset="-127"/>
+              <a:ea typeface="나눔바른고딕" panose="020B0603020101020101" pitchFamily="50" charset="-127"/>
+            </a:endParaRPr>
+          </a:p>
+        </p:txBody>
+      </p:sp>
+      <p:sp>
+        <p:nvSpPr>
+          <p:cNvPr id="51" name="TextBox 50">
+            <a:extLst>
+              <a:ext uri="{FF2B5EF4-FFF2-40B4-BE49-F238E27FC236}">
+                <a16:creationId xmlns:a16="http://schemas.microsoft.com/office/drawing/2014/main" id="{BB68ACF5-248E-CCD4-5D80-C42307B05778}"/>
+              </a:ext>
+            </a:extLst>
+          </p:cNvPr>
+          <p:cNvSpPr txBox="1"/>
+          <p:nvPr/>
+        </p:nvSpPr>
+        <p:spPr>
+          <a:xfrm>
+            <a:off x="2305910" y="2750468"/>
+            <a:ext cx="354584" cy="267446"/>
+          </a:xfrm>
+          <a:prstGeom prst="rect">
+            <a:avLst/>
+          </a:prstGeom>
+          <a:noFill/>
+        </p:spPr>
+        <p:txBody>
+          <a:bodyPr wrap="none" rtlCol="0">
+            <a:spAutoFit/>
+          </a:bodyPr>
+          <a:lstStyle/>
+          <a:p>
+            <a:pPr algn="ctr"/>
+            <a:r>
+              <a:rPr lang="en-US" altLang="ko-KR" sz="1138">
+                <a:latin typeface="나눔바른고딕" panose="020B0603020101020101" pitchFamily="50" charset="-127"/>
+                <a:ea typeface="나눔바른고딕" panose="020B0603020101020101" pitchFamily="50" charset="-127"/>
+              </a:rPr>
+              <a:t>10</a:t>
+            </a:r>
+            <a:endParaRPr lang="ko-KR" altLang="en-US" sz="1138">
+              <a:latin typeface="나눔바른고딕" panose="020B0603020101020101" pitchFamily="50" charset="-127"/>
+              <a:ea typeface="나눔바른고딕" panose="020B0603020101020101" pitchFamily="50" charset="-127"/>
+            </a:endParaRPr>
+          </a:p>
+        </p:txBody>
+      </p:sp>
+      <p:sp>
+        <p:nvSpPr>
+          <p:cNvPr id="52" name="TextBox 51">
+            <a:extLst>
+              <a:ext uri="{FF2B5EF4-FFF2-40B4-BE49-F238E27FC236}">
+                <a16:creationId xmlns:a16="http://schemas.microsoft.com/office/drawing/2014/main" id="{8D0D0237-FAE5-1717-7905-F106750D039F}"/>
+              </a:ext>
+            </a:extLst>
+          </p:cNvPr>
+          <p:cNvSpPr txBox="1"/>
+          <p:nvPr/>
+        </p:nvSpPr>
+        <p:spPr>
+          <a:xfrm>
+            <a:off x="3018823" y="2750468"/>
+            <a:ext cx="354584" cy="267446"/>
+          </a:xfrm>
+          <a:prstGeom prst="rect">
+            <a:avLst/>
+          </a:prstGeom>
+          <a:noFill/>
+        </p:spPr>
+        <p:txBody>
+          <a:bodyPr wrap="none" rtlCol="0">
+            <a:spAutoFit/>
+          </a:bodyPr>
+          <a:lstStyle/>
+          <a:p>
+            <a:pPr algn="ctr"/>
+            <a:r>
+              <a:rPr lang="en-US" altLang="ko-KR" sz="1138">
+                <a:latin typeface="나눔바른고딕" panose="020B0603020101020101" pitchFamily="50" charset="-127"/>
+                <a:ea typeface="나눔바른고딕" panose="020B0603020101020101" pitchFamily="50" charset="-127"/>
+              </a:rPr>
+              <a:t>11</a:t>
+            </a:r>
+            <a:endParaRPr lang="ko-KR" altLang="en-US" sz="1138">
+              <a:latin typeface="나눔바른고딕" panose="020B0603020101020101" pitchFamily="50" charset="-127"/>
+              <a:ea typeface="나눔바른고딕" panose="020B0603020101020101" pitchFamily="50" charset="-127"/>
+            </a:endParaRPr>
+          </a:p>
+        </p:txBody>
+      </p:sp>
+      <p:sp>
+        <p:nvSpPr>
+          <p:cNvPr id="53" name="TextBox 52">
+            <a:extLst>
+              <a:ext uri="{FF2B5EF4-FFF2-40B4-BE49-F238E27FC236}">
+                <a16:creationId xmlns:a16="http://schemas.microsoft.com/office/drawing/2014/main" id="{59259A5C-2E1F-B332-9D96-71181364BFA4}"/>
+              </a:ext>
+            </a:extLst>
+          </p:cNvPr>
+          <p:cNvSpPr txBox="1"/>
+          <p:nvPr/>
+        </p:nvSpPr>
+        <p:spPr>
+          <a:xfrm>
+            <a:off x="943577" y="3445863"/>
+            <a:ext cx="354584" cy="267446"/>
+          </a:xfrm>
+          <a:prstGeom prst="rect">
+            <a:avLst/>
+          </a:prstGeom>
+          <a:noFill/>
+        </p:spPr>
+        <p:txBody>
+          <a:bodyPr wrap="none" rtlCol="0">
+            <a:spAutoFit/>
+          </a:bodyPr>
+          <a:lstStyle/>
+          <a:p>
+            <a:pPr algn="ctr"/>
+            <a:r>
+              <a:rPr lang="en-US" altLang="ko-KR" sz="1138">
+                <a:latin typeface="나눔바른고딕" panose="020B0603020101020101" pitchFamily="50" charset="-127"/>
+                <a:ea typeface="나눔바른고딕" panose="020B0603020101020101" pitchFamily="50" charset="-127"/>
+              </a:rPr>
+              <a:t>12</a:t>
+            </a:r>
+            <a:endParaRPr lang="ko-KR" altLang="en-US" sz="1138">
+              <a:latin typeface="나눔바른고딕" panose="020B0603020101020101" pitchFamily="50" charset="-127"/>
+              <a:ea typeface="나눔바른고딕" panose="020B0603020101020101" pitchFamily="50" charset="-127"/>
+            </a:endParaRPr>
+          </a:p>
+        </p:txBody>
+      </p:sp>
+      <p:sp>
+        <p:nvSpPr>
+          <p:cNvPr id="54" name="TextBox 53">
+            <a:extLst>
+              <a:ext uri="{FF2B5EF4-FFF2-40B4-BE49-F238E27FC236}">
+                <a16:creationId xmlns:a16="http://schemas.microsoft.com/office/drawing/2014/main" id="{DD997D68-8770-CBCB-D75E-9E38C24335F4}"/>
+              </a:ext>
+            </a:extLst>
+          </p:cNvPr>
+          <p:cNvSpPr txBox="1"/>
+          <p:nvPr/>
+        </p:nvSpPr>
+        <p:spPr>
+          <a:xfrm>
+            <a:off x="1635326" y="3445863"/>
+            <a:ext cx="354584" cy="267446"/>
+          </a:xfrm>
+          <a:prstGeom prst="rect">
+            <a:avLst/>
+          </a:prstGeom>
+          <a:noFill/>
+        </p:spPr>
+        <p:txBody>
+          <a:bodyPr wrap="none" rtlCol="0">
+            <a:spAutoFit/>
+          </a:bodyPr>
+          <a:lstStyle/>
+          <a:p>
+            <a:pPr algn="ctr"/>
+            <a:r>
+              <a:rPr lang="en-US" altLang="ko-KR" sz="1138">
+                <a:latin typeface="나눔바른고딕" panose="020B0603020101020101" pitchFamily="50" charset="-127"/>
+                <a:ea typeface="나눔바른고딕" panose="020B0603020101020101" pitchFamily="50" charset="-127"/>
+              </a:rPr>
+              <a:t>13</a:t>
+            </a:r>
+            <a:endParaRPr lang="ko-KR" altLang="en-US" sz="1138">
+              <a:latin typeface="나눔바른고딕" panose="020B0603020101020101" pitchFamily="50" charset="-127"/>
+              <a:ea typeface="나눔바른고딕" panose="020B0603020101020101" pitchFamily="50" charset="-127"/>
+            </a:endParaRPr>
+          </a:p>
+        </p:txBody>
+      </p:sp>
+      <p:sp>
+        <p:nvSpPr>
+          <p:cNvPr id="55" name="TextBox 54">
+            <a:extLst>
+              <a:ext uri="{FF2B5EF4-FFF2-40B4-BE49-F238E27FC236}">
+                <a16:creationId xmlns:a16="http://schemas.microsoft.com/office/drawing/2014/main" id="{21EB7F23-8F5A-D515-55C8-C73024C3B3E9}"/>
+              </a:ext>
+            </a:extLst>
+          </p:cNvPr>
+          <p:cNvSpPr txBox="1"/>
+          <p:nvPr/>
+        </p:nvSpPr>
+        <p:spPr>
+          <a:xfrm>
+            <a:off x="2305910" y="3445863"/>
+            <a:ext cx="354584" cy="267446"/>
+          </a:xfrm>
+          <a:prstGeom prst="rect">
+            <a:avLst/>
+          </a:prstGeom>
+          <a:noFill/>
+        </p:spPr>
+        <p:txBody>
+          <a:bodyPr wrap="none" rtlCol="0">
+            <a:spAutoFit/>
+          </a:bodyPr>
+          <a:lstStyle/>
+          <a:p>
+            <a:pPr algn="ctr"/>
+            <a:r>
+              <a:rPr lang="en-US" altLang="ko-KR" sz="1138">
+                <a:latin typeface="나눔바른고딕" panose="020B0603020101020101" pitchFamily="50" charset="-127"/>
+                <a:ea typeface="나눔바른고딕" panose="020B0603020101020101" pitchFamily="50" charset="-127"/>
+              </a:rPr>
+              <a:t>14</a:t>
+            </a:r>
+            <a:endParaRPr lang="ko-KR" altLang="en-US" sz="1138">
+              <a:latin typeface="나눔바른고딕" panose="020B0603020101020101" pitchFamily="50" charset="-127"/>
+              <a:ea typeface="나눔바른고딕" panose="020B0603020101020101" pitchFamily="50" charset="-127"/>
+            </a:endParaRPr>
+          </a:p>
+        </p:txBody>
+      </p:sp>
+      <p:sp>
+        <p:nvSpPr>
+          <p:cNvPr id="56" name="TextBox 55">
+            <a:extLst>
+              <a:ext uri="{FF2B5EF4-FFF2-40B4-BE49-F238E27FC236}">
+                <a16:creationId xmlns:a16="http://schemas.microsoft.com/office/drawing/2014/main" id="{0A035AE9-BE4B-0BA5-DFCA-61500301CD38}"/>
+              </a:ext>
+            </a:extLst>
+          </p:cNvPr>
+          <p:cNvSpPr txBox="1"/>
+          <p:nvPr/>
+        </p:nvSpPr>
+        <p:spPr>
+          <a:xfrm>
+            <a:off x="3018823" y="3445863"/>
+            <a:ext cx="354584" cy="267446"/>
+          </a:xfrm>
+          <a:prstGeom prst="rect">
+            <a:avLst/>
+          </a:prstGeom>
+          <a:noFill/>
+        </p:spPr>
+        <p:txBody>
+          <a:bodyPr wrap="none" rtlCol="0">
+            <a:spAutoFit/>
+          </a:bodyPr>
+          <a:lstStyle/>
+          <a:p>
+            <a:pPr algn="ctr"/>
+            <a:r>
+              <a:rPr lang="en-US" altLang="ko-KR" sz="1138">
+                <a:latin typeface="나눔바른고딕" panose="020B0603020101020101" pitchFamily="50" charset="-127"/>
+                <a:ea typeface="나눔바른고딕" panose="020B0603020101020101" pitchFamily="50" charset="-127"/>
+              </a:rPr>
+              <a:t>15</a:t>
+            </a:r>
+            <a:endParaRPr lang="ko-KR" altLang="en-US" sz="1138">
+              <a:latin typeface="나눔바른고딕" panose="020B0603020101020101" pitchFamily="50" charset="-127"/>
+              <a:ea typeface="나눔바른고딕" panose="020B0603020101020101" pitchFamily="50" charset="-127"/>
+            </a:endParaRPr>
+          </a:p>
+        </p:txBody>
+      </p:sp>
+      <p:sp>
+        <p:nvSpPr>
+          <p:cNvPr id="57" name="TextBox 56">
+            <a:extLst>
+              <a:ext uri="{FF2B5EF4-FFF2-40B4-BE49-F238E27FC236}">
+                <a16:creationId xmlns:a16="http://schemas.microsoft.com/office/drawing/2014/main" id="{C0342FFB-BC82-A85E-A84D-736BD29D99F2}"/>
+              </a:ext>
+            </a:extLst>
+          </p:cNvPr>
+          <p:cNvSpPr txBox="1"/>
+          <p:nvPr/>
+        </p:nvSpPr>
+        <p:spPr>
+          <a:xfrm>
+            <a:off x="1220306" y="883717"/>
+            <a:ext cx="482825" cy="267446"/>
+          </a:xfrm>
+          <a:prstGeom prst="rect">
+            <a:avLst/>
+          </a:prstGeom>
+          <a:noFill/>
+        </p:spPr>
+        <p:txBody>
+          <a:bodyPr wrap="none" rtlCol="0">
+            <a:spAutoFit/>
+          </a:bodyPr>
+          <a:lstStyle/>
+          <a:p>
+            <a:pPr algn="ctr"/>
+            <a:r>
+              <a:rPr lang="en-US" altLang="ko-KR" sz="1138">
+                <a:solidFill>
+                  <a:srgbClr val="FF0000"/>
+                </a:solidFill>
+                <a:latin typeface="나눔바른고딕" panose="020B0603020101020101" pitchFamily="50" charset="-127"/>
+                <a:ea typeface="나눔바른고딕" panose="020B0603020101020101" pitchFamily="50" charset="-127"/>
+              </a:rPr>
+              <a:t>-0.5</a:t>
+            </a:r>
+            <a:endParaRPr lang="ko-KR" altLang="en-US" sz="1138">
+              <a:solidFill>
+                <a:srgbClr val="FF0000"/>
+              </a:solidFill>
+              <a:latin typeface="나눔바른고딕" panose="020B0603020101020101" pitchFamily="50" charset="-127"/>
+              <a:ea typeface="나눔바른고딕" panose="020B0603020101020101" pitchFamily="50" charset="-127"/>
+            </a:endParaRPr>
+          </a:p>
+        </p:txBody>
+      </p:sp>
+      <p:sp>
+        <p:nvSpPr>
+          <p:cNvPr id="58" name="TextBox 57">
+            <a:extLst>
+              <a:ext uri="{FF2B5EF4-FFF2-40B4-BE49-F238E27FC236}">
+                <a16:creationId xmlns:a16="http://schemas.microsoft.com/office/drawing/2014/main" id="{09A0B2E7-4D55-50BA-F7F2-BA666141D3D3}"/>
+              </a:ext>
+            </a:extLst>
+          </p:cNvPr>
+          <p:cNvSpPr txBox="1"/>
+          <p:nvPr/>
+        </p:nvSpPr>
+        <p:spPr>
+          <a:xfrm>
+            <a:off x="2020055" y="883717"/>
+            <a:ext cx="269626" cy="267446"/>
+          </a:xfrm>
+          <a:prstGeom prst="rect">
+            <a:avLst/>
+          </a:prstGeom>
+          <a:noFill/>
+        </p:spPr>
+        <p:txBody>
+          <a:bodyPr wrap="none" rtlCol="0">
+            <a:spAutoFit/>
+          </a:bodyPr>
+          <a:lstStyle/>
+          <a:p>
+            <a:pPr algn="ctr"/>
+            <a:r>
+              <a:rPr lang="en-US" altLang="ko-KR" sz="1138">
+                <a:solidFill>
+                  <a:srgbClr val="FF0000"/>
+                </a:solidFill>
+                <a:latin typeface="나눔바른고딕" panose="020B0603020101020101" pitchFamily="50" charset="-127"/>
+                <a:ea typeface="나눔바른고딕" panose="020B0603020101020101" pitchFamily="50" charset="-127"/>
+              </a:rPr>
+              <a:t>0</a:t>
+            </a:r>
+            <a:endParaRPr lang="ko-KR" altLang="en-US" sz="1138">
+              <a:solidFill>
+                <a:srgbClr val="FF0000"/>
+              </a:solidFill>
+              <a:latin typeface="나눔바른고딕" panose="020B0603020101020101" pitchFamily="50" charset="-127"/>
+              <a:ea typeface="나눔바른고딕" panose="020B0603020101020101" pitchFamily="50" charset="-127"/>
+            </a:endParaRPr>
+          </a:p>
+        </p:txBody>
+      </p:sp>
+      <p:sp>
+        <p:nvSpPr>
+          <p:cNvPr id="59" name="TextBox 58">
+            <a:extLst>
+              <a:ext uri="{FF2B5EF4-FFF2-40B4-BE49-F238E27FC236}">
+                <a16:creationId xmlns:a16="http://schemas.microsoft.com/office/drawing/2014/main" id="{C37E26A3-14F6-057E-B391-70FA823C6C1A}"/>
+              </a:ext>
+            </a:extLst>
+          </p:cNvPr>
+          <p:cNvSpPr txBox="1"/>
+          <p:nvPr/>
+        </p:nvSpPr>
+        <p:spPr>
+          <a:xfrm>
+            <a:off x="2645793" y="883717"/>
+            <a:ext cx="397866" cy="267446"/>
+          </a:xfrm>
+          <a:prstGeom prst="rect">
+            <a:avLst/>
+          </a:prstGeom>
+          <a:noFill/>
+        </p:spPr>
+        <p:txBody>
+          <a:bodyPr wrap="none" rtlCol="0">
+            <a:spAutoFit/>
+          </a:bodyPr>
+          <a:lstStyle/>
+          <a:p>
+            <a:pPr algn="ctr"/>
+            <a:r>
+              <a:rPr lang="en-US" altLang="ko-KR" sz="1138">
+                <a:solidFill>
+                  <a:srgbClr val="FF0000"/>
+                </a:solidFill>
+                <a:latin typeface="나눔바른고딕" panose="020B0603020101020101" pitchFamily="50" charset="-127"/>
+                <a:ea typeface="나눔바른고딕" panose="020B0603020101020101" pitchFamily="50" charset="-127"/>
+              </a:rPr>
+              <a:t>0.5</a:t>
+            </a:r>
+            <a:endParaRPr lang="ko-KR" altLang="en-US" sz="1138">
+              <a:solidFill>
+                <a:srgbClr val="FF0000"/>
+              </a:solidFill>
+              <a:latin typeface="나눔바른고딕" panose="020B0603020101020101" pitchFamily="50" charset="-127"/>
+              <a:ea typeface="나눔바른고딕" panose="020B0603020101020101" pitchFamily="50" charset="-127"/>
+            </a:endParaRPr>
+          </a:p>
+        </p:txBody>
+      </p:sp>
+      <p:sp>
+        <p:nvSpPr>
+          <p:cNvPr id="60" name="TextBox 59">
+            <a:extLst>
+              <a:ext uri="{FF2B5EF4-FFF2-40B4-BE49-F238E27FC236}">
+                <a16:creationId xmlns:a16="http://schemas.microsoft.com/office/drawing/2014/main" id="{4537CB43-73DC-6B94-54AB-C555E369859D}"/>
+              </a:ext>
+            </a:extLst>
+          </p:cNvPr>
+          <p:cNvSpPr txBox="1"/>
+          <p:nvPr/>
+        </p:nvSpPr>
+        <p:spPr>
+          <a:xfrm>
+            <a:off x="3386413" y="883717"/>
+            <a:ext cx="269626" cy="267446"/>
+          </a:xfrm>
+          <a:prstGeom prst="rect">
+            <a:avLst/>
+          </a:prstGeom>
+          <a:noFill/>
+        </p:spPr>
+        <p:txBody>
+          <a:bodyPr wrap="none" rtlCol="0">
+            <a:spAutoFit/>
+          </a:bodyPr>
+          <a:lstStyle/>
+          <a:p>
+            <a:pPr algn="ctr"/>
+            <a:r>
+              <a:rPr lang="en-US" altLang="ko-KR" sz="1138">
+                <a:solidFill>
+                  <a:srgbClr val="FF0000"/>
+                </a:solidFill>
+                <a:latin typeface="나눔바른고딕" panose="020B0603020101020101" pitchFamily="50" charset="-127"/>
+                <a:ea typeface="나눔바른고딕" panose="020B0603020101020101" pitchFamily="50" charset="-127"/>
+              </a:rPr>
+              <a:t>1</a:t>
+            </a:r>
+            <a:endParaRPr lang="ko-KR" altLang="en-US" sz="1138">
+              <a:solidFill>
+                <a:srgbClr val="FF0000"/>
+              </a:solidFill>
+              <a:latin typeface="나눔바른고딕" panose="020B0603020101020101" pitchFamily="50" charset="-127"/>
+              <a:ea typeface="나눔바른고딕" panose="020B0603020101020101" pitchFamily="50" charset="-127"/>
+            </a:endParaRPr>
+          </a:p>
+        </p:txBody>
+      </p:sp>
+      <p:sp>
+        <p:nvSpPr>
+          <p:cNvPr id="61" name="TextBox 60">
+            <a:extLst>
+              <a:ext uri="{FF2B5EF4-FFF2-40B4-BE49-F238E27FC236}">
+                <a16:creationId xmlns:a16="http://schemas.microsoft.com/office/drawing/2014/main" id="{E7EF8805-CA9C-3DED-9355-06F1DFCDF388}"/>
+              </a:ext>
+            </a:extLst>
+          </p:cNvPr>
+          <p:cNvSpPr txBox="1"/>
+          <p:nvPr/>
+        </p:nvSpPr>
+        <p:spPr>
+          <a:xfrm>
+            <a:off x="341713" y="1013049"/>
+            <a:ext cx="354584" cy="267446"/>
+          </a:xfrm>
+          <a:prstGeom prst="rect">
+            <a:avLst/>
+          </a:prstGeom>
+          <a:noFill/>
+        </p:spPr>
+        <p:txBody>
+          <a:bodyPr wrap="none" rtlCol="0">
+            <a:spAutoFit/>
+          </a:bodyPr>
+          <a:lstStyle/>
+          <a:p>
+            <a:pPr algn="ctr"/>
+            <a:r>
+              <a:rPr lang="en-US" altLang="ko-KR" sz="1138">
+                <a:solidFill>
+                  <a:srgbClr val="FF0000"/>
+                </a:solidFill>
+                <a:latin typeface="나눔바른고딕" panose="020B0603020101020101" pitchFamily="50" charset="-127"/>
+                <a:ea typeface="나눔바른고딕" panose="020B0603020101020101" pitchFamily="50" charset="-127"/>
+              </a:rPr>
+              <a:t>-1</a:t>
+            </a:r>
+            <a:endParaRPr lang="ko-KR" altLang="en-US" sz="1138">
+              <a:solidFill>
+                <a:srgbClr val="FF0000"/>
+              </a:solidFill>
+              <a:latin typeface="나눔바른고딕" panose="020B0603020101020101" pitchFamily="50" charset="-127"/>
+              <a:ea typeface="나눔바른고딕" panose="020B0603020101020101" pitchFamily="50" charset="-127"/>
+            </a:endParaRPr>
+          </a:p>
+        </p:txBody>
+      </p:sp>
+      <p:sp>
+        <p:nvSpPr>
+          <p:cNvPr id="62" name="TextBox 61">
+            <a:extLst>
+              <a:ext uri="{FF2B5EF4-FFF2-40B4-BE49-F238E27FC236}">
+                <a16:creationId xmlns:a16="http://schemas.microsoft.com/office/drawing/2014/main" id="{F7437657-C557-EAC1-28EA-52FB345754A3}"/>
+              </a:ext>
+            </a:extLst>
+          </p:cNvPr>
+          <p:cNvSpPr txBox="1"/>
+          <p:nvPr/>
+        </p:nvSpPr>
+        <p:spPr>
+          <a:xfrm>
+            <a:off x="276217" y="1693372"/>
+            <a:ext cx="482825" cy="267446"/>
+          </a:xfrm>
+          <a:prstGeom prst="rect">
+            <a:avLst/>
+          </a:prstGeom>
+          <a:noFill/>
+        </p:spPr>
+        <p:txBody>
+          <a:bodyPr wrap="none" rtlCol="0">
+            <a:spAutoFit/>
+          </a:bodyPr>
+          <a:lstStyle/>
+          <a:p>
+            <a:pPr algn="ctr"/>
+            <a:r>
+              <a:rPr lang="en-US" altLang="ko-KR" sz="1138">
+                <a:solidFill>
+                  <a:srgbClr val="FF0000"/>
+                </a:solidFill>
+                <a:latin typeface="나눔바른고딕" panose="020B0603020101020101" pitchFamily="50" charset="-127"/>
+                <a:ea typeface="나눔바른고딕" panose="020B0603020101020101" pitchFamily="50" charset="-127"/>
+              </a:rPr>
+              <a:t>-0.5</a:t>
+            </a:r>
+            <a:endParaRPr lang="ko-KR" altLang="en-US" sz="1138">
+              <a:solidFill>
+                <a:srgbClr val="FF0000"/>
+              </a:solidFill>
+              <a:latin typeface="나눔바른고딕" panose="020B0603020101020101" pitchFamily="50" charset="-127"/>
+              <a:ea typeface="나눔바른고딕" panose="020B0603020101020101" pitchFamily="50" charset="-127"/>
+            </a:endParaRPr>
+          </a:p>
+        </p:txBody>
+      </p:sp>
+      <p:sp>
+        <p:nvSpPr>
+          <p:cNvPr id="63" name="TextBox 62">
+            <a:extLst>
+              <a:ext uri="{FF2B5EF4-FFF2-40B4-BE49-F238E27FC236}">
+                <a16:creationId xmlns:a16="http://schemas.microsoft.com/office/drawing/2014/main" id="{9B704BB2-DC99-02DB-CA34-5C87205583F7}"/>
+              </a:ext>
+            </a:extLst>
+          </p:cNvPr>
+          <p:cNvSpPr txBox="1"/>
+          <p:nvPr/>
+        </p:nvSpPr>
+        <p:spPr>
+          <a:xfrm>
+            <a:off x="394249" y="2377993"/>
+            <a:ext cx="269626" cy="267446"/>
+          </a:xfrm>
+          <a:prstGeom prst="rect">
+            <a:avLst/>
+          </a:prstGeom>
+          <a:noFill/>
+        </p:spPr>
+        <p:txBody>
+          <a:bodyPr wrap="none" rtlCol="0">
+            <a:spAutoFit/>
+          </a:bodyPr>
+          <a:lstStyle/>
+          <a:p>
+            <a:pPr algn="ctr"/>
+            <a:r>
+              <a:rPr lang="en-US" altLang="ko-KR" sz="1138">
+                <a:solidFill>
+                  <a:srgbClr val="FF0000"/>
+                </a:solidFill>
+                <a:latin typeface="나눔바른고딕" panose="020B0603020101020101" pitchFamily="50" charset="-127"/>
+                <a:ea typeface="나눔바른고딕" panose="020B0603020101020101" pitchFamily="50" charset="-127"/>
+              </a:rPr>
+              <a:t>0</a:t>
+            </a:r>
+            <a:endParaRPr lang="ko-KR" altLang="en-US" sz="1138">
+              <a:solidFill>
+                <a:srgbClr val="FF0000"/>
+              </a:solidFill>
+              <a:latin typeface="나눔바른고딕" panose="020B0603020101020101" pitchFamily="50" charset="-127"/>
+              <a:ea typeface="나눔바른고딕" panose="020B0603020101020101" pitchFamily="50" charset="-127"/>
+            </a:endParaRPr>
+          </a:p>
+        </p:txBody>
+      </p:sp>
+      <p:sp>
+        <p:nvSpPr>
+          <p:cNvPr id="64" name="TextBox 63">
+            <a:extLst>
+              <a:ext uri="{FF2B5EF4-FFF2-40B4-BE49-F238E27FC236}">
+                <a16:creationId xmlns:a16="http://schemas.microsoft.com/office/drawing/2014/main" id="{8CAE8A10-760E-7E84-05BC-6888F16793F3}"/>
+              </a:ext>
+            </a:extLst>
+          </p:cNvPr>
+          <p:cNvSpPr txBox="1"/>
+          <p:nvPr/>
+        </p:nvSpPr>
+        <p:spPr>
+          <a:xfrm>
+            <a:off x="330128" y="3066432"/>
+            <a:ext cx="397866" cy="267446"/>
+          </a:xfrm>
+          <a:prstGeom prst="rect">
+            <a:avLst/>
+          </a:prstGeom>
+          <a:noFill/>
+        </p:spPr>
+        <p:txBody>
+          <a:bodyPr wrap="none" rtlCol="0">
+            <a:spAutoFit/>
+          </a:bodyPr>
+          <a:lstStyle/>
+          <a:p>
+            <a:pPr algn="ctr"/>
+            <a:r>
+              <a:rPr lang="en-US" altLang="ko-KR" sz="1138">
+                <a:solidFill>
+                  <a:srgbClr val="FF0000"/>
+                </a:solidFill>
+                <a:latin typeface="나눔바른고딕" panose="020B0603020101020101" pitchFamily="50" charset="-127"/>
+                <a:ea typeface="나눔바른고딕" panose="020B0603020101020101" pitchFamily="50" charset="-127"/>
+              </a:rPr>
+              <a:t>0.5</a:t>
+            </a:r>
+            <a:endParaRPr lang="ko-KR" altLang="en-US" sz="1138">
+              <a:solidFill>
+                <a:srgbClr val="FF0000"/>
+              </a:solidFill>
+              <a:latin typeface="나눔바른고딕" panose="020B0603020101020101" pitchFamily="50" charset="-127"/>
+              <a:ea typeface="나눔바른고딕" panose="020B0603020101020101" pitchFamily="50" charset="-127"/>
+            </a:endParaRPr>
+          </a:p>
+        </p:txBody>
+      </p:sp>
+      <p:sp>
+        <p:nvSpPr>
+          <p:cNvPr id="65" name="TextBox 64">
+            <a:extLst>
+              <a:ext uri="{FF2B5EF4-FFF2-40B4-BE49-F238E27FC236}">
+                <a16:creationId xmlns:a16="http://schemas.microsoft.com/office/drawing/2014/main" id="{99F946F2-AEB1-45FE-C120-6FCE8C825A47}"/>
+              </a:ext>
+            </a:extLst>
+          </p:cNvPr>
+          <p:cNvSpPr txBox="1"/>
+          <p:nvPr/>
+        </p:nvSpPr>
+        <p:spPr>
+          <a:xfrm>
+            <a:off x="387716" y="3754870"/>
+            <a:ext cx="269626" cy="267446"/>
+          </a:xfrm>
+          <a:prstGeom prst="rect">
+            <a:avLst/>
+          </a:prstGeom>
+          <a:noFill/>
+        </p:spPr>
+        <p:txBody>
+          <a:bodyPr wrap="none" rtlCol="0">
+            <a:spAutoFit/>
+          </a:bodyPr>
+          <a:lstStyle/>
+          <a:p>
+            <a:pPr algn="ctr"/>
+            <a:r>
+              <a:rPr lang="en-US" altLang="ko-KR" sz="1138">
+                <a:solidFill>
+                  <a:srgbClr val="FF0000"/>
+                </a:solidFill>
+                <a:latin typeface="나눔바른고딕" panose="020B0603020101020101" pitchFamily="50" charset="-127"/>
+                <a:ea typeface="나눔바른고딕" panose="020B0603020101020101" pitchFamily="50" charset="-127"/>
+              </a:rPr>
+              <a:t>1</a:t>
+            </a:r>
+            <a:endParaRPr lang="ko-KR" altLang="en-US" sz="1138">
+              <a:solidFill>
+                <a:srgbClr val="FF0000"/>
+              </a:solidFill>
+              <a:latin typeface="나눔바른고딕" panose="020B0603020101020101" pitchFamily="50" charset="-127"/>
+              <a:ea typeface="나눔바른고딕" panose="020B0603020101020101" pitchFamily="50" charset="-127"/>
+            </a:endParaRPr>
+          </a:p>
+        </p:txBody>
+      </p:sp>
+      <p:cxnSp>
+        <p:nvCxnSpPr>
+          <p:cNvPr id="66" name="직선 연결선 65">
+            <a:extLst>
+              <a:ext uri="{FF2B5EF4-FFF2-40B4-BE49-F238E27FC236}">
+                <a16:creationId xmlns:a16="http://schemas.microsoft.com/office/drawing/2014/main" id="{491CC272-6ACE-F291-08CA-C5415134EB28}"/>
+              </a:ext>
+            </a:extLst>
+          </p:cNvPr>
+          <p:cNvCxnSpPr>
+            <a:cxnSpLocks/>
+          </p:cNvCxnSpPr>
+          <p:nvPr/>
+        </p:nvCxnSpPr>
+        <p:spPr>
+          <a:xfrm>
+            <a:off x="3054959" y="1133786"/>
+            <a:ext cx="0" cy="2760251"/>
+          </a:xfrm>
+          <a:prstGeom prst="line">
+            <a:avLst/>
+          </a:prstGeom>
+          <a:ln w="19050">
+            <a:solidFill>
+              <a:srgbClr val="0000FF"/>
+            </a:solidFill>
+          </a:ln>
+        </p:spPr>
+        <p:style>
+          <a:lnRef idx="1">
+            <a:schemeClr val="accent1"/>
+          </a:lnRef>
+          <a:fillRef idx="0">
+            <a:schemeClr val="accent1"/>
+          </a:fillRef>
+          <a:effectRef idx="0">
+            <a:schemeClr val="accent1"/>
+          </a:effectRef>
+          <a:fontRef idx="minor">
+            <a:schemeClr val="tx1"/>
+          </a:fontRef>
+        </p:style>
+      </p:cxnSp>
+      <p:cxnSp>
+        <p:nvCxnSpPr>
+          <p:cNvPr id="68" name="직선 연결선 67">
+            <a:extLst>
+              <a:ext uri="{FF2B5EF4-FFF2-40B4-BE49-F238E27FC236}">
+                <a16:creationId xmlns:a16="http://schemas.microsoft.com/office/drawing/2014/main" id="{61877345-80FA-24A5-60EB-85B44B25C4FA}"/>
+              </a:ext>
+            </a:extLst>
+          </p:cNvPr>
+          <p:cNvCxnSpPr>
+            <a:cxnSpLocks/>
+          </p:cNvCxnSpPr>
+          <p:nvPr/>
+        </p:nvCxnSpPr>
+        <p:spPr>
+          <a:xfrm>
+            <a:off x="779761" y="1619389"/>
+            <a:ext cx="2741464" cy="0"/>
+          </a:xfrm>
+          <a:prstGeom prst="line">
+            <a:avLst/>
+          </a:prstGeom>
+          <a:ln w="19050">
+            <a:solidFill>
+              <a:srgbClr val="0000FF"/>
+            </a:solidFill>
+          </a:ln>
+        </p:spPr>
+        <p:style>
+          <a:lnRef idx="1">
+            <a:schemeClr val="accent1"/>
+          </a:lnRef>
+          <a:fillRef idx="0">
+            <a:schemeClr val="accent1"/>
+          </a:fillRef>
+          <a:effectRef idx="0">
+            <a:schemeClr val="accent1"/>
+          </a:effectRef>
+          <a:fontRef idx="minor">
+            <a:schemeClr val="tx1"/>
+          </a:fontRef>
+        </p:style>
+      </p:cxnSp>
+      <p:cxnSp>
+        <p:nvCxnSpPr>
+          <p:cNvPr id="71" name="직선 연결선 70">
+            <a:extLst>
+              <a:ext uri="{FF2B5EF4-FFF2-40B4-BE49-F238E27FC236}">
+                <a16:creationId xmlns:a16="http://schemas.microsoft.com/office/drawing/2014/main" id="{16A9A3BF-D943-A130-7B4D-93373063A0E6}"/>
+              </a:ext>
+            </a:extLst>
+          </p:cNvPr>
+          <p:cNvCxnSpPr/>
+          <p:nvPr/>
+        </p:nvCxnSpPr>
+        <p:spPr>
+          <a:xfrm>
+            <a:off x="2483201" y="1469657"/>
+            <a:ext cx="712914" cy="0"/>
+          </a:xfrm>
+          <a:prstGeom prst="line">
+            <a:avLst/>
+          </a:prstGeom>
+          <a:ln w="19050"/>
+        </p:spPr>
+        <p:style>
+          <a:lnRef idx="1">
+            <a:schemeClr val="accent2"/>
+          </a:lnRef>
+          <a:fillRef idx="0">
+            <a:schemeClr val="accent2"/>
+          </a:fillRef>
+          <a:effectRef idx="0">
+            <a:schemeClr val="accent2"/>
+          </a:effectRef>
+          <a:fontRef idx="minor">
+            <a:schemeClr val="tx1"/>
+          </a:fontRef>
+        </p:style>
+      </p:cxnSp>
+      <p:cxnSp>
+        <p:nvCxnSpPr>
+          <p:cNvPr id="73" name="직선 연결선 72">
+            <a:extLst>
+              <a:ext uri="{FF2B5EF4-FFF2-40B4-BE49-F238E27FC236}">
+                <a16:creationId xmlns:a16="http://schemas.microsoft.com/office/drawing/2014/main" id="{CD45C13C-A640-5418-4536-EBF8E164658C}"/>
+              </a:ext>
+            </a:extLst>
+          </p:cNvPr>
+          <p:cNvCxnSpPr>
+            <a:cxnSpLocks/>
+          </p:cNvCxnSpPr>
+          <p:nvPr/>
+        </p:nvCxnSpPr>
+        <p:spPr>
+          <a:xfrm rot="5400000">
+            <a:off x="2134483" y="1819458"/>
+            <a:ext cx="712914" cy="0"/>
+          </a:xfrm>
+          <a:prstGeom prst="line">
+            <a:avLst/>
+          </a:prstGeom>
+          <a:ln w="19050"/>
+        </p:spPr>
+        <p:style>
+          <a:lnRef idx="1">
+            <a:schemeClr val="accent2"/>
+          </a:lnRef>
+          <a:fillRef idx="0">
+            <a:schemeClr val="accent2"/>
+          </a:fillRef>
+          <a:effectRef idx="0">
+            <a:schemeClr val="accent2"/>
+          </a:effectRef>
+          <a:fontRef idx="minor">
+            <a:schemeClr val="tx1"/>
+          </a:fontRef>
+        </p:style>
+      </p:cxnSp>
+      <p:cxnSp>
+        <p:nvCxnSpPr>
+          <p:cNvPr id="74" name="직선 연결선 73">
+            <a:extLst>
+              <a:ext uri="{FF2B5EF4-FFF2-40B4-BE49-F238E27FC236}">
+                <a16:creationId xmlns:a16="http://schemas.microsoft.com/office/drawing/2014/main" id="{C76E0B90-D614-8E80-D877-4280AFCF61C5}"/>
+              </a:ext>
+            </a:extLst>
+          </p:cNvPr>
+          <p:cNvCxnSpPr>
+            <a:cxnSpLocks/>
+          </p:cNvCxnSpPr>
+          <p:nvPr/>
+        </p:nvCxnSpPr>
+        <p:spPr>
+          <a:xfrm rot="5400000">
+            <a:off x="2841610" y="1819458"/>
+            <a:ext cx="712914" cy="0"/>
+          </a:xfrm>
+          <a:prstGeom prst="line">
+            <a:avLst/>
+          </a:prstGeom>
+          <a:ln w="19050"/>
+        </p:spPr>
+        <p:style>
+          <a:lnRef idx="1">
+            <a:schemeClr val="accent2"/>
+          </a:lnRef>
+          <a:fillRef idx="0">
+            <a:schemeClr val="accent2"/>
+          </a:fillRef>
+          <a:effectRef idx="0">
+            <a:schemeClr val="accent2"/>
+          </a:effectRef>
+          <a:fontRef idx="minor">
+            <a:schemeClr val="tx1"/>
+          </a:fontRef>
+        </p:style>
+      </p:cxnSp>
+      <p:cxnSp>
+        <p:nvCxnSpPr>
+          <p:cNvPr id="75" name="직선 연결선 74">
+            <a:extLst>
+              <a:ext uri="{FF2B5EF4-FFF2-40B4-BE49-F238E27FC236}">
+                <a16:creationId xmlns:a16="http://schemas.microsoft.com/office/drawing/2014/main" id="{A1F50326-3127-7BF4-F18F-CC4414A99176}"/>
+              </a:ext>
+            </a:extLst>
+          </p:cNvPr>
+          <p:cNvCxnSpPr/>
+          <p:nvPr/>
+        </p:nvCxnSpPr>
+        <p:spPr>
+          <a:xfrm>
+            <a:off x="2483201" y="2171179"/>
+            <a:ext cx="712914" cy="0"/>
+          </a:xfrm>
+          <a:prstGeom prst="line">
+            <a:avLst/>
+          </a:prstGeom>
+          <a:ln w="19050"/>
+        </p:spPr>
+        <p:style>
+          <a:lnRef idx="1">
+            <a:schemeClr val="accent2"/>
+          </a:lnRef>
+          <a:fillRef idx="0">
+            <a:schemeClr val="accent2"/>
+          </a:fillRef>
+          <a:effectRef idx="0">
+            <a:schemeClr val="accent2"/>
+          </a:effectRef>
+          <a:fontRef idx="minor">
+            <a:schemeClr val="tx1"/>
+          </a:fontRef>
+        </p:style>
+      </p:cxnSp>
+      <p:sp>
+        <p:nvSpPr>
+          <p:cNvPr id="76" name="TextBox 75">
+            <a:extLst>
+              <a:ext uri="{FF2B5EF4-FFF2-40B4-BE49-F238E27FC236}">
+                <a16:creationId xmlns:a16="http://schemas.microsoft.com/office/drawing/2014/main" id="{F6CB48FE-97B2-41F6-4D34-41257C12D073}"/>
+              </a:ext>
+            </a:extLst>
+          </p:cNvPr>
+          <p:cNvSpPr txBox="1"/>
+          <p:nvPr/>
+        </p:nvSpPr>
+        <p:spPr>
+          <a:xfrm>
+            <a:off x="3008765" y="1121349"/>
+            <a:ext cx="519694" cy="217432"/>
+          </a:xfrm>
+          <a:prstGeom prst="rect">
+            <a:avLst/>
+          </a:prstGeom>
+          <a:noFill/>
+        </p:spPr>
+        <p:txBody>
+          <a:bodyPr wrap="none" rtlCol="0">
+            <a:spAutoFit/>
+          </a:bodyPr>
+          <a:lstStyle/>
+          <a:p>
+            <a:pPr algn="ctr"/>
+            <a:r>
+              <a:rPr lang="en-US" altLang="ko-KR" sz="813">
+                <a:solidFill>
+                  <a:srgbClr val="0000FF"/>
+                </a:solidFill>
+                <a:latin typeface="나눔바른고딕" panose="020B0603020101020101" pitchFamily="50" charset="-127"/>
+                <a:ea typeface="나눔바른고딕" panose="020B0603020101020101" pitchFamily="50" charset="-127"/>
+              </a:rPr>
+              <a:t>0.7143</a:t>
+            </a:r>
+            <a:endParaRPr lang="ko-KR" altLang="en-US" sz="813">
+              <a:solidFill>
+                <a:srgbClr val="0000FF"/>
+              </a:solidFill>
+              <a:latin typeface="나눔바른고딕" panose="020B0603020101020101" pitchFamily="50" charset="-127"/>
+              <a:ea typeface="나눔바른고딕" panose="020B0603020101020101" pitchFamily="50" charset="-127"/>
+            </a:endParaRPr>
+          </a:p>
+        </p:txBody>
+      </p:sp>
+      <p:sp>
+        <p:nvSpPr>
+          <p:cNvPr id="77" name="TextBox 76">
+            <a:extLst>
+              <a:ext uri="{FF2B5EF4-FFF2-40B4-BE49-F238E27FC236}">
+                <a16:creationId xmlns:a16="http://schemas.microsoft.com/office/drawing/2014/main" id="{2DE5C7CE-811B-8772-651A-4CA18EFE2E40}"/>
+              </a:ext>
+            </a:extLst>
+          </p:cNvPr>
+          <p:cNvSpPr txBox="1"/>
+          <p:nvPr/>
+        </p:nvSpPr>
+        <p:spPr>
+          <a:xfrm>
+            <a:off x="2286397" y="916919"/>
+            <a:ext cx="409087" cy="223587"/>
+          </a:xfrm>
+          <a:prstGeom prst="rect">
+            <a:avLst/>
+          </a:prstGeom>
+          <a:noFill/>
+        </p:spPr>
+        <p:txBody>
+          <a:bodyPr wrap="none" rtlCol="0">
+            <a:spAutoFit/>
+          </a:bodyPr>
+          <a:lstStyle/>
+          <a:p>
+            <a:pPr algn="ctr"/>
+            <a:r>
+              <a:rPr lang="en-US" altLang="ko-KR" sz="853">
+                <a:solidFill>
+                  <a:schemeClr val="accent2"/>
+                </a:solidFill>
+                <a:latin typeface="나눔바른고딕" panose="020B0603020101020101" pitchFamily="50" charset="-127"/>
+                <a:ea typeface="나눔바른고딕" panose="020B0603020101020101" pitchFamily="50" charset="-127"/>
+              </a:rPr>
+              <a:t>0.25</a:t>
+            </a:r>
+            <a:endParaRPr lang="ko-KR" altLang="en-US" sz="853">
+              <a:solidFill>
+                <a:schemeClr val="accent2"/>
+              </a:solidFill>
+              <a:latin typeface="나눔바른고딕" panose="020B0603020101020101" pitchFamily="50" charset="-127"/>
+              <a:ea typeface="나눔바른고딕" panose="020B0603020101020101" pitchFamily="50" charset="-127"/>
+            </a:endParaRPr>
+          </a:p>
+        </p:txBody>
+      </p:sp>
+      <p:sp>
+        <p:nvSpPr>
+          <p:cNvPr id="79" name="TextBox 78">
+            <a:extLst>
+              <a:ext uri="{FF2B5EF4-FFF2-40B4-BE49-F238E27FC236}">
+                <a16:creationId xmlns:a16="http://schemas.microsoft.com/office/drawing/2014/main" id="{8D8AAEB1-F3BC-0BDC-F137-E5D3BB285638}"/>
+              </a:ext>
+            </a:extLst>
+          </p:cNvPr>
+          <p:cNvSpPr txBox="1"/>
+          <p:nvPr/>
+        </p:nvSpPr>
+        <p:spPr>
+          <a:xfrm>
+            <a:off x="2994969" y="916919"/>
+            <a:ext cx="409087" cy="223587"/>
+          </a:xfrm>
+          <a:prstGeom prst="rect">
+            <a:avLst/>
+          </a:prstGeom>
+          <a:noFill/>
+        </p:spPr>
+        <p:txBody>
+          <a:bodyPr wrap="none" rtlCol="0">
+            <a:spAutoFit/>
+          </a:bodyPr>
+          <a:lstStyle/>
+          <a:p>
+            <a:pPr algn="ctr"/>
+            <a:r>
+              <a:rPr lang="en-US" altLang="ko-KR" sz="853">
+                <a:solidFill>
+                  <a:schemeClr val="accent2"/>
+                </a:solidFill>
+                <a:latin typeface="나눔바른고딕" panose="020B0603020101020101" pitchFamily="50" charset="-127"/>
+                <a:ea typeface="나눔바른고딕" panose="020B0603020101020101" pitchFamily="50" charset="-127"/>
+              </a:rPr>
+              <a:t>0.75</a:t>
+            </a:r>
+            <a:endParaRPr lang="ko-KR" altLang="en-US" sz="853">
+              <a:solidFill>
+                <a:schemeClr val="accent2"/>
+              </a:solidFill>
+              <a:latin typeface="나눔바른고딕" panose="020B0603020101020101" pitchFamily="50" charset="-127"/>
+              <a:ea typeface="나눔바른고딕" panose="020B0603020101020101" pitchFamily="50" charset="-127"/>
+            </a:endParaRPr>
+          </a:p>
+        </p:txBody>
+      </p:sp>
+      <p:sp>
+        <p:nvSpPr>
+          <p:cNvPr id="80" name="TextBox 79">
+            <a:extLst>
+              <a:ext uri="{FF2B5EF4-FFF2-40B4-BE49-F238E27FC236}">
+                <a16:creationId xmlns:a16="http://schemas.microsoft.com/office/drawing/2014/main" id="{7826A038-37DB-29E1-F954-23FF0BC73FEC}"/>
+              </a:ext>
+            </a:extLst>
+          </p:cNvPr>
+          <p:cNvSpPr txBox="1"/>
+          <p:nvPr/>
+        </p:nvSpPr>
+        <p:spPr>
+          <a:xfrm>
+            <a:off x="276995" y="1371141"/>
+            <a:ext cx="473207" cy="223587"/>
+          </a:xfrm>
+          <a:prstGeom prst="rect">
+            <a:avLst/>
+          </a:prstGeom>
+          <a:noFill/>
+        </p:spPr>
+        <p:txBody>
+          <a:bodyPr wrap="none" rtlCol="0">
+            <a:spAutoFit/>
+          </a:bodyPr>
+          <a:lstStyle/>
+          <a:p>
+            <a:pPr algn="ctr"/>
+            <a:r>
+              <a:rPr lang="en-US" altLang="ko-KR" sz="853">
+                <a:solidFill>
+                  <a:schemeClr val="accent2"/>
+                </a:solidFill>
+                <a:latin typeface="나눔바른고딕" panose="020B0603020101020101" pitchFamily="50" charset="-127"/>
+                <a:ea typeface="나눔바른고딕" panose="020B0603020101020101" pitchFamily="50" charset="-127"/>
+              </a:rPr>
+              <a:t>-0.75</a:t>
+            </a:r>
+            <a:endParaRPr lang="ko-KR" altLang="en-US" sz="853">
+              <a:solidFill>
+                <a:schemeClr val="accent2"/>
+              </a:solidFill>
+              <a:latin typeface="나눔바른고딕" panose="020B0603020101020101" pitchFamily="50" charset="-127"/>
+              <a:ea typeface="나눔바른고딕" panose="020B0603020101020101" pitchFamily="50" charset="-127"/>
+            </a:endParaRPr>
+          </a:p>
+        </p:txBody>
+      </p:sp>
+      <p:sp>
+        <p:nvSpPr>
+          <p:cNvPr id="83" name="TextBox 82">
+            <a:extLst>
+              <a:ext uri="{FF2B5EF4-FFF2-40B4-BE49-F238E27FC236}">
+                <a16:creationId xmlns:a16="http://schemas.microsoft.com/office/drawing/2014/main" id="{9DC8EB9B-CB1C-8258-B28D-C5E109BE21BC}"/>
+              </a:ext>
+            </a:extLst>
+          </p:cNvPr>
+          <p:cNvSpPr txBox="1"/>
+          <p:nvPr/>
+        </p:nvSpPr>
+        <p:spPr>
+          <a:xfrm>
+            <a:off x="257593" y="2072430"/>
+            <a:ext cx="473207" cy="223587"/>
+          </a:xfrm>
+          <a:prstGeom prst="rect">
+            <a:avLst/>
+          </a:prstGeom>
+          <a:noFill/>
+        </p:spPr>
+        <p:txBody>
+          <a:bodyPr wrap="none" rtlCol="0">
+            <a:spAutoFit/>
+          </a:bodyPr>
+          <a:lstStyle/>
+          <a:p>
+            <a:pPr algn="ctr"/>
+            <a:r>
+              <a:rPr lang="en-US" altLang="ko-KR" sz="853">
+                <a:solidFill>
+                  <a:schemeClr val="accent2"/>
+                </a:solidFill>
+                <a:latin typeface="나눔바른고딕" panose="020B0603020101020101" pitchFamily="50" charset="-127"/>
+                <a:ea typeface="나눔바른고딕" panose="020B0603020101020101" pitchFamily="50" charset="-127"/>
+              </a:rPr>
+              <a:t>-0.25</a:t>
+            </a:r>
+            <a:endParaRPr lang="ko-KR" altLang="en-US" sz="853">
+              <a:solidFill>
+                <a:schemeClr val="accent2"/>
+              </a:solidFill>
+              <a:latin typeface="나눔바른고딕" panose="020B0603020101020101" pitchFamily="50" charset="-127"/>
+              <a:ea typeface="나눔바른고딕" panose="020B0603020101020101" pitchFamily="50" charset="-127"/>
+            </a:endParaRPr>
+          </a:p>
+        </p:txBody>
+      </p:sp>
+      <p:sp>
+        <p:nvSpPr>
+          <p:cNvPr id="85" name="TextBox 84">
+            <a:extLst>
+              <a:ext uri="{FF2B5EF4-FFF2-40B4-BE49-F238E27FC236}">
+                <a16:creationId xmlns:a16="http://schemas.microsoft.com/office/drawing/2014/main" id="{C5AF8EC4-CA78-22EF-28D6-CB3A8E8196D0}"/>
+              </a:ext>
+            </a:extLst>
+          </p:cNvPr>
+          <p:cNvSpPr txBox="1"/>
+          <p:nvPr/>
+        </p:nvSpPr>
+        <p:spPr>
+          <a:xfrm>
+            <a:off x="886933" y="4463905"/>
+            <a:ext cx="2480167" cy="267446"/>
+          </a:xfrm>
+          <a:prstGeom prst="rect">
+            <a:avLst/>
+          </a:prstGeom>
+          <a:noFill/>
+        </p:spPr>
+        <p:txBody>
+          <a:bodyPr wrap="none" rtlCol="0">
+            <a:spAutoFit/>
+          </a:bodyPr>
+          <a:lstStyle/>
+          <a:p>
+            <a:pPr algn="ctr"/>
+            <a:r>
+              <a:rPr lang="en-US" altLang="ko-KR" sz="1138">
+                <a:latin typeface="나눔바른고딕" panose="020B0603020101020101" pitchFamily="50" charset="-127"/>
+                <a:ea typeface="나눔바른고딕" panose="020B0603020101020101" pitchFamily="50" charset="-127"/>
+              </a:rPr>
+              <a:t>output(0.7143, -0.7143) = 3.2143</a:t>
+            </a:r>
+            <a:endParaRPr lang="ko-KR" altLang="en-US" sz="1138">
+              <a:latin typeface="나눔바른고딕" panose="020B0603020101020101" pitchFamily="50" charset="-127"/>
+              <a:ea typeface="나눔바른고딕" panose="020B0603020101020101" pitchFamily="50" charset="-127"/>
+            </a:endParaRPr>
+          </a:p>
+        </p:txBody>
+      </p:sp>
+      <p:sp>
+        <p:nvSpPr>
+          <p:cNvPr id="86" name="타원 85">
+            <a:extLst>
+              <a:ext uri="{FF2B5EF4-FFF2-40B4-BE49-F238E27FC236}">
+                <a16:creationId xmlns:a16="http://schemas.microsoft.com/office/drawing/2014/main" id="{E838D6FB-B54D-6ECD-E600-3FF949A3B327}"/>
+              </a:ext>
+            </a:extLst>
+          </p:cNvPr>
+          <p:cNvSpPr/>
+          <p:nvPr/>
+        </p:nvSpPr>
+        <p:spPr>
+          <a:xfrm>
+            <a:off x="818549" y="4563995"/>
+            <a:ext cx="49890" cy="49890"/>
+          </a:xfrm>
+          <a:prstGeom prst="ellipse">
+            <a:avLst/>
+          </a:prstGeom>
+          <a:solidFill>
+            <a:schemeClr val="tx1"/>
+          </a:solidFill>
+          <a:ln>
+            <a:solidFill>
+              <a:schemeClr val="tx1"/>
+            </a:solidFill>
+          </a:ln>
+        </p:spPr>
+        <p:style>
+          <a:lnRef idx="2">
+            <a:schemeClr val="accent1">
+              <a:shade val="15000"/>
+            </a:schemeClr>
+          </a:lnRef>
+          <a:fillRef idx="1">
+            <a:schemeClr val="accent1"/>
+          </a:fillRef>
+          <a:effectRef idx="0">
+            <a:schemeClr val="accent1"/>
+          </a:effectRef>
+          <a:fontRef idx="minor">
+            <a:schemeClr val="lt1"/>
+          </a:fontRef>
+        </p:style>
+        <p:txBody>
+          <a:bodyPr rtlCol="0" anchor="ctr"/>
+          <a:lstStyle/>
+          <a:p>
+            <a:pPr algn="ctr"/>
+            <a:endParaRPr lang="ko-KR" altLang="en-US" sz="1463"/>
+          </a:p>
+        </p:txBody>
+      </p:sp>
+      <p:sp>
+        <p:nvSpPr>
+          <p:cNvPr id="87" name="직사각형 86">
+            <a:extLst>
+              <a:ext uri="{FF2B5EF4-FFF2-40B4-BE49-F238E27FC236}">
+                <a16:creationId xmlns:a16="http://schemas.microsoft.com/office/drawing/2014/main" id="{F7D8FD5D-BDBF-CE8D-6711-7B1C21289ED6}"/>
+              </a:ext>
+            </a:extLst>
+          </p:cNvPr>
+          <p:cNvSpPr/>
+          <p:nvPr/>
+        </p:nvSpPr>
+        <p:spPr>
+          <a:xfrm>
+            <a:off x="3073483" y="1628540"/>
+            <a:ext cx="109207" cy="520246"/>
+          </a:xfrm>
+          <a:prstGeom prst="rect">
+            <a:avLst/>
+          </a:prstGeom>
+          <a:solidFill>
+            <a:srgbClr val="FFFF00"/>
+          </a:solidFill>
+          <a:ln>
+            <a:noFill/>
+          </a:ln>
+        </p:spPr>
+        <p:style>
+          <a:lnRef idx="2">
+            <a:schemeClr val="accent1">
+              <a:shade val="15000"/>
+            </a:schemeClr>
+          </a:lnRef>
+          <a:fillRef idx="1">
+            <a:schemeClr val="accent1"/>
+          </a:fillRef>
+          <a:effectRef idx="0">
+            <a:schemeClr val="accent1"/>
+          </a:effectRef>
+          <a:fontRef idx="minor">
+            <a:schemeClr val="lt1"/>
+          </a:fontRef>
+        </p:style>
+        <p:txBody>
+          <a:bodyPr rtlCol="0" anchor="ctr"/>
+          <a:lstStyle/>
+          <a:p>
+            <a:pPr algn="ctr"/>
+            <a:endParaRPr lang="ko-KR" altLang="en-US" sz="1463"/>
+          </a:p>
+        </p:txBody>
+      </p:sp>
+      <p:sp>
+        <p:nvSpPr>
+          <p:cNvPr id="48" name="TextBox 47">
+            <a:extLst>
+              <a:ext uri="{FF2B5EF4-FFF2-40B4-BE49-F238E27FC236}">
+                <a16:creationId xmlns:a16="http://schemas.microsoft.com/office/drawing/2014/main" id="{7B547EBB-045D-9114-19A6-574A1CE7AF70}"/>
+              </a:ext>
+            </a:extLst>
+          </p:cNvPr>
+          <p:cNvSpPr txBox="1"/>
+          <p:nvPr/>
+        </p:nvSpPr>
+        <p:spPr>
+          <a:xfrm>
+            <a:off x="3061303" y="2055075"/>
+            <a:ext cx="269626" cy="267446"/>
+          </a:xfrm>
+          <a:prstGeom prst="rect">
+            <a:avLst/>
+          </a:prstGeom>
+          <a:noFill/>
+        </p:spPr>
+        <p:txBody>
+          <a:bodyPr wrap="none" rtlCol="0">
+            <a:spAutoFit/>
+          </a:bodyPr>
+          <a:lstStyle/>
+          <a:p>
+            <a:pPr algn="ctr"/>
+            <a:r>
+              <a:rPr lang="en-US" altLang="ko-KR" sz="1138">
+                <a:latin typeface="나눔바른고딕" panose="020B0603020101020101" pitchFamily="50" charset="-127"/>
+                <a:ea typeface="나눔바른고딕" panose="020B0603020101020101" pitchFamily="50" charset="-127"/>
+              </a:rPr>
+              <a:t>7</a:t>
+            </a:r>
+            <a:endParaRPr lang="ko-KR" altLang="en-US" sz="1138">
+              <a:latin typeface="나눔바른고딕" panose="020B0603020101020101" pitchFamily="50" charset="-127"/>
+              <a:ea typeface="나눔바른고딕" panose="020B0603020101020101" pitchFamily="50" charset="-127"/>
+            </a:endParaRPr>
+          </a:p>
+        </p:txBody>
+      </p:sp>
+      <p:sp>
+        <p:nvSpPr>
+          <p:cNvPr id="44" name="TextBox 43">
+            <a:extLst>
+              <a:ext uri="{FF2B5EF4-FFF2-40B4-BE49-F238E27FC236}">
+                <a16:creationId xmlns:a16="http://schemas.microsoft.com/office/drawing/2014/main" id="{74DB9AD4-48EC-1698-3943-2CBCB5642D4E}"/>
+              </a:ext>
+            </a:extLst>
+          </p:cNvPr>
+          <p:cNvSpPr txBox="1"/>
+          <p:nvPr/>
+        </p:nvSpPr>
+        <p:spPr>
+          <a:xfrm>
+            <a:off x="3061303" y="1359681"/>
+            <a:ext cx="269626" cy="267446"/>
+          </a:xfrm>
+          <a:prstGeom prst="rect">
+            <a:avLst/>
+          </a:prstGeom>
+          <a:noFill/>
+        </p:spPr>
+        <p:txBody>
+          <a:bodyPr wrap="none" rtlCol="0">
+            <a:spAutoFit/>
+          </a:bodyPr>
+          <a:lstStyle/>
+          <a:p>
+            <a:pPr algn="ctr"/>
+            <a:r>
+              <a:rPr lang="en-US" altLang="ko-KR" sz="1138">
+                <a:latin typeface="나눔바른고딕" panose="020B0603020101020101" pitchFamily="50" charset="-127"/>
+                <a:ea typeface="나눔바른고딕" panose="020B0603020101020101" pitchFamily="50" charset="-127"/>
+              </a:rPr>
+              <a:t>3</a:t>
+            </a:r>
+            <a:endParaRPr lang="ko-KR" altLang="en-US" sz="1138">
+              <a:latin typeface="나눔바른고딕" panose="020B0603020101020101" pitchFamily="50" charset="-127"/>
+              <a:ea typeface="나눔바른고딕" panose="020B0603020101020101" pitchFamily="50" charset="-127"/>
+            </a:endParaRPr>
+          </a:p>
+        </p:txBody>
+      </p:sp>
+      <p:sp>
+        <p:nvSpPr>
+          <p:cNvPr id="88" name="직사각형 87">
+            <a:extLst>
+              <a:ext uri="{FF2B5EF4-FFF2-40B4-BE49-F238E27FC236}">
+                <a16:creationId xmlns:a16="http://schemas.microsoft.com/office/drawing/2014/main" id="{70E70751-EC8D-8D46-5AE7-DD583964DAA5}"/>
+              </a:ext>
+            </a:extLst>
+          </p:cNvPr>
+          <p:cNvSpPr/>
+          <p:nvPr/>
+        </p:nvSpPr>
+        <p:spPr>
+          <a:xfrm>
+            <a:off x="3070337" y="1486124"/>
+            <a:ext cx="116221" cy="119055"/>
+          </a:xfrm>
+          <a:prstGeom prst="rect">
+            <a:avLst/>
+          </a:prstGeom>
+          <a:solidFill>
+            <a:srgbClr val="9AFF9A"/>
+          </a:solidFill>
+          <a:ln>
+            <a:noFill/>
+          </a:ln>
+        </p:spPr>
+        <p:style>
+          <a:lnRef idx="2">
+            <a:schemeClr val="accent1">
+              <a:shade val="15000"/>
+            </a:schemeClr>
+          </a:lnRef>
+          <a:fillRef idx="1">
+            <a:schemeClr val="accent1"/>
+          </a:fillRef>
+          <a:effectRef idx="0">
+            <a:schemeClr val="accent1"/>
+          </a:effectRef>
+          <a:fontRef idx="minor">
+            <a:schemeClr val="lt1"/>
+          </a:fontRef>
+        </p:style>
+        <p:txBody>
+          <a:bodyPr rtlCol="0" anchor="ctr"/>
+          <a:lstStyle/>
+          <a:p>
+            <a:pPr algn="ctr"/>
+            <a:endParaRPr lang="ko-KR" altLang="en-US" sz="1463"/>
+          </a:p>
+        </p:txBody>
+      </p:sp>
+      <p:sp>
+        <p:nvSpPr>
+          <p:cNvPr id="89" name="직사각형 88">
+            <a:extLst>
+              <a:ext uri="{FF2B5EF4-FFF2-40B4-BE49-F238E27FC236}">
+                <a16:creationId xmlns:a16="http://schemas.microsoft.com/office/drawing/2014/main" id="{E95582C8-F84F-860C-0416-9365C931F982}"/>
+              </a:ext>
+            </a:extLst>
+          </p:cNvPr>
+          <p:cNvSpPr/>
+          <p:nvPr/>
+        </p:nvSpPr>
+        <p:spPr>
+          <a:xfrm>
+            <a:off x="2509642" y="1636239"/>
+            <a:ext cx="526793" cy="525300"/>
+          </a:xfrm>
+          <a:prstGeom prst="rect">
+            <a:avLst/>
+          </a:prstGeom>
+          <a:solidFill>
+            <a:srgbClr val="9A9AFF"/>
+          </a:solidFill>
+          <a:ln>
+            <a:noFill/>
+          </a:ln>
+        </p:spPr>
+        <p:style>
+          <a:lnRef idx="2">
+            <a:schemeClr val="accent1">
+              <a:shade val="15000"/>
+            </a:schemeClr>
+          </a:lnRef>
+          <a:fillRef idx="1">
+            <a:schemeClr val="accent1"/>
+          </a:fillRef>
+          <a:effectRef idx="0">
+            <a:schemeClr val="accent1"/>
+          </a:effectRef>
+          <a:fontRef idx="minor">
+            <a:schemeClr val="lt1"/>
+          </a:fontRef>
+        </p:style>
+        <p:txBody>
+          <a:bodyPr rtlCol="0" anchor="ctr"/>
+          <a:lstStyle/>
+          <a:p>
+            <a:pPr algn="ctr"/>
+            <a:endParaRPr lang="ko-KR" altLang="en-US" sz="1463"/>
+          </a:p>
+        </p:txBody>
+      </p:sp>
+      <p:sp>
+        <p:nvSpPr>
+          <p:cNvPr id="47" name="TextBox 46">
+            <a:extLst>
+              <a:ext uri="{FF2B5EF4-FFF2-40B4-BE49-F238E27FC236}">
+                <a16:creationId xmlns:a16="http://schemas.microsoft.com/office/drawing/2014/main" id="{C84E2648-0FC7-38D0-7F35-3B61356F2BE5}"/>
+              </a:ext>
+            </a:extLst>
+          </p:cNvPr>
+          <p:cNvSpPr txBox="1"/>
+          <p:nvPr/>
+        </p:nvSpPr>
+        <p:spPr>
+          <a:xfrm>
+            <a:off x="2348389" y="2055075"/>
+            <a:ext cx="269626" cy="267446"/>
+          </a:xfrm>
+          <a:prstGeom prst="rect">
+            <a:avLst/>
+          </a:prstGeom>
+          <a:noFill/>
+        </p:spPr>
+        <p:txBody>
+          <a:bodyPr wrap="none" rtlCol="0">
+            <a:spAutoFit/>
+          </a:bodyPr>
+          <a:lstStyle/>
+          <a:p>
+            <a:pPr algn="ctr"/>
+            <a:r>
+              <a:rPr lang="en-US" altLang="ko-KR" sz="1138">
+                <a:latin typeface="나눔바른고딕" panose="020B0603020101020101" pitchFamily="50" charset="-127"/>
+                <a:ea typeface="나눔바른고딕" panose="020B0603020101020101" pitchFamily="50" charset="-127"/>
+              </a:rPr>
+              <a:t>6</a:t>
+            </a:r>
+            <a:endParaRPr lang="ko-KR" altLang="en-US" sz="1138">
+              <a:latin typeface="나눔바른고딕" panose="020B0603020101020101" pitchFamily="50" charset="-127"/>
+              <a:ea typeface="나눔바른고딕" panose="020B0603020101020101" pitchFamily="50" charset="-127"/>
+            </a:endParaRPr>
+          </a:p>
+        </p:txBody>
+      </p:sp>
+      <p:sp>
+        <p:nvSpPr>
+          <p:cNvPr id="90" name="직사각형 89">
+            <a:extLst>
+              <a:ext uri="{FF2B5EF4-FFF2-40B4-BE49-F238E27FC236}">
+                <a16:creationId xmlns:a16="http://schemas.microsoft.com/office/drawing/2014/main" id="{4EF6356F-C6A3-5764-B758-EE1CB56EB097}"/>
+              </a:ext>
+            </a:extLst>
+          </p:cNvPr>
+          <p:cNvSpPr/>
+          <p:nvPr/>
+        </p:nvSpPr>
+        <p:spPr>
+          <a:xfrm>
+            <a:off x="2513511" y="1480765"/>
+            <a:ext cx="526795" cy="127554"/>
+          </a:xfrm>
+          <a:prstGeom prst="rect">
+            <a:avLst/>
+          </a:prstGeom>
+          <a:solidFill>
+            <a:srgbClr val="FF9A9A"/>
+          </a:solidFill>
+          <a:ln>
+            <a:noFill/>
+          </a:ln>
+        </p:spPr>
+        <p:style>
+          <a:lnRef idx="2">
+            <a:schemeClr val="accent1">
+              <a:shade val="15000"/>
+            </a:schemeClr>
+          </a:lnRef>
+          <a:fillRef idx="1">
+            <a:schemeClr val="accent1"/>
+          </a:fillRef>
+          <a:effectRef idx="0">
+            <a:schemeClr val="accent1"/>
+          </a:effectRef>
+          <a:fontRef idx="minor">
+            <a:schemeClr val="lt1"/>
+          </a:fontRef>
+        </p:style>
+        <p:txBody>
+          <a:bodyPr rtlCol="0" anchor="ctr"/>
+          <a:lstStyle/>
+          <a:p>
+            <a:pPr algn="ctr"/>
+            <a:endParaRPr lang="ko-KR" altLang="en-US" sz="1463"/>
+          </a:p>
+        </p:txBody>
+      </p:sp>
+      <p:sp>
+        <p:nvSpPr>
+          <p:cNvPr id="84" name="타원 83">
+            <a:extLst>
+              <a:ext uri="{FF2B5EF4-FFF2-40B4-BE49-F238E27FC236}">
+                <a16:creationId xmlns:a16="http://schemas.microsoft.com/office/drawing/2014/main" id="{6920D2DA-BDD5-0B90-09CB-D0EE972E0F78}"/>
+              </a:ext>
+            </a:extLst>
+          </p:cNvPr>
+          <p:cNvSpPr/>
+          <p:nvPr/>
+        </p:nvSpPr>
+        <p:spPr>
+          <a:xfrm>
+            <a:off x="3028875" y="1591892"/>
+            <a:ext cx="49890" cy="49890"/>
+          </a:xfrm>
+          <a:prstGeom prst="ellipse">
+            <a:avLst/>
+          </a:prstGeom>
+          <a:solidFill>
+            <a:schemeClr val="tx1"/>
+          </a:solidFill>
+          <a:ln>
+            <a:solidFill>
+              <a:schemeClr val="tx1"/>
+            </a:solidFill>
+          </a:ln>
+        </p:spPr>
+        <p:style>
+          <a:lnRef idx="2">
+            <a:schemeClr val="accent1">
+              <a:shade val="15000"/>
+            </a:schemeClr>
+          </a:lnRef>
+          <a:fillRef idx="1">
+            <a:schemeClr val="accent1"/>
+          </a:fillRef>
+          <a:effectRef idx="0">
+            <a:schemeClr val="accent1"/>
+          </a:effectRef>
+          <a:fontRef idx="minor">
+            <a:schemeClr val="lt1"/>
+          </a:fontRef>
+        </p:style>
+        <p:txBody>
+          <a:bodyPr rtlCol="0" anchor="ctr"/>
+          <a:lstStyle/>
+          <a:p>
+            <a:pPr algn="ctr"/>
+            <a:endParaRPr lang="ko-KR" altLang="en-US" sz="1463"/>
+          </a:p>
+        </p:txBody>
+      </p:sp>
+      <p:sp>
+        <p:nvSpPr>
+          <p:cNvPr id="43" name="TextBox 42">
+            <a:extLst>
+              <a:ext uri="{FF2B5EF4-FFF2-40B4-BE49-F238E27FC236}">
+                <a16:creationId xmlns:a16="http://schemas.microsoft.com/office/drawing/2014/main" id="{2284CBA1-C7E5-0CEB-E638-4097AF4072DD}"/>
+              </a:ext>
+            </a:extLst>
+          </p:cNvPr>
+          <p:cNvSpPr txBox="1"/>
+          <p:nvPr/>
+        </p:nvSpPr>
+        <p:spPr>
+          <a:xfrm>
+            <a:off x="2348389" y="1359681"/>
+            <a:ext cx="269626" cy="267446"/>
+          </a:xfrm>
+          <a:prstGeom prst="rect">
+            <a:avLst/>
+          </a:prstGeom>
+          <a:noFill/>
+        </p:spPr>
+        <p:txBody>
+          <a:bodyPr wrap="none" rtlCol="0">
+            <a:spAutoFit/>
+          </a:bodyPr>
+          <a:lstStyle/>
+          <a:p>
+            <a:pPr algn="ctr"/>
+            <a:r>
+              <a:rPr lang="en-US" altLang="ko-KR" sz="1138">
+                <a:latin typeface="나눔바른고딕" panose="020B0603020101020101" pitchFamily="50" charset="-127"/>
+                <a:ea typeface="나눔바른고딕" panose="020B0603020101020101" pitchFamily="50" charset="-127"/>
+              </a:rPr>
+              <a:t>2</a:t>
+            </a:r>
+            <a:endParaRPr lang="ko-KR" altLang="en-US" sz="1138">
+              <a:latin typeface="나눔바른고딕" panose="020B0603020101020101" pitchFamily="50" charset="-127"/>
+              <a:ea typeface="나눔바른고딕" panose="020B0603020101020101" pitchFamily="50" charset="-127"/>
+            </a:endParaRPr>
+          </a:p>
+        </p:txBody>
+      </p:sp>
+    </p:spTree>
+    <p:extLst>
+      <p:ext uri="{BB962C8B-B14F-4D97-AF65-F5344CB8AC3E}">
+        <p14:creationId xmlns:p14="http://schemas.microsoft.com/office/powerpoint/2010/main" val="1875880169"/>
+      </p:ext>
+    </p:extLst>
+  </p:cSld>
+  <p:clrMapOvr>
+    <a:masterClrMapping/>
+  </p:clrMapOvr>
+</p:sld>
+</file>
+
+<file path=ppt/slides/slide7.xml><?xml version="1.0" encoding="utf-8"?>
+<p:sld xmlns:a="http://schemas.openxmlformats.org/drawingml/2006/main" xmlns:r="http://schemas.openxmlformats.org/officeDocument/2006/relationships" xmlns:p="http://schemas.openxmlformats.org/presentationml/2006/main">
+  <p:cSld>
+    <p:spTree>
+      <p:nvGrpSpPr>
+        <p:cNvPr id="1" name=""/>
+        <p:cNvGrpSpPr/>
+        <p:nvPr/>
+      </p:nvGrpSpPr>
+      <p:grpSpPr>
+        <a:xfrm>
+          <a:off x="0" y="0"/>
+          <a:ext cx="0" cy="0"/>
+          <a:chOff x="0" y="0"/>
+          <a:chExt cx="0" cy="0"/>
+        </a:xfrm>
+      </p:grpSpPr>
+      <p:sp>
+        <p:nvSpPr>
+          <p:cNvPr id="5" name="TextBox 4">
+            <a:extLst>
+              <a:ext uri="{FF2B5EF4-FFF2-40B4-BE49-F238E27FC236}">
+                <a16:creationId xmlns:a16="http://schemas.microsoft.com/office/drawing/2014/main" id="{D077E4EA-4EF7-4744-A59C-3515084E12B2}"/>
+              </a:ext>
+            </a:extLst>
+          </p:cNvPr>
+          <p:cNvSpPr txBox="1"/>
+          <p:nvPr/>
+        </p:nvSpPr>
+        <p:spPr>
+          <a:xfrm>
+            <a:off x="563404" y="908872"/>
+            <a:ext cx="9342596" cy="1893339"/>
+          </a:xfrm>
+          <a:prstGeom prst="rect">
+            <a:avLst/>
+          </a:prstGeom>
+          <a:noFill/>
+        </p:spPr>
+        <p:txBody>
+          <a:bodyPr wrap="square">
+            <a:spAutoFit/>
+          </a:bodyPr>
+          <a:lstStyle/>
+          <a:p>
+            <a:r>
+              <a:rPr lang="en-US" altLang="ko-KR" sz="1463">
+                <a:latin typeface="Consolas" panose="020B0609020204030204" pitchFamily="49" charset="0"/>
+              </a:rPr>
+              <a:t>tensor([[[[ 0.0000,  0.0357,  0.3214,  0.6071,  0.8929,  1.1786,  1.4643,  0.7500],</a:t>
+            </a:r>
+          </a:p>
+          <a:p>
+            <a:r>
+              <a:rPr lang="en-US" altLang="ko-KR" sz="1463">
+                <a:latin typeface="Consolas" panose="020B0609020204030204" pitchFamily="49" charset="0"/>
+              </a:rPr>
+              <a:t>          [ 0.1429,  0.3571,  0.9286,  1.5000,  2.0714,  2.6429,  </a:t>
+            </a:r>
+            <a:r>
+              <a:rPr lang="en-US" altLang="ko-KR" sz="1463">
+                <a:solidFill>
+                  <a:srgbClr val="FF0000"/>
+                </a:solidFill>
+                <a:latin typeface="Consolas" panose="020B0609020204030204" pitchFamily="49" charset="0"/>
+              </a:rPr>
+              <a:t>3.2143</a:t>
+            </a:r>
+            <a:r>
+              <a:rPr lang="en-US" altLang="ko-KR" sz="1463">
+                <a:latin typeface="Consolas" panose="020B0609020204030204" pitchFamily="49" charset="0"/>
+              </a:rPr>
+              <a:t>,  1.6429],</a:t>
+            </a:r>
+          </a:p>
+          <a:p>
+            <a:r>
+              <a:rPr lang="en-US" altLang="ko-KR" sz="1463">
+                <a:latin typeface="Consolas" panose="020B0609020204030204" pitchFamily="49" charset="0"/>
+              </a:rPr>
+              <a:t>          [ 1.2857,  2.6429,  3.2143,  3.7857,  4.3571,  4.9286,  5.5000,  2.7857],</a:t>
+            </a:r>
+          </a:p>
+          <a:p>
+            <a:r>
+              <a:rPr lang="en-US" altLang="ko-KR" sz="1463">
+                <a:latin typeface="Consolas" panose="020B0609020204030204" pitchFamily="49" charset="0"/>
+              </a:rPr>
+              <a:t>          [ 2.4286,  4.9286,  5.5000,  6.0714,  6.6429,  7.2143,  7.7857,  3.9286],</a:t>
+            </a:r>
+          </a:p>
+          <a:p>
+            <a:r>
+              <a:rPr lang="en-US" altLang="ko-KR" sz="1463">
+                <a:latin typeface="Consolas" panose="020B0609020204030204" pitchFamily="49" charset="0"/>
+              </a:rPr>
+              <a:t>          [ 3.5714,  7.2143,  7.7857,  8.3571,  8.9286,  9.5000, 10.0714,  5.0714],</a:t>
+            </a:r>
+          </a:p>
+          <a:p>
+            <a:r>
+              <a:rPr lang="en-US" altLang="ko-KR" sz="1463">
+                <a:latin typeface="Consolas" panose="020B0609020204030204" pitchFamily="49" charset="0"/>
+              </a:rPr>
+              <a:t>          [ 4.7143,  9.5000, 10.0714, 10.6429, 11.2143, 11.7857, 12.3571,  6.2143],</a:t>
+            </a:r>
+          </a:p>
+          <a:p>
+            <a:r>
+              <a:rPr lang="en-US" altLang="ko-KR" sz="1463">
+                <a:latin typeface="Consolas" panose="020B0609020204030204" pitchFamily="49" charset="0"/>
+              </a:rPr>
+              <a:t>          [ 5.8571, 11.7857, 12.3571, 12.9286, 13.5000, 14.0714, 14.6429,  7.3571],</a:t>
+            </a:r>
+          </a:p>
+          <a:p>
+            <a:r>
+              <a:rPr lang="en-US" altLang="ko-KR" sz="1463">
+                <a:latin typeface="Consolas" panose="020B0609020204030204" pitchFamily="49" charset="0"/>
+              </a:rPr>
+              <a:t>          [ 3.0000,  6.0357,  6.3214,  6.6071,  6.8929,  7.1786,  7.4643,  3.7500]]]])</a:t>
+            </a:r>
+          </a:p>
+        </p:txBody>
+      </p:sp>
+      <p:pic>
+        <p:nvPicPr>
+          <p:cNvPr id="7" name="그림 6">
+            <a:extLst>
+              <a:ext uri="{FF2B5EF4-FFF2-40B4-BE49-F238E27FC236}">
+                <a16:creationId xmlns:a16="http://schemas.microsoft.com/office/drawing/2014/main" id="{D0E330A0-C9FE-7178-7648-15164F424CB1}"/>
+              </a:ext>
+            </a:extLst>
+          </p:cNvPr>
+          <p:cNvPicPr>
+            <a:picLocks noChangeAspect="1"/>
+          </p:cNvPicPr>
+          <p:nvPr/>
+        </p:nvPicPr>
+        <p:blipFill>
+          <a:blip r:embed="rId2"/>
+          <a:stretch>
+            <a:fillRect/>
+          </a:stretch>
+        </p:blipFill>
+        <p:spPr>
+          <a:xfrm>
+            <a:off x="420599" y="2959618"/>
+            <a:ext cx="9386748" cy="1966512"/>
+          </a:xfrm>
+          <a:prstGeom prst="rect">
+            <a:avLst/>
+          </a:prstGeom>
+        </p:spPr>
+      </p:pic>
+    </p:spTree>
+    <p:extLst>
+      <p:ext uri="{BB962C8B-B14F-4D97-AF65-F5344CB8AC3E}">
+        <p14:creationId xmlns:p14="http://schemas.microsoft.com/office/powerpoint/2010/main" val="2491750592"/>
+      </p:ext>
+    </p:extLst>
+  </p:cSld>
+  <p:clrMapOvr>
+    <a:masterClrMapping/>
+  </p:clrMapOvr>
+</p:sld>
+</file>
+
 <file path=ppt/theme/theme1.xml><?xml version="1.0" encoding="utf-8"?>
 <a:theme xmlns:a="http://schemas.openxmlformats.org/drawingml/2006/main" name="Default Theme">
   <a:themeElements>
